--- a/deck/M365DevProxy - Arjun Menon.pptx
+++ b/deck/M365DevProxy - Arjun Menon.pptx
@@ -5,10 +5,10 @@
     <p:sldMasterId id="2147483648" r:id="rId4"/>
   </p:sldMasterIdLst>
   <p:notesMasterIdLst>
-    <p:notesMasterId r:id="rId14"/>
+    <p:notesMasterId r:id="rId16"/>
   </p:notesMasterIdLst>
   <p:handoutMasterIdLst>
-    <p:handoutMasterId r:id="rId15"/>
+    <p:handoutMasterId r:id="rId17"/>
   </p:handoutMasterIdLst>
   <p:sldIdLst>
     <p:sldId id="1608" r:id="rId5"/>
@@ -19,7 +19,9 @@
     <p:sldId id="262" r:id="rId10"/>
     <p:sldId id="1594" r:id="rId11"/>
     <p:sldId id="1605" r:id="rId12"/>
-    <p:sldId id="264" r:id="rId13"/>
+    <p:sldId id="1610" r:id="rId13"/>
+    <p:sldId id="1609" r:id="rId14"/>
+    <p:sldId id="264" r:id="rId15"/>
   </p:sldIdLst>
   <p:sldSz cx="12192000" cy="6858000"/>
   <p:notesSz cx="6858000" cy="9144000"/>
@@ -223,7 +225,7 @@
           <a:p>
             <a:fld id="{2606C8FE-A40F-4EFA-9399-CBDFD77EB4EF}" type="datetimeFigureOut">
               <a:rPr lang="en-US" smtClean="0"/>
-              <a:t>11/21/24</a:t>
+              <a:t>11/27/24</a:t>
             </a:fld>
             <a:endParaRPr lang="en-US"/>
           </a:p>
@@ -400,7 +402,7 @@
           <a:p>
             <a:fld id="{DAFE1A50-ADA4-4343-9FD7-5307B4B307B5}" type="datetimeFigureOut">
               <a:rPr lang="en-US" smtClean="0"/>
-              <a:t>11/21/24</a:t>
+              <a:t>11/27/24</a:t>
             </a:fld>
             <a:endParaRPr lang="en-US"/>
           </a:p>
@@ -1438,7 +1440,7 @@
           <a:p>
             <a:fld id="{6D31EB7D-9C62-455A-A64E-330624384AE6}" type="datetimeFigureOut">
               <a:rPr lang="en-US" smtClean="0"/>
-              <a:t>11/21/24</a:t>
+              <a:t>11/27/24</a:t>
             </a:fld>
             <a:endParaRPr lang="en-US"/>
           </a:p>
@@ -1610,7 +1612,7 @@
           <a:p>
             <a:fld id="{6D31EB7D-9C62-455A-A64E-330624384AE6}" type="datetimeFigureOut">
               <a:rPr lang="en-US" smtClean="0"/>
-              <a:t>11/21/24</a:t>
+              <a:t>11/27/24</a:t>
             </a:fld>
             <a:endParaRPr lang="en-US"/>
           </a:p>
@@ -1747,7 +1749,7 @@
           <a:p>
             <a:fld id="{6D31EB7D-9C62-455A-A64E-330624384AE6}" type="datetimeFigureOut">
               <a:rPr lang="en-US" smtClean="0"/>
-              <a:t>11/21/24</a:t>
+              <a:t>11/27/24</a:t>
             </a:fld>
             <a:endParaRPr lang="en-US"/>
           </a:p>
@@ -2129,7 +2131,7 @@
             <a:fld id="{6D31EB7D-9C62-455A-A64E-330624384AE6}" type="datetimeFigureOut">
               <a:rPr lang="en-US" smtClean="0"/>
               <a:pPr/>
-              <a:t>11/21/24</a:t>
+              <a:t>11/27/24</a:t>
             </a:fld>
             <a:endParaRPr lang="en-US"/>
           </a:p>
@@ -2476,7 +2478,7 @@
             <a:fld id="{6D31EB7D-9C62-455A-A64E-330624384AE6}" type="datetimeFigureOut">
               <a:rPr lang="en-US" smtClean="0"/>
               <a:pPr/>
-              <a:t>11/21/24</a:t>
+              <a:t>11/27/24</a:t>
             </a:fld>
             <a:endParaRPr lang="en-US"/>
           </a:p>
@@ -2774,7 +2776,7 @@
             <a:fld id="{6D31EB7D-9C62-455A-A64E-330624384AE6}" type="datetimeFigureOut">
               <a:rPr lang="en-US" smtClean="0"/>
               <a:pPr/>
-              <a:t>11/21/24</a:t>
+              <a:t>11/27/24</a:t>
             </a:fld>
             <a:endParaRPr lang="en-US"/>
           </a:p>
@@ -3082,7 +3084,7 @@
             <a:fld id="{6D31EB7D-9C62-455A-A64E-330624384AE6}" type="datetimeFigureOut">
               <a:rPr lang="en-US" smtClean="0"/>
               <a:pPr/>
-              <a:t>11/21/24</a:t>
+              <a:t>11/27/24</a:t>
             </a:fld>
             <a:endParaRPr lang="en-US"/>
           </a:p>
@@ -5277,7 +5279,7 @@
           <a:p>
             <a:fld id="{6D31EB7D-9C62-455A-A64E-330624384AE6}" type="datetimeFigureOut">
               <a:rPr lang="en-US" smtClean="0"/>
-              <a:t>11/21/24</a:t>
+              <a:t>11/27/24</a:t>
             </a:fld>
             <a:endParaRPr lang="en-US"/>
           </a:p>
@@ -5581,7 +5583,7 @@
           <a:p>
             <a:fld id="{6D31EB7D-9C62-455A-A64E-330624384AE6}" type="datetimeFigureOut">
               <a:rPr lang="en-US" smtClean="0"/>
-              <a:t>11/21/24</a:t>
+              <a:t>11/27/24</a:t>
             </a:fld>
             <a:endParaRPr lang="en-US"/>
           </a:p>
@@ -5934,7 +5936,7 @@
           <a:p>
             <a:fld id="{6D31EB7D-9C62-455A-A64E-330624384AE6}" type="datetimeFigureOut">
               <a:rPr lang="en-US" smtClean="0"/>
-              <a:t>11/21/24</a:t>
+              <a:t>11/27/24</a:t>
             </a:fld>
             <a:endParaRPr lang="en-US"/>
           </a:p>
@@ -7062,6 +7064,205 @@
 </p:sld>
 </file>
 
+<file path=ppt/slides/slide10.xml><?xml version="1.0" encoding="utf-8"?>
+<p:sld xmlns:a="http://schemas.openxmlformats.org/drawingml/2006/main" xmlns:r="http://schemas.openxmlformats.org/officeDocument/2006/relationships" xmlns:p="http://schemas.openxmlformats.org/presentationml/2006/main">
+  <p:cSld>
+    <p:spTree>
+      <p:nvGrpSpPr>
+        <p:cNvPr id="1" name=""/>
+        <p:cNvGrpSpPr/>
+        <p:nvPr/>
+      </p:nvGrpSpPr>
+      <p:grpSpPr>
+        <a:xfrm>
+          <a:off x="0" y="0"/>
+          <a:ext cx="0" cy="0"/>
+          <a:chOff x="0" y="0"/>
+          <a:chExt cx="0" cy="0"/>
+        </a:xfrm>
+      </p:grpSpPr>
+      <p:sp>
+        <p:nvSpPr>
+          <p:cNvPr id="2" name="Title 1">
+            <a:extLst>
+              <a:ext uri="{FF2B5EF4-FFF2-40B4-BE49-F238E27FC236}">
+                <a16:creationId xmlns:a16="http://schemas.microsoft.com/office/drawing/2014/main" id="{7EF10920-D990-1D57-6501-16E36ED24B3C}"/>
+              </a:ext>
+            </a:extLst>
+          </p:cNvPr>
+          <p:cNvSpPr>
+            <a:spLocks noGrp="1"/>
+          </p:cNvSpPr>
+          <p:nvPr>
+            <p:ph type="title"/>
+          </p:nvPr>
+        </p:nvSpPr>
+        <p:spPr>
+          <a:xfrm>
+            <a:off x="839787" y="128788"/>
+            <a:ext cx="3932237" cy="576330"/>
+          </a:xfrm>
+        </p:spPr>
+        <p:txBody>
+          <a:bodyPr/>
+          <a:lstStyle/>
+          <a:p>
+            <a:r>
+              <a:rPr lang="en-US" dirty="0"/>
+              <a:t>Feedback</a:t>
+            </a:r>
+          </a:p>
+        </p:txBody>
+      </p:sp>
+      <p:sp>
+        <p:nvSpPr>
+          <p:cNvPr id="5" name="Text Placeholder 4">
+            <a:extLst>
+              <a:ext uri="{FF2B5EF4-FFF2-40B4-BE49-F238E27FC236}">
+                <a16:creationId xmlns:a16="http://schemas.microsoft.com/office/drawing/2014/main" id="{08C2879E-926D-B489-D2F6-DD7652FE82E0}"/>
+              </a:ext>
+            </a:extLst>
+          </p:cNvPr>
+          <p:cNvSpPr>
+            <a:spLocks noGrp="1"/>
+          </p:cNvSpPr>
+          <p:nvPr>
+            <p:ph type="body" sz="half" idx="2"/>
+          </p:nvPr>
+        </p:nvSpPr>
+        <p:spPr>
+          <a:xfrm>
+            <a:off x="556453" y="2730320"/>
+            <a:ext cx="4852674" cy="698679"/>
+          </a:xfrm>
+        </p:spPr>
+        <p:txBody>
+          <a:bodyPr>
+            <a:normAutofit/>
+          </a:bodyPr>
+          <a:lstStyle/>
+          <a:p>
+            <a:r>
+              <a:rPr lang="en-US" sz="2800" dirty="0"/>
+              <a:t>a-um.me/pune2024-repo</a:t>
+            </a:r>
+          </a:p>
+        </p:txBody>
+      </p:sp>
+      <p:pic>
+        <p:nvPicPr>
+          <p:cNvPr id="1028" name="Picture 4" descr="qr-code">
+            <a:extLst>
+              <a:ext uri="{FF2B5EF4-FFF2-40B4-BE49-F238E27FC236}">
+                <a16:creationId xmlns:a16="http://schemas.microsoft.com/office/drawing/2014/main" id="{5C2295F7-A514-4A3C-7D4E-81795F9EF0F9}"/>
+              </a:ext>
+            </a:extLst>
+          </p:cNvPr>
+          <p:cNvPicPr>
+            <a:picLocks noChangeAspect="1" noChangeArrowheads="1"/>
+          </p:cNvPicPr>
+          <p:nvPr/>
+        </p:nvPicPr>
+        <p:blipFill>
+          <a:blip r:embed="rId2">
+            <a:extLst>
+              <a:ext uri="{28A0092B-C50C-407E-A947-70E740481C1C}">
+                <a14:useLocalDpi xmlns:a14="http://schemas.microsoft.com/office/drawing/2010/main" val="0"/>
+              </a:ext>
+            </a:extLst>
+          </a:blip>
+          <a:srcRect/>
+          <a:stretch>
+            <a:fillRect/>
+          </a:stretch>
+        </p:blipFill>
+        <p:spPr bwMode="auto">
+          <a:xfrm>
+            <a:off x="5794607" y="1109726"/>
+            <a:ext cx="4638547" cy="4638547"/>
+          </a:xfrm>
+          <a:prstGeom prst="rect">
+            <a:avLst/>
+          </a:prstGeom>
+          <a:noFill/>
+          <a:extLst>
+            <a:ext uri="{909E8E84-426E-40DD-AFC4-6F175D3DCCD1}">
+              <a14:hiddenFill xmlns:a14="http://schemas.microsoft.com/office/drawing/2010/main">
+                <a:solidFill>
+                  <a:srgbClr val="FFFFFF"/>
+                </a:solidFill>
+              </a14:hiddenFill>
+            </a:ext>
+          </a:extLst>
+        </p:spPr>
+      </p:pic>
+    </p:spTree>
+    <p:extLst>
+      <p:ext uri="{BB962C8B-B14F-4D97-AF65-F5344CB8AC3E}">
+        <p14:creationId xmlns:p14="http://schemas.microsoft.com/office/powerpoint/2010/main" val="3779942629"/>
+      </p:ext>
+    </p:extLst>
+  </p:cSld>
+  <p:clrMapOvr>
+    <a:masterClrMapping/>
+  </p:clrMapOvr>
+  <mc:AlternateContent xmlns:mc="http://schemas.openxmlformats.org/markup-compatibility/2006">
+    <mc:Choice xmlns:p14="http://schemas.microsoft.com/office/powerpoint/2010/main" Requires="p14">
+      <p:transition spd="med" p14:dur="700">
+        <p:fade/>
+      </p:transition>
+    </mc:Choice>
+    <mc:Fallback>
+      <p:transition spd="med">
+        <p:fade/>
+      </p:transition>
+    </mc:Fallback>
+  </mc:AlternateContent>
+</p:sld>
+</file>
+
+<file path=ppt/slides/slide11.xml><?xml version="1.0" encoding="utf-8"?>
+<p:sld xmlns:a="http://schemas.openxmlformats.org/drawingml/2006/main" xmlns:r="http://schemas.openxmlformats.org/officeDocument/2006/relationships" xmlns:p="http://schemas.openxmlformats.org/presentationml/2006/main">
+  <p:cSld>
+    <p:spTree>
+      <p:nvGrpSpPr>
+        <p:cNvPr id="1" name=""/>
+        <p:cNvGrpSpPr/>
+        <p:nvPr/>
+      </p:nvGrpSpPr>
+      <p:grpSpPr>
+        <a:xfrm>
+          <a:off x="0" y="0"/>
+          <a:ext cx="0" cy="0"/>
+          <a:chOff x="0" y="0"/>
+          <a:chExt cx="0" cy="0"/>
+        </a:xfrm>
+      </p:grpSpPr>
+    </p:spTree>
+    <p:extLst>
+      <p:ext uri="{BB962C8B-B14F-4D97-AF65-F5344CB8AC3E}">
+        <p14:creationId xmlns:p14="http://schemas.microsoft.com/office/powerpoint/2010/main" val="1683390843"/>
+      </p:ext>
+    </p:extLst>
+  </p:cSld>
+  <p:clrMapOvr>
+    <a:masterClrMapping/>
+  </p:clrMapOvr>
+  <mc:AlternateContent xmlns:mc="http://schemas.openxmlformats.org/markup-compatibility/2006" xmlns:p14="http://schemas.microsoft.com/office/powerpoint/2010/main">
+    <mc:Choice Requires="p14">
+      <p:transition spd="med" p14:dur="700">
+        <p:fade/>
+      </p:transition>
+    </mc:Choice>
+    <mc:Fallback xmlns="">
+      <p:transition spd="med">
+        <p:fade/>
+      </p:transition>
+    </mc:Fallback>
+  </mc:AlternateContent>
+</p:sld>
+</file>
+
 <file path=ppt/slides/slide2.xml><?xml version="1.0" encoding="utf-8"?>
 <p:sld xmlns:a="http://schemas.openxmlformats.org/drawingml/2006/main" xmlns:r="http://schemas.openxmlformats.org/officeDocument/2006/relationships" xmlns:p="http://schemas.openxmlformats.org/presentationml/2006/main">
   <p:cSld>
@@ -7934,13 +8135,13 @@
   <p:clrMapOvr>
     <a:masterClrMapping/>
   </p:clrMapOvr>
-  <mc:AlternateContent xmlns:mc="http://schemas.openxmlformats.org/markup-compatibility/2006">
-    <mc:Choice xmlns:p14="http://schemas.microsoft.com/office/powerpoint/2010/main" Requires="p14">
+  <mc:AlternateContent xmlns:mc="http://schemas.openxmlformats.org/markup-compatibility/2006" xmlns:p14="http://schemas.microsoft.com/office/powerpoint/2010/main">
+    <mc:Choice Requires="p14">
       <p:transition spd="med" p14:dur="700">
         <p:fade/>
       </p:transition>
     </mc:Choice>
-    <mc:Fallback>
+    <mc:Fallback xmlns="">
       <p:transition spd="med">
         <p:fade/>
       </p:transition>
@@ -8402,28 +8603,298 @@
           <a:chExt cx="0" cy="0"/>
         </a:xfrm>
       </p:grpSpPr>
+      <p:sp>
+        <p:nvSpPr>
+          <p:cNvPr id="2" name="Title 1">
+            <a:extLst>
+              <a:ext uri="{FF2B5EF4-FFF2-40B4-BE49-F238E27FC236}">
+                <a16:creationId xmlns:a16="http://schemas.microsoft.com/office/drawing/2014/main" id="{5F83A395-4FCE-43CE-DEF5-0CFAD52FC927}"/>
+              </a:ext>
+            </a:extLst>
+          </p:cNvPr>
+          <p:cNvSpPr>
+            <a:spLocks noGrp="1"/>
+          </p:cNvSpPr>
+          <p:nvPr>
+            <p:ph type="title"/>
+          </p:nvPr>
+        </p:nvSpPr>
+        <p:spPr/>
+        <p:txBody>
+          <a:bodyPr/>
+          <a:lstStyle/>
+          <a:p>
+            <a:r>
+              <a:rPr lang="en-US" dirty="0"/>
+              <a:t>References</a:t>
+            </a:r>
+          </a:p>
+        </p:txBody>
+      </p:sp>
+      <p:graphicFrame>
+        <p:nvGraphicFramePr>
+          <p:cNvPr id="5" name="Content Placeholder 4">
+            <a:extLst>
+              <a:ext uri="{FF2B5EF4-FFF2-40B4-BE49-F238E27FC236}">
+                <a16:creationId xmlns:a16="http://schemas.microsoft.com/office/drawing/2014/main" id="{ACC904B9-033E-6D4E-5FF5-8CBD5DEFD349}"/>
+              </a:ext>
+            </a:extLst>
+          </p:cNvPr>
+          <p:cNvGraphicFramePr>
+            <a:graphicFrameLocks noGrp="1"/>
+          </p:cNvGraphicFramePr>
+          <p:nvPr>
+            <p:ph idx="1"/>
+            <p:extLst>
+              <p:ext uri="{D42A27DB-BD31-4B8C-83A1-F6EECF244321}">
+                <p14:modId xmlns:p14="http://schemas.microsoft.com/office/powerpoint/2010/main" val="980397498"/>
+              </p:ext>
+            </p:extLst>
+          </p:nvPr>
+        </p:nvGraphicFramePr>
+        <p:xfrm>
+          <a:off x="236539" y="1252538"/>
+          <a:ext cx="11739153" cy="4576962"/>
+        </p:xfrm>
+        <a:graphic>
+          <a:graphicData uri="http://schemas.openxmlformats.org/drawingml/2006/table">
+            <a:tbl>
+              <a:tblPr firstRow="1" bandRow="1">
+                <a:tableStyleId>{5C22544A-7EE6-4342-B048-85BDC9FD1C3A}</a:tableStyleId>
+              </a:tblPr>
+              <a:tblGrid>
+                <a:gridCol w="3913051">
+                  <a:extLst>
+                    <a:ext uri="{9D8B030D-6E8A-4147-A177-3AD203B41FA5}">
+                      <a16:colId xmlns:a16="http://schemas.microsoft.com/office/drawing/2014/main" val="2649664607"/>
+                    </a:ext>
+                  </a:extLst>
+                </a:gridCol>
+                <a:gridCol w="3913051">
+                  <a:extLst>
+                    <a:ext uri="{9D8B030D-6E8A-4147-A177-3AD203B41FA5}">
+                      <a16:colId xmlns:a16="http://schemas.microsoft.com/office/drawing/2014/main" val="1476336218"/>
+                    </a:ext>
+                  </a:extLst>
+                </a:gridCol>
+                <a:gridCol w="3913051">
+                  <a:extLst>
+                    <a:ext uri="{9D8B030D-6E8A-4147-A177-3AD203B41FA5}">
+                      <a16:colId xmlns:a16="http://schemas.microsoft.com/office/drawing/2014/main" val="2216335465"/>
+                    </a:ext>
+                  </a:extLst>
+                </a:gridCol>
+              </a:tblGrid>
+              <a:tr h="627777">
+                <a:tc>
+                  <a:txBody>
+                    <a:bodyPr/>
+                    <a:lstStyle/>
+                    <a:p>
+                      <a:pPr algn="ctr"/>
+                      <a:r>
+                        <a:rPr lang="en-US" sz="3600" dirty="0"/>
+                        <a:t>Reference</a:t>
+                      </a:r>
+                    </a:p>
+                  </a:txBody>
+                  <a:tcPr anchor="ctr"/>
+                </a:tc>
+                <a:tc>
+                  <a:txBody>
+                    <a:bodyPr/>
+                    <a:lstStyle/>
+                    <a:p>
+                      <a:pPr algn="ctr"/>
+                      <a:r>
+                        <a:rPr lang="en-US" sz="3600" dirty="0"/>
+                        <a:t>QR</a:t>
+                      </a:r>
+                    </a:p>
+                  </a:txBody>
+                  <a:tcPr anchor="ctr"/>
+                </a:tc>
+                <a:tc>
+                  <a:txBody>
+                    <a:bodyPr/>
+                    <a:lstStyle/>
+                    <a:p>
+                      <a:pPr algn="ctr"/>
+                      <a:r>
+                        <a:rPr lang="en-US" sz="3600" dirty="0"/>
+                        <a:t>Link</a:t>
+                      </a:r>
+                    </a:p>
+                  </a:txBody>
+                  <a:tcPr anchor="ctr"/>
+                </a:tc>
+                <a:extLst>
+                  <a:ext uri="{0D108BD9-81ED-4DB2-BD59-A6C34878D82A}">
+                    <a16:rowId xmlns:a16="http://schemas.microsoft.com/office/drawing/2014/main" val="4236963248"/>
+                  </a:ext>
+                </a:extLst>
+              </a:tr>
+              <a:tr h="1968441">
+                <a:tc>
+                  <a:txBody>
+                    <a:bodyPr/>
+                    <a:lstStyle/>
+                    <a:p>
+                      <a:r>
+                        <a:rPr lang="en-US" sz="3600" dirty="0"/>
+                        <a:t>Demo Artefacts</a:t>
+                      </a:r>
+                    </a:p>
+                  </a:txBody>
+                  <a:tcPr anchor="ctr"/>
+                </a:tc>
+                <a:tc>
+                  <a:txBody>
+                    <a:bodyPr/>
+                    <a:lstStyle/>
+                    <a:p>
+                      <a:endParaRPr lang="en-US" sz="3600" dirty="0"/>
+                    </a:p>
+                  </a:txBody>
+                  <a:tcPr anchor="ctr"/>
+                </a:tc>
+                <a:tc>
+                  <a:txBody>
+                    <a:bodyPr/>
+                    <a:lstStyle/>
+                    <a:p>
+                      <a:pPr marL="0" marR="0" indent="0" algn="l" defTabSz="914400" rtl="0" eaLnBrk="1" fontAlgn="auto" latinLnBrk="0" hangingPunct="1">
+                        <a:lnSpc>
+                          <a:spcPct val="100000"/>
+                        </a:lnSpc>
+                        <a:spcBef>
+                          <a:spcPts val="0"/>
+                        </a:spcBef>
+                        <a:spcAft>
+                          <a:spcPts val="0"/>
+                        </a:spcAft>
+                        <a:buClrTx/>
+                        <a:buSzTx/>
+                        <a:buFontTx/>
+                        <a:buNone/>
+                        <a:tabLst/>
+                        <a:defRPr/>
+                      </a:pPr>
+                      <a:r>
+                        <a:rPr lang="en-US" sz="3200" dirty="0"/>
+                        <a:t>a-um.me/pune2024-repo</a:t>
+                      </a:r>
+                    </a:p>
+                  </a:txBody>
+                  <a:tcPr anchor="ctr"/>
+                </a:tc>
+                <a:extLst>
+                  <a:ext uri="{0D108BD9-81ED-4DB2-BD59-A6C34878D82A}">
+                    <a16:rowId xmlns:a16="http://schemas.microsoft.com/office/drawing/2014/main" val="665271325"/>
+                  </a:ext>
+                </a:extLst>
+              </a:tr>
+              <a:tr h="1968441">
+                <a:tc>
+                  <a:txBody>
+                    <a:bodyPr/>
+                    <a:lstStyle/>
+                    <a:p>
+                      <a:r>
+                        <a:rPr lang="en-US" sz="3600" dirty="0"/>
+                        <a:t>References / Links</a:t>
+                      </a:r>
+                    </a:p>
+                  </a:txBody>
+                  <a:tcPr anchor="ctr"/>
+                </a:tc>
+                <a:tc>
+                  <a:txBody>
+                    <a:bodyPr/>
+                    <a:lstStyle/>
+                    <a:p>
+                      <a:endParaRPr lang="en-US" sz="3600" dirty="0"/>
+                    </a:p>
+                  </a:txBody>
+                  <a:tcPr anchor="ctr"/>
+                </a:tc>
+                <a:tc>
+                  <a:txBody>
+                    <a:bodyPr/>
+                    <a:lstStyle/>
+                    <a:p>
+                      <a:endParaRPr lang="en-US" sz="3600" dirty="0"/>
+                    </a:p>
+                  </a:txBody>
+                  <a:tcPr anchor="ctr"/>
+                </a:tc>
+                <a:extLst>
+                  <a:ext uri="{0D108BD9-81ED-4DB2-BD59-A6C34878D82A}">
+                    <a16:rowId xmlns:a16="http://schemas.microsoft.com/office/drawing/2014/main" val="1890980864"/>
+                  </a:ext>
+                </a:extLst>
+              </a:tr>
+            </a:tbl>
+          </a:graphicData>
+        </a:graphic>
+      </p:graphicFrame>
+      <p:pic>
+        <p:nvPicPr>
+          <p:cNvPr id="2050" name="Picture 2" descr="qr-code">
+            <a:extLst>
+              <a:ext uri="{FF2B5EF4-FFF2-40B4-BE49-F238E27FC236}">
+                <a16:creationId xmlns:a16="http://schemas.microsoft.com/office/drawing/2014/main" id="{65448CA9-DBA1-2DD3-5D96-A65B77B96946}"/>
+              </a:ext>
+            </a:extLst>
+          </p:cNvPr>
+          <p:cNvPicPr>
+            <a:picLocks noChangeAspect="1" noChangeArrowheads="1"/>
+          </p:cNvPicPr>
+          <p:nvPr/>
+        </p:nvPicPr>
+        <p:blipFill>
+          <a:blip r:embed="rId2">
+            <a:extLst>
+              <a:ext uri="{28A0092B-C50C-407E-A947-70E740481C1C}">
+                <a14:useLocalDpi xmlns:a14="http://schemas.microsoft.com/office/drawing/2010/main" val="0"/>
+              </a:ext>
+            </a:extLst>
+          </a:blip>
+          <a:srcRect/>
+          <a:stretch>
+            <a:fillRect/>
+          </a:stretch>
+        </p:blipFill>
+        <p:spPr bwMode="auto">
+          <a:xfrm>
+            <a:off x="5143500" y="1909830"/>
+            <a:ext cx="1905000" cy="1905000"/>
+          </a:xfrm>
+          <a:prstGeom prst="rect">
+            <a:avLst/>
+          </a:prstGeom>
+          <a:noFill/>
+          <a:extLst>
+            <a:ext uri="{909E8E84-426E-40DD-AFC4-6F175D3DCCD1}">
+              <a14:hiddenFill xmlns:a14="http://schemas.microsoft.com/office/drawing/2010/main">
+                <a:solidFill>
+                  <a:srgbClr val="FFFFFF"/>
+                </a:solidFill>
+              </a14:hiddenFill>
+            </a:ext>
+          </a:extLst>
+        </p:spPr>
+      </p:pic>
     </p:spTree>
     <p:extLst>
       <p:ext uri="{BB962C8B-B14F-4D97-AF65-F5344CB8AC3E}">
-        <p14:creationId xmlns:p14="http://schemas.microsoft.com/office/powerpoint/2010/main" val="1683390843"/>
+        <p14:creationId xmlns:p14="http://schemas.microsoft.com/office/powerpoint/2010/main" val="2067572601"/>
       </p:ext>
     </p:extLst>
   </p:cSld>
   <p:clrMapOvr>
     <a:masterClrMapping/>
   </p:clrMapOvr>
-  <mc:AlternateContent xmlns:mc="http://schemas.openxmlformats.org/markup-compatibility/2006" xmlns:p14="http://schemas.microsoft.com/office/powerpoint/2010/main">
-    <mc:Choice Requires="p14">
-      <p:transition spd="med" p14:dur="700">
-        <p:fade/>
-      </p:transition>
-    </mc:Choice>
-    <mc:Fallback xmlns="">
-      <p:transition spd="med">
-        <p:fade/>
-      </p:transition>
-    </mc:Fallback>
-  </mc:AlternateContent>
 </p:sld>
 </file>
 
@@ -9313,6 +9784,15 @@
 </file>
 
 <file path=customXml/item1.xml><?xml version="1.0" encoding="utf-8"?>
+<?mso-contentType ?>
+<FormTemplates xmlns="http://schemas.microsoft.com/sharepoint/v3/contenttype/forms">
+  <Display>DocumentLibraryForm</Display>
+  <Edit>DocumentLibraryForm</Edit>
+  <New>DocumentLibraryForm</New>
+</FormTemplates>
+</file>
+
+<file path=customXml/item2.xml><?xml version="1.0" encoding="utf-8"?>
 <ct:contentTypeSchema xmlns:ct="http://schemas.microsoft.com/office/2006/metadata/contentType" xmlns:ma="http://schemas.microsoft.com/office/2006/metadata/properties/metaAttributes" ct:_="" ma:_="" ma:contentTypeName="Document" ma:contentTypeID="0x010100B4F00FA3E7003141BC16E026FCE150A0" ma:contentTypeVersion="14" ma:contentTypeDescription="Create a new document." ma:contentTypeScope="" ma:versionID="cd6f1e720285b57b5d5543e2ca3f0057">
   <xsd:schema xmlns:xsd="http://www.w3.org/2001/XMLSchema" xmlns:xs="http://www.w3.org/2001/XMLSchema" xmlns:p="http://schemas.microsoft.com/office/2006/metadata/properties" xmlns:ns2="30a061b1-bdb8-4664-ad9e-272301b45d52" xmlns:ns3="ea3e4b80-20a0-46c1-93e7-c2ea17da9740" targetNamespace="http://schemas.microsoft.com/office/2006/metadata/properties" ma:root="true" ma:fieldsID="9017f70464279b2d5c8597f95853a917" ns2:_="" ns3:_="">
     <xsd:import namespace="30a061b1-bdb8-4664-ad9e-272301b45d52"/>
@@ -9519,15 +9999,6 @@
 </ct:contentTypeSchema>
 </file>
 
-<file path=customXml/item2.xml><?xml version="1.0" encoding="utf-8"?>
-<?mso-contentType ?>
-<FormTemplates xmlns="http://schemas.microsoft.com/sharepoint/v3/contenttype/forms">
-  <Display>DocumentLibraryForm</Display>
-  <Edit>DocumentLibraryForm</Edit>
-  <New>DocumentLibraryForm</New>
-</FormTemplates>
-</file>
-
 <file path=customXml/item3.xml><?xml version="1.0" encoding="utf-8"?>
 <p:properties xmlns:p="http://schemas.microsoft.com/office/2006/metadata/properties" xmlns:xsi="http://www.w3.org/2001/XMLSchema-instance" xmlns:pc="http://schemas.microsoft.com/office/infopath/2007/PartnerControls">
   <documentManagement>
@@ -9540,6 +10011,14 @@
 </file>
 
 <file path=customXml/itemProps1.xml><?xml version="1.0" encoding="utf-8"?>
+<ds:datastoreItem xmlns:ds="http://schemas.openxmlformats.org/officeDocument/2006/customXml" ds:itemID="{D00C3A8D-3909-48B8-AD16-00959621AB37}">
+  <ds:schemaRefs>
+    <ds:schemaRef ds:uri="http://schemas.microsoft.com/sharepoint/v3/contenttype/forms"/>
+  </ds:schemaRefs>
+</ds:datastoreItem>
+</file>
+
+<file path=customXml/itemProps2.xml><?xml version="1.0" encoding="utf-8"?>
 <ds:datastoreItem xmlns:ds="http://schemas.openxmlformats.org/officeDocument/2006/customXml" ds:itemID="{1E5FD590-0F7B-4E1C-836A-EFC04C095CF4}">
   <ds:schemaRefs>
     <ds:schemaRef ds:uri="http://schemas.microsoft.com/office/2006/metadata/contentType"/>
@@ -9558,14 +10037,6 @@
 </ds:datastoreItem>
 </file>
 
-<file path=customXml/itemProps2.xml><?xml version="1.0" encoding="utf-8"?>
-<ds:datastoreItem xmlns:ds="http://schemas.openxmlformats.org/officeDocument/2006/customXml" ds:itemID="{D00C3A8D-3909-48B8-AD16-00959621AB37}">
-  <ds:schemaRefs>
-    <ds:schemaRef ds:uri="http://schemas.microsoft.com/sharepoint/v3/contenttype/forms"/>
-  </ds:schemaRefs>
-</ds:datastoreItem>
-</file>
-
 <file path=customXml/itemProps3.xml><?xml version="1.0" encoding="utf-8"?>
 <ds:datastoreItem xmlns:ds="http://schemas.openxmlformats.org/officeDocument/2006/customXml" ds:itemID="{BA9D4A8B-C6CB-443E-8607-734A65901095}">
   <ds:schemaRefs>

--- a/deck/M365DevProxy - Arjun Menon.pptx
+++ b/deck/M365DevProxy - Arjun Menon.pptx
@@ -7099,41 +7099,8 @@
         </p:nvSpPr>
         <p:spPr>
           <a:xfrm>
-            <a:off x="839787" y="128788"/>
-            <a:ext cx="3932237" cy="576330"/>
-          </a:xfrm>
-        </p:spPr>
-        <p:txBody>
-          <a:bodyPr/>
-          <a:lstStyle/>
-          <a:p>
-            <a:r>
-              <a:rPr lang="en-US" dirty="0"/>
-              <a:t>Feedback</a:t>
-            </a:r>
-          </a:p>
-        </p:txBody>
-      </p:sp>
-      <p:sp>
-        <p:nvSpPr>
-          <p:cNvPr id="5" name="Text Placeholder 4">
-            <a:extLst>
-              <a:ext uri="{FF2B5EF4-FFF2-40B4-BE49-F238E27FC236}">
-                <a16:creationId xmlns:a16="http://schemas.microsoft.com/office/drawing/2014/main" id="{08C2879E-926D-B489-D2F6-DD7652FE82E0}"/>
-              </a:ext>
-            </a:extLst>
-          </p:cNvPr>
-          <p:cNvSpPr>
-            <a:spLocks noGrp="1"/>
-          </p:cNvSpPr>
-          <p:nvPr>
-            <p:ph type="body" sz="half" idx="2"/>
-          </p:nvPr>
-        </p:nvSpPr>
-        <p:spPr>
-          <a:xfrm>
-            <a:off x="556453" y="2730320"/>
-            <a:ext cx="4852674" cy="698679"/>
+            <a:off x="839787" y="128787"/>
+            <a:ext cx="4839796" cy="862885"/>
           </a:xfrm>
         </p:spPr>
         <p:txBody>
@@ -7143,18 +7110,59 @@
           <a:lstStyle/>
           <a:p>
             <a:r>
+              <a:rPr lang="en-US" sz="4800" dirty="0"/>
+              <a:t>Feedback ❤️</a:t>
+            </a:r>
+          </a:p>
+        </p:txBody>
+      </p:sp>
+      <p:sp>
+        <p:nvSpPr>
+          <p:cNvPr id="5" name="Text Placeholder 4">
+            <a:extLst>
+              <a:ext uri="{FF2B5EF4-FFF2-40B4-BE49-F238E27FC236}">
+                <a16:creationId xmlns:a16="http://schemas.microsoft.com/office/drawing/2014/main" id="{08C2879E-926D-B489-D2F6-DD7652FE82E0}"/>
+              </a:ext>
+            </a:extLst>
+          </p:cNvPr>
+          <p:cNvSpPr>
+            <a:spLocks noGrp="1"/>
+          </p:cNvSpPr>
+          <p:nvPr>
+            <p:ph type="body" sz="half" idx="2"/>
+          </p:nvPr>
+        </p:nvSpPr>
+        <p:spPr>
+          <a:xfrm>
+            <a:off x="479180" y="2851327"/>
+            <a:ext cx="5805710" cy="698679"/>
+          </a:xfrm>
+        </p:spPr>
+        <p:txBody>
+          <a:bodyPr>
+            <a:normAutofit fontScale="92500"/>
+          </a:bodyPr>
+          <a:lstStyle/>
+          <a:p>
+            <a:r>
+              <a:rPr lang="en-US" sz="2800" dirty="0">
+                <a:hlinkClick r:id="rId2"/>
+              </a:rPr>
+              <a:t>https://a-um.me/pune2024-feedback</a:t>
+            </a:r>
+            <a:r>
               <a:rPr lang="en-US" sz="2800" dirty="0"/>
-              <a:t>a-um.me/pune2024-repo</a:t>
+              <a:t> </a:t>
             </a:r>
           </a:p>
         </p:txBody>
       </p:sp>
       <p:pic>
         <p:nvPicPr>
-          <p:cNvPr id="1028" name="Picture 4" descr="qr-code">
-            <a:extLst>
-              <a:ext uri="{FF2B5EF4-FFF2-40B4-BE49-F238E27FC236}">
-                <a16:creationId xmlns:a16="http://schemas.microsoft.com/office/drawing/2014/main" id="{5C2295F7-A514-4A3C-7D4E-81795F9EF0F9}"/>
+          <p:cNvPr id="2050" name="Picture 2" descr="qr-code">
+            <a:extLst>
+              <a:ext uri="{FF2B5EF4-FFF2-40B4-BE49-F238E27FC236}">
+                <a16:creationId xmlns:a16="http://schemas.microsoft.com/office/drawing/2014/main" id="{568C387C-60B9-A42B-C534-C79C3B206A40}"/>
               </a:ext>
             </a:extLst>
           </p:cNvPr>
@@ -7164,7 +7172,7 @@
           <p:nvPr/>
         </p:nvPicPr>
         <p:blipFill>
-          <a:blip r:embed="rId2">
+          <a:blip r:embed="rId3">
             <a:extLst>
               <a:ext uri="{28A0092B-C50C-407E-A947-70E740481C1C}">
                 <a14:useLocalDpi xmlns:a14="http://schemas.microsoft.com/office/drawing/2010/main" val="0"/>
@@ -7178,8 +7186,8 @@
         </p:blipFill>
         <p:spPr bwMode="auto">
           <a:xfrm>
-            <a:off x="5794607" y="1109726"/>
-            <a:ext cx="4638547" cy="4638547"/>
+            <a:off x="6611691" y="1356574"/>
+            <a:ext cx="4386865" cy="4386865"/>
           </a:xfrm>
           <a:prstGeom prst="rect">
             <a:avLst/>
@@ -7206,13 +7214,13 @@
   <p:clrMapOvr>
     <a:masterClrMapping/>
   </p:clrMapOvr>
-  <mc:AlternateContent xmlns:mc="http://schemas.openxmlformats.org/markup-compatibility/2006">
-    <mc:Choice xmlns:p14="http://schemas.microsoft.com/office/powerpoint/2010/main" Requires="p14">
+  <mc:AlternateContent xmlns:mc="http://schemas.openxmlformats.org/markup-compatibility/2006" xmlns:p14="http://schemas.microsoft.com/office/powerpoint/2010/main">
+    <mc:Choice Requires="p14">
       <p:transition spd="med" p14:dur="700">
         <p:fade/>
       </p:transition>
     </mc:Choice>
-    <mc:Fallback>
+    <mc:Fallback xmlns="">
       <p:transition spd="med">
         <p:fade/>
       </p:transition>
@@ -8647,7 +8655,7 @@
             <p:ph idx="1"/>
             <p:extLst>
               <p:ext uri="{D42A27DB-BD31-4B8C-83A1-F6EECF244321}">
-                <p14:modId xmlns:p14="http://schemas.microsoft.com/office/powerpoint/2010/main" val="980397498"/>
+                <p14:modId xmlns:p14="http://schemas.microsoft.com/office/powerpoint/2010/main" val="1335053964"/>
               </p:ext>
             </p:extLst>
           </p:nvPr>
@@ -8694,7 +8702,7 @@
                       <a:pPr algn="ctr"/>
                       <a:r>
                         <a:rPr lang="en-US" sz="3600" dirty="0"/>
-                        <a:t>Reference</a:t>
+                        <a:t>Item</a:t>
                       </a:r>
                     </a:p>
                   </a:txBody>
@@ -8781,8 +8789,14 @@
                         <a:defRPr/>
                       </a:pPr>
                       <a:r>
-                        <a:rPr lang="en-US" sz="3200" dirty="0"/>
-                        <a:t>a-um.me/pune2024-repo</a:t>
+                        <a:rPr lang="en-US" sz="2400" dirty="0">
+                          <a:hlinkClick r:id="rId2"/>
+                        </a:rPr>
+                        <a:t>https://a-um.me/pune2024-repo</a:t>
+                      </a:r>
+                      <a:r>
+                        <a:rPr lang="en-US" sz="2400" dirty="0"/>
+                        <a:t> </a:t>
                       </a:r>
                     </a:p>
                   </a:txBody>
@@ -8823,7 +8837,16 @@
                     <a:bodyPr/>
                     <a:lstStyle/>
                     <a:p>
-                      <a:endParaRPr lang="en-US" sz="3600" dirty="0"/>
+                      <a:r>
+                        <a:rPr lang="en-US" sz="2400" dirty="0">
+                          <a:hlinkClick r:id="rId3"/>
+                        </a:rPr>
+                        <a:t>https://a-um.me/pune2024-reference</a:t>
+                      </a:r>
+                      <a:r>
+                        <a:rPr lang="en-US" sz="2400" dirty="0"/>
+                        <a:t> </a:t>
+                      </a:r>
                     </a:p>
                   </a:txBody>
                   <a:tcPr anchor="ctr"/>
@@ -8853,7 +8876,7 @@
           <p:nvPr/>
         </p:nvPicPr>
         <p:blipFill>
-          <a:blip r:embed="rId2">
+          <a:blip r:embed="rId4">
             <a:extLst>
               <a:ext uri="{28A0092B-C50C-407E-A947-70E740481C1C}">
                 <a14:useLocalDpi xmlns:a14="http://schemas.microsoft.com/office/drawing/2010/main" val="0"/>
@@ -8885,6 +8908,53 @@
           </a:extLst>
         </p:spPr>
       </p:pic>
+      <p:pic>
+        <p:nvPicPr>
+          <p:cNvPr id="1026" name="Picture 2" descr="qr-code">
+            <a:extLst>
+              <a:ext uri="{FF2B5EF4-FFF2-40B4-BE49-F238E27FC236}">
+                <a16:creationId xmlns:a16="http://schemas.microsoft.com/office/drawing/2014/main" id="{2AA85B79-B195-3111-1DDC-9CD607E74932}"/>
+              </a:ext>
+            </a:extLst>
+          </p:cNvPr>
+          <p:cNvPicPr>
+            <a:picLocks noChangeAspect="1" noChangeArrowheads="1"/>
+          </p:cNvPicPr>
+          <p:nvPr/>
+        </p:nvPicPr>
+        <p:blipFill>
+          <a:blip r:embed="rId5">
+            <a:extLst>
+              <a:ext uri="{28A0092B-C50C-407E-A947-70E740481C1C}">
+                <a14:useLocalDpi xmlns:a14="http://schemas.microsoft.com/office/drawing/2010/main" val="0"/>
+              </a:ext>
+            </a:extLst>
+          </a:blip>
+          <a:srcRect/>
+          <a:stretch>
+            <a:fillRect/>
+          </a:stretch>
+        </p:blipFill>
+        <p:spPr bwMode="auto">
+          <a:xfrm>
+            <a:off x="5143500" y="3924500"/>
+            <a:ext cx="1905000" cy="1905000"/>
+          </a:xfrm>
+          <a:prstGeom prst="rect">
+            <a:avLst/>
+          </a:prstGeom>
+          <a:noFill/>
+          <a:extLst>
+            <a:ext uri="{909E8E84-426E-40DD-AFC4-6F175D3DCCD1}">
+              <a14:hiddenFill xmlns:a14="http://schemas.microsoft.com/office/drawing/2010/main">
+                <a:solidFill>
+                  <a:srgbClr val="FFFFFF"/>
+                </a:solidFill>
+              </a14:hiddenFill>
+            </a:ext>
+          </a:extLst>
+        </p:spPr>
+      </p:pic>
     </p:spTree>
     <p:extLst>
       <p:ext uri="{BB962C8B-B14F-4D97-AF65-F5344CB8AC3E}">
@@ -8895,6 +8965,18 @@
   <p:clrMapOvr>
     <a:masterClrMapping/>
   </p:clrMapOvr>
+  <mc:AlternateContent xmlns:mc="http://schemas.openxmlformats.org/markup-compatibility/2006">
+    <mc:Choice xmlns:p14="http://schemas.microsoft.com/office/powerpoint/2010/main" Requires="p14">
+      <p:transition spd="med" p14:dur="700">
+        <p:fade/>
+      </p:transition>
+    </mc:Choice>
+    <mc:Fallback>
+      <p:transition spd="med">
+        <p:fade/>
+      </p:transition>
+    </mc:Fallback>
+  </mc:AlternateContent>
 </p:sld>
 </file>
 
@@ -9793,6 +9875,17 @@
 </file>
 
 <file path=customXml/item2.xml><?xml version="1.0" encoding="utf-8"?>
+<p:properties xmlns:p="http://schemas.microsoft.com/office/2006/metadata/properties" xmlns:xsi="http://www.w3.org/2001/XMLSchema-instance" xmlns:pc="http://schemas.microsoft.com/office/infopath/2007/PartnerControls">
+  <documentManagement>
+    <lcf76f155ced4ddcb4097134ff3c332f xmlns="30a061b1-bdb8-4664-ad9e-272301b45d52">
+      <Terms xmlns="http://schemas.microsoft.com/office/infopath/2007/PartnerControls"/>
+    </lcf76f155ced4ddcb4097134ff3c332f>
+    <TaxCatchAll xmlns="ea3e4b80-20a0-46c1-93e7-c2ea17da9740" xsi:nil="true"/>
+  </documentManagement>
+</p:properties>
+</file>
+
+<file path=customXml/item3.xml><?xml version="1.0" encoding="utf-8"?>
 <ct:contentTypeSchema xmlns:ct="http://schemas.microsoft.com/office/2006/metadata/contentType" xmlns:ma="http://schemas.microsoft.com/office/2006/metadata/properties/metaAttributes" ct:_="" ma:_="" ma:contentTypeName="Document" ma:contentTypeID="0x010100B4F00FA3E7003141BC16E026FCE150A0" ma:contentTypeVersion="14" ma:contentTypeDescription="Create a new document." ma:contentTypeScope="" ma:versionID="cd6f1e720285b57b5d5543e2ca3f0057">
   <xsd:schema xmlns:xsd="http://www.w3.org/2001/XMLSchema" xmlns:xs="http://www.w3.org/2001/XMLSchema" xmlns:p="http://schemas.microsoft.com/office/2006/metadata/properties" xmlns:ns2="30a061b1-bdb8-4664-ad9e-272301b45d52" xmlns:ns3="ea3e4b80-20a0-46c1-93e7-c2ea17da9740" targetNamespace="http://schemas.microsoft.com/office/2006/metadata/properties" ma:root="true" ma:fieldsID="9017f70464279b2d5c8597f95853a917" ns2:_="" ns3:_="">
     <xsd:import namespace="30a061b1-bdb8-4664-ad9e-272301b45d52"/>
@@ -9999,17 +10092,6 @@
 </ct:contentTypeSchema>
 </file>
 
-<file path=customXml/item3.xml><?xml version="1.0" encoding="utf-8"?>
-<p:properties xmlns:p="http://schemas.microsoft.com/office/2006/metadata/properties" xmlns:xsi="http://www.w3.org/2001/XMLSchema-instance" xmlns:pc="http://schemas.microsoft.com/office/infopath/2007/PartnerControls">
-  <documentManagement>
-    <lcf76f155ced4ddcb4097134ff3c332f xmlns="30a061b1-bdb8-4664-ad9e-272301b45d52">
-      <Terms xmlns="http://schemas.microsoft.com/office/infopath/2007/PartnerControls"/>
-    </lcf76f155ced4ddcb4097134ff3c332f>
-    <TaxCatchAll xmlns="ea3e4b80-20a0-46c1-93e7-c2ea17da9740" xsi:nil="true"/>
-  </documentManagement>
-</p:properties>
-</file>
-
 <file path=customXml/itemProps1.xml><?xml version="1.0" encoding="utf-8"?>
 <ds:datastoreItem xmlns:ds="http://schemas.openxmlformats.org/officeDocument/2006/customXml" ds:itemID="{D00C3A8D-3909-48B8-AD16-00959621AB37}">
   <ds:schemaRefs>
@@ -10019,6 +10101,17 @@
 </file>
 
 <file path=customXml/itemProps2.xml><?xml version="1.0" encoding="utf-8"?>
+<ds:datastoreItem xmlns:ds="http://schemas.openxmlformats.org/officeDocument/2006/customXml" ds:itemID="{BA9D4A8B-C6CB-443E-8607-734A65901095}">
+  <ds:schemaRefs>
+    <ds:schemaRef ds:uri="http://schemas.microsoft.com/office/2006/metadata/properties"/>
+    <ds:schemaRef ds:uri="http://schemas.microsoft.com/office/infopath/2007/PartnerControls"/>
+    <ds:schemaRef ds:uri="30a061b1-bdb8-4664-ad9e-272301b45d52"/>
+    <ds:schemaRef ds:uri="ea3e4b80-20a0-46c1-93e7-c2ea17da9740"/>
+  </ds:schemaRefs>
+</ds:datastoreItem>
+</file>
+
+<file path=customXml/itemProps3.xml><?xml version="1.0" encoding="utf-8"?>
 <ds:datastoreItem xmlns:ds="http://schemas.openxmlformats.org/officeDocument/2006/customXml" ds:itemID="{1E5FD590-0F7B-4E1C-836A-EFC04C095CF4}">
   <ds:schemaRefs>
     <ds:schemaRef ds:uri="http://schemas.microsoft.com/office/2006/metadata/contentType"/>
@@ -10035,15 +10128,4 @@
     <ds:schemaRef ds:uri="http://schemas.microsoft.com/internal/obd"/>
   </ds:schemaRefs>
 </ds:datastoreItem>
-</file>
-
-<file path=customXml/itemProps3.xml><?xml version="1.0" encoding="utf-8"?>
-<ds:datastoreItem xmlns:ds="http://schemas.openxmlformats.org/officeDocument/2006/customXml" ds:itemID="{BA9D4A8B-C6CB-443E-8607-734A65901095}">
-  <ds:schemaRefs>
-    <ds:schemaRef ds:uri="http://schemas.microsoft.com/office/2006/metadata/properties"/>
-    <ds:schemaRef ds:uri="http://schemas.microsoft.com/office/infopath/2007/PartnerControls"/>
-    <ds:schemaRef ds:uri="30a061b1-bdb8-4664-ad9e-272301b45d52"/>
-    <ds:schemaRef ds:uri="ea3e4b80-20a0-46c1-93e7-c2ea17da9740"/>
-  </ds:schemaRefs>
-</ds:datastoreItem>
 </file>
--- a/deck/M365DevProxy - Arjun Menon.pptx
+++ b/deck/M365DevProxy - Arjun Menon.pptx
@@ -5,23 +5,26 @@
     <p:sldMasterId id="2147483648" r:id="rId4"/>
   </p:sldMasterIdLst>
   <p:notesMasterIdLst>
-    <p:notesMasterId r:id="rId16"/>
+    <p:notesMasterId r:id="rId19"/>
   </p:notesMasterIdLst>
   <p:handoutMasterIdLst>
-    <p:handoutMasterId r:id="rId17"/>
+    <p:handoutMasterId r:id="rId20"/>
   </p:handoutMasterIdLst>
   <p:sldIdLst>
     <p:sldId id="1608" r:id="rId5"/>
     <p:sldId id="1599" r:id="rId6"/>
     <p:sldId id="1600" r:id="rId7"/>
     <p:sldId id="1601" r:id="rId8"/>
-    <p:sldId id="1607" r:id="rId9"/>
-    <p:sldId id="262" r:id="rId10"/>
-    <p:sldId id="1594" r:id="rId11"/>
-    <p:sldId id="1605" r:id="rId12"/>
-    <p:sldId id="1610" r:id="rId13"/>
-    <p:sldId id="1609" r:id="rId14"/>
-    <p:sldId id="264" r:id="rId15"/>
+    <p:sldId id="1611" r:id="rId9"/>
+    <p:sldId id="1612" r:id="rId10"/>
+    <p:sldId id="262" r:id="rId11"/>
+    <p:sldId id="1613" r:id="rId12"/>
+    <p:sldId id="1614" r:id="rId13"/>
+    <p:sldId id="1615" r:id="rId14"/>
+    <p:sldId id="1605" r:id="rId15"/>
+    <p:sldId id="1610" r:id="rId16"/>
+    <p:sldId id="1609" r:id="rId17"/>
+    <p:sldId id="264" r:id="rId18"/>
   </p:sldIdLst>
   <p:sldSz cx="12192000" cy="6858000"/>
   <p:notesSz cx="6858000" cy="9144000"/>
@@ -225,7 +228,7 @@
           <a:p>
             <a:fld id="{2606C8FE-A40F-4EFA-9399-CBDFD77EB4EF}" type="datetimeFigureOut">
               <a:rPr lang="en-US" smtClean="0"/>
-              <a:t>11/27/24</a:t>
+              <a:t>11/30/24</a:t>
             </a:fld>
             <a:endParaRPr lang="en-US"/>
           </a:p>
@@ -402,7 +405,7 @@
           <a:p>
             <a:fld id="{DAFE1A50-ADA4-4343-9FD7-5307B4B307B5}" type="datetimeFigureOut">
               <a:rPr lang="en-US" smtClean="0"/>
-              <a:t>11/27/24</a:t>
+              <a:t>11/30/24</a:t>
             </a:fld>
             <a:endParaRPr lang="en-US"/>
           </a:p>
@@ -1440,7 +1443,7 @@
           <a:p>
             <a:fld id="{6D31EB7D-9C62-455A-A64E-330624384AE6}" type="datetimeFigureOut">
               <a:rPr lang="en-US" smtClean="0"/>
-              <a:t>11/27/24</a:t>
+              <a:t>11/30/24</a:t>
             </a:fld>
             <a:endParaRPr lang="en-US"/>
           </a:p>
@@ -1612,7 +1615,7 @@
           <a:p>
             <a:fld id="{6D31EB7D-9C62-455A-A64E-330624384AE6}" type="datetimeFigureOut">
               <a:rPr lang="en-US" smtClean="0"/>
-              <a:t>11/27/24</a:t>
+              <a:t>11/30/24</a:t>
             </a:fld>
             <a:endParaRPr lang="en-US"/>
           </a:p>
@@ -1749,7 +1752,7 @@
           <a:p>
             <a:fld id="{6D31EB7D-9C62-455A-A64E-330624384AE6}" type="datetimeFigureOut">
               <a:rPr lang="en-US" smtClean="0"/>
-              <a:t>11/27/24</a:t>
+              <a:t>11/30/24</a:t>
             </a:fld>
             <a:endParaRPr lang="en-US"/>
           </a:p>
@@ -2131,7 +2134,7 @@
             <a:fld id="{6D31EB7D-9C62-455A-A64E-330624384AE6}" type="datetimeFigureOut">
               <a:rPr lang="en-US" smtClean="0"/>
               <a:pPr/>
-              <a:t>11/27/24</a:t>
+              <a:t>11/30/24</a:t>
             </a:fld>
             <a:endParaRPr lang="en-US"/>
           </a:p>
@@ -2478,7 +2481,7 @@
             <a:fld id="{6D31EB7D-9C62-455A-A64E-330624384AE6}" type="datetimeFigureOut">
               <a:rPr lang="en-US" smtClean="0"/>
               <a:pPr/>
-              <a:t>11/27/24</a:t>
+              <a:t>11/30/24</a:t>
             </a:fld>
             <a:endParaRPr lang="en-US"/>
           </a:p>
@@ -2776,7 +2779,7 @@
             <a:fld id="{6D31EB7D-9C62-455A-A64E-330624384AE6}" type="datetimeFigureOut">
               <a:rPr lang="en-US" smtClean="0"/>
               <a:pPr/>
-              <a:t>11/27/24</a:t>
+              <a:t>11/30/24</a:t>
             </a:fld>
             <a:endParaRPr lang="en-US"/>
           </a:p>
@@ -3084,7 +3087,7 @@
             <a:fld id="{6D31EB7D-9C62-455A-A64E-330624384AE6}" type="datetimeFigureOut">
               <a:rPr lang="en-US" smtClean="0"/>
               <a:pPr/>
-              <a:t>11/27/24</a:t>
+              <a:t>11/30/24</a:t>
             </a:fld>
             <a:endParaRPr lang="en-US"/>
           </a:p>
@@ -5279,7 +5282,7 @@
           <a:p>
             <a:fld id="{6D31EB7D-9C62-455A-A64E-330624384AE6}" type="datetimeFigureOut">
               <a:rPr lang="en-US" smtClean="0"/>
-              <a:t>11/27/24</a:t>
+              <a:t>11/30/24</a:t>
             </a:fld>
             <a:endParaRPr lang="en-US"/>
           </a:p>
@@ -5583,7 +5586,7 @@
           <a:p>
             <a:fld id="{6D31EB7D-9C62-455A-A64E-330624384AE6}" type="datetimeFigureOut">
               <a:rPr lang="en-US" smtClean="0"/>
-              <a:t>11/27/24</a:t>
+              <a:t>11/30/24</a:t>
             </a:fld>
             <a:endParaRPr lang="en-US"/>
           </a:p>
@@ -5936,7 +5939,7 @@
           <a:p>
             <a:fld id="{6D31EB7D-9C62-455A-A64E-330624384AE6}" type="datetimeFigureOut">
               <a:rPr lang="en-US" smtClean="0"/>
-              <a:t>11/27/24</a:t>
+              <a:t>11/30/24</a:t>
             </a:fld>
             <a:endParaRPr lang="en-US"/>
           </a:p>
@@ -7083,10 +7086,10 @@
       </p:grpSpPr>
       <p:sp>
         <p:nvSpPr>
-          <p:cNvPr id="2" name="Title 1">
-            <a:extLst>
-              <a:ext uri="{FF2B5EF4-FFF2-40B4-BE49-F238E27FC236}">
-                <a16:creationId xmlns:a16="http://schemas.microsoft.com/office/drawing/2014/main" id="{7EF10920-D990-1D57-6501-16E36ED24B3C}"/>
+          <p:cNvPr id="5" name="Content Placeholder 4">
+            <a:extLst>
+              <a:ext uri="{FF2B5EF4-FFF2-40B4-BE49-F238E27FC236}">
+                <a16:creationId xmlns:a16="http://schemas.microsoft.com/office/drawing/2014/main" id="{5677FA08-268C-3FF0-A5CA-CA6D4D146986}"/>
               </a:ext>
             </a:extLst>
           </p:cNvPr>
@@ -7094,34 +7097,183 @@
             <a:spLocks noGrp="1"/>
           </p:cNvSpPr>
           <p:nvPr>
-            <p:ph type="title"/>
-          </p:nvPr>
-        </p:nvSpPr>
-        <p:spPr>
-          <a:xfrm>
-            <a:off x="839787" y="128787"/>
-            <a:ext cx="4839796" cy="862885"/>
-          </a:xfrm>
-        </p:spPr>
+            <p:ph sz="half" idx="1"/>
+          </p:nvPr>
+        </p:nvSpPr>
+        <p:spPr/>
+        <p:txBody>
+          <a:bodyPr/>
+          <a:lstStyle/>
+          <a:p>
+            <a:pPr marL="0" indent="0">
+              <a:buNone/>
+            </a:pPr>
+            <a:r>
+              <a:rPr lang="en-GB" sz="4000" dirty="0">
+                <a:gradFill>
+                  <a:gsLst>
+                    <a:gs pos="0">
+                      <a:srgbClr val="8250DF"/>
+                    </a:gs>
+                    <a:gs pos="100000">
+                      <a:srgbClr val="D42A32"/>
+                    </a:gs>
+                  </a:gsLst>
+                  <a:lin ang="5400000" scaled="1"/>
+                </a:gradFill>
+              </a:rPr>
+              <a:t>Improve robustness </a:t>
+            </a:r>
+            <a:r>
+              <a:rPr lang="en-GB" sz="4000" dirty="0"/>
+              <a:t>💪</a:t>
+            </a:r>
+          </a:p>
+          <a:p>
+            <a:endParaRPr lang="en-US" dirty="0"/>
+          </a:p>
+          <a:p>
+            <a:r>
+              <a:rPr lang="en-GB" dirty="0"/>
+              <a:t>Random errors</a:t>
+            </a:r>
+          </a:p>
+          <a:p>
+            <a:pPr lvl="1"/>
+            <a:r>
+              <a:rPr lang="en-GB" dirty="0"/>
+              <a:t>What happens</a:t>
+            </a:r>
+            <a:r>
+              <a:rPr lang="en-GB" baseline="0" dirty="0"/>
+              <a:t> when APIs fail?</a:t>
+            </a:r>
+          </a:p>
+          <a:p>
+            <a:r>
+              <a:rPr lang="en-GB" dirty="0"/>
+              <a:t>Latency</a:t>
+            </a:r>
+          </a:p>
+          <a:p>
+            <a:pPr lvl="1"/>
+            <a:r>
+              <a:rPr lang="en-GB" baseline="0" dirty="0"/>
+              <a:t>What happens when APIs are slow?</a:t>
+            </a:r>
+          </a:p>
+          <a:p>
+            <a:pPr lvl="0"/>
+            <a:r>
+              <a:rPr lang="en-GB" dirty="0"/>
+              <a:t>Throttling and Rate Limiting</a:t>
+            </a:r>
+          </a:p>
+          <a:p>
+            <a:pPr lvl="1"/>
+            <a:r>
+              <a:rPr lang="en-GB" dirty="0"/>
+              <a:t>What happens when APIs throttle?</a:t>
+            </a:r>
+            <a:endParaRPr lang="en-GB" baseline="0" dirty="0"/>
+          </a:p>
+          <a:p>
+            <a:endParaRPr lang="en-US" dirty="0"/>
+          </a:p>
+        </p:txBody>
+      </p:sp>
+      <p:sp>
+        <p:nvSpPr>
+          <p:cNvPr id="6" name="Content Placeholder 5">
+            <a:extLst>
+              <a:ext uri="{FF2B5EF4-FFF2-40B4-BE49-F238E27FC236}">
+                <a16:creationId xmlns:a16="http://schemas.microsoft.com/office/drawing/2014/main" id="{5EE6EB99-564B-5C2D-DFC1-D4830F750A28}"/>
+              </a:ext>
+            </a:extLst>
+          </p:cNvPr>
+          <p:cNvSpPr>
+            <a:spLocks noGrp="1"/>
+          </p:cNvSpPr>
+          <p:nvPr>
+            <p:ph sz="half" idx="2"/>
+          </p:nvPr>
+        </p:nvSpPr>
+        <p:spPr/>
         <p:txBody>
           <a:bodyPr>
             <a:normAutofit/>
           </a:bodyPr>
           <a:lstStyle/>
           <a:p>
-            <a:r>
-              <a:rPr lang="en-US" sz="4800" dirty="0"/>
-              <a:t>Feedback ❤️</a:t>
-            </a:r>
-          </a:p>
-        </p:txBody>
-      </p:sp>
-      <p:sp>
-        <p:nvSpPr>
-          <p:cNvPr id="5" name="Text Placeholder 4">
-            <a:extLst>
-              <a:ext uri="{FF2B5EF4-FFF2-40B4-BE49-F238E27FC236}">
-                <a16:creationId xmlns:a16="http://schemas.microsoft.com/office/drawing/2014/main" id="{08C2879E-926D-B489-D2F6-DD7652FE82E0}"/>
+            <a:pPr marL="0" indent="0">
+              <a:buNone/>
+            </a:pPr>
+            <a:r>
+              <a:rPr lang="en-GB" sz="4000" dirty="0">
+                <a:gradFill>
+                  <a:gsLst>
+                    <a:gs pos="0">
+                      <a:srgbClr val="8250DF"/>
+                    </a:gs>
+                    <a:gs pos="100000">
+                      <a:srgbClr val="D42A32"/>
+                    </a:gs>
+                  </a:gsLst>
+                  <a:lin ang="5400000" scaled="1"/>
+                </a:gradFill>
+              </a:rPr>
+              <a:t>Improve security </a:t>
+            </a:r>
+            <a:r>
+              <a:rPr lang="en-GB" sz="4000" dirty="0"/>
+              <a:t>🔐</a:t>
+            </a:r>
+          </a:p>
+          <a:p>
+            <a:pPr marL="0" indent="0">
+              <a:buNone/>
+            </a:pPr>
+            <a:endParaRPr lang="en-GB" sz="4000" dirty="0"/>
+          </a:p>
+          <a:p>
+            <a:r>
+              <a:rPr lang="en-GB" dirty="0"/>
+              <a:t>Detect minimum required permissions</a:t>
+            </a:r>
+          </a:p>
+          <a:p>
+            <a:pPr lvl="1"/>
+            <a:r>
+              <a:rPr lang="en-GB" dirty="0"/>
+              <a:t>Are you using the right scopes?</a:t>
+            </a:r>
+          </a:p>
+          <a:p>
+            <a:pPr lvl="0"/>
+            <a:r>
+              <a:rPr lang="en-GB" dirty="0"/>
+              <a:t>Detect over consented applications</a:t>
+            </a:r>
+          </a:p>
+          <a:p>
+            <a:pPr lvl="1"/>
+            <a:r>
+              <a:rPr lang="en-GB" dirty="0"/>
+              <a:t>Is your app obtaining more permissions</a:t>
+            </a:r>
+            <a:r>
+              <a:rPr lang="en-GB" baseline="0" dirty="0"/>
+              <a:t> than it needs?</a:t>
+            </a:r>
+          </a:p>
+        </p:txBody>
+      </p:sp>
+      <p:sp>
+        <p:nvSpPr>
+          <p:cNvPr id="4" name="Title 3">
+            <a:extLst>
+              <a:ext uri="{FF2B5EF4-FFF2-40B4-BE49-F238E27FC236}">
+                <a16:creationId xmlns:a16="http://schemas.microsoft.com/office/drawing/2014/main" id="{41D520D8-8E6A-AB38-45EB-BC54805A3DA2}"/>
               </a:ext>
             </a:extLst>
           </p:cNvPr>
@@ -7129,98 +7281,42 @@
             <a:spLocks noGrp="1"/>
           </p:cNvSpPr>
           <p:nvPr>
-            <p:ph type="body" sz="half" idx="2"/>
-          </p:nvPr>
-        </p:nvSpPr>
-        <p:spPr>
-          <a:xfrm>
-            <a:off x="479180" y="2851327"/>
-            <a:ext cx="5805710" cy="698679"/>
-          </a:xfrm>
-        </p:spPr>
-        <p:txBody>
-          <a:bodyPr>
-            <a:normAutofit fontScale="92500"/>
-          </a:bodyPr>
+            <p:ph type="title"/>
+          </p:nvPr>
+        </p:nvSpPr>
+        <p:spPr/>
+        <p:txBody>
+          <a:bodyPr/>
           <a:lstStyle/>
           <a:p>
             <a:r>
-              <a:rPr lang="en-US" sz="2800" dirty="0">
-                <a:hlinkClick r:id="rId2"/>
-              </a:rPr>
-              <a:t>https://a-um.me/pune2024-feedback</a:t>
-            </a:r>
-            <a:r>
-              <a:rPr lang="en-US" sz="2800" dirty="0"/>
-              <a:t> </a:t>
-            </a:r>
-          </a:p>
-        </p:txBody>
-      </p:sp>
-      <p:pic>
-        <p:nvPicPr>
-          <p:cNvPr id="2050" name="Picture 2" descr="qr-code">
-            <a:extLst>
-              <a:ext uri="{FF2B5EF4-FFF2-40B4-BE49-F238E27FC236}">
-                <a16:creationId xmlns:a16="http://schemas.microsoft.com/office/drawing/2014/main" id="{568C387C-60B9-A42B-C534-C79C3B206A40}"/>
-              </a:ext>
-            </a:extLst>
-          </p:cNvPr>
-          <p:cNvPicPr>
-            <a:picLocks noChangeAspect="1" noChangeArrowheads="1"/>
-          </p:cNvPicPr>
-          <p:nvPr/>
-        </p:nvPicPr>
-        <p:blipFill>
-          <a:blip r:embed="rId3">
-            <a:extLst>
-              <a:ext uri="{28A0092B-C50C-407E-A947-70E740481C1C}">
-                <a14:useLocalDpi xmlns:a14="http://schemas.microsoft.com/office/drawing/2010/main" val="0"/>
-              </a:ext>
-            </a:extLst>
-          </a:blip>
-          <a:srcRect/>
-          <a:stretch>
-            <a:fillRect/>
-          </a:stretch>
-        </p:blipFill>
-        <p:spPr bwMode="auto">
-          <a:xfrm>
-            <a:off x="6611691" y="1356574"/>
-            <a:ext cx="4386865" cy="4386865"/>
-          </a:xfrm>
-          <a:prstGeom prst="rect">
-            <a:avLst/>
-          </a:prstGeom>
-          <a:noFill/>
-          <a:extLst>
-            <a:ext uri="{909E8E84-426E-40DD-AFC4-6F175D3DCCD1}">
-              <a14:hiddenFill xmlns:a14="http://schemas.microsoft.com/office/drawing/2010/main">
-                <a:solidFill>
-                  <a:srgbClr val="FFFFFF"/>
-                </a:solidFill>
-              </a14:hiddenFill>
-            </a:ext>
-          </a:extLst>
-        </p:spPr>
-      </p:pic>
+              <a:rPr lang="en-US" dirty="0" err="1"/>
+              <a:t>Devproxy</a:t>
+            </a:r>
+            <a:r>
+              <a:rPr lang="en-US" dirty="0"/>
+              <a:t> – How it helps us</a:t>
+            </a:r>
+          </a:p>
+        </p:txBody>
+      </p:sp>
     </p:spTree>
     <p:extLst>
       <p:ext uri="{BB962C8B-B14F-4D97-AF65-F5344CB8AC3E}">
-        <p14:creationId xmlns:p14="http://schemas.microsoft.com/office/powerpoint/2010/main" val="3779942629"/>
+        <p14:creationId xmlns:p14="http://schemas.microsoft.com/office/powerpoint/2010/main" val="1467534599"/>
       </p:ext>
     </p:extLst>
   </p:cSld>
   <p:clrMapOvr>
     <a:masterClrMapping/>
   </p:clrMapOvr>
-  <mc:AlternateContent xmlns:mc="http://schemas.openxmlformats.org/markup-compatibility/2006" xmlns:p14="http://schemas.microsoft.com/office/powerpoint/2010/main">
-    <mc:Choice Requires="p14">
+  <mc:AlternateContent xmlns:mc="http://schemas.openxmlformats.org/markup-compatibility/2006">
+    <mc:Choice xmlns:p14="http://schemas.microsoft.com/office/powerpoint/2010/main" Requires="p14">
       <p:transition spd="med" p14:dur="700">
         <p:fade/>
       </p:transition>
     </mc:Choice>
-    <mc:Fallback xmlns="">
+    <mc:Fallback>
       <p:transition spd="med">
         <p:fade/>
       </p:transition>
@@ -7246,401 +7342,12 @@
           <a:chExt cx="0" cy="0"/>
         </a:xfrm>
       </p:grpSpPr>
-    </p:spTree>
-    <p:extLst>
-      <p:ext uri="{BB962C8B-B14F-4D97-AF65-F5344CB8AC3E}">
-        <p14:creationId xmlns:p14="http://schemas.microsoft.com/office/powerpoint/2010/main" val="1683390843"/>
-      </p:ext>
-    </p:extLst>
-  </p:cSld>
-  <p:clrMapOvr>
-    <a:masterClrMapping/>
-  </p:clrMapOvr>
-  <mc:AlternateContent xmlns:mc="http://schemas.openxmlformats.org/markup-compatibility/2006" xmlns:p14="http://schemas.microsoft.com/office/powerpoint/2010/main">
-    <mc:Choice Requires="p14">
-      <p:transition spd="med" p14:dur="700">
-        <p:fade/>
-      </p:transition>
-    </mc:Choice>
-    <mc:Fallback xmlns="">
-      <p:transition spd="med">
-        <p:fade/>
-      </p:transition>
-    </mc:Fallback>
-  </mc:AlternateContent>
-</p:sld>
-</file>
-
-<file path=ppt/slides/slide2.xml><?xml version="1.0" encoding="utf-8"?>
-<p:sld xmlns:a="http://schemas.openxmlformats.org/drawingml/2006/main" xmlns:r="http://schemas.openxmlformats.org/officeDocument/2006/relationships" xmlns:p="http://schemas.openxmlformats.org/presentationml/2006/main">
-  <p:cSld>
-    <p:spTree>
-      <p:nvGrpSpPr>
-        <p:cNvPr id="1" name=""/>
-        <p:cNvGrpSpPr/>
-        <p:nvPr/>
-      </p:nvGrpSpPr>
-      <p:grpSpPr>
-        <a:xfrm>
-          <a:off x="0" y="0"/>
-          <a:ext cx="0" cy="0"/>
-          <a:chOff x="0" y="0"/>
-          <a:chExt cx="0" cy="0"/>
-        </a:xfrm>
-      </p:grpSpPr>
-      <p:sp>
-        <p:nvSpPr>
-          <p:cNvPr id="3" name="TextBox 2">
-            <a:extLst>
-              <a:ext uri="{FF2B5EF4-FFF2-40B4-BE49-F238E27FC236}">
-                <a16:creationId xmlns:a16="http://schemas.microsoft.com/office/drawing/2014/main" id="{CC244FD4-C55E-43F1-91FA-38236C39D8A2}"/>
-              </a:ext>
-            </a:extLst>
-          </p:cNvPr>
-          <p:cNvSpPr txBox="1"/>
-          <p:nvPr/>
-        </p:nvSpPr>
-        <p:spPr>
-          <a:xfrm>
-            <a:off x="457196" y="324610"/>
-            <a:ext cx="9601201" cy="553998"/>
-          </a:xfrm>
-          <a:prstGeom prst="rect">
-            <a:avLst/>
-          </a:prstGeom>
-          <a:noFill/>
-        </p:spPr>
-        <p:txBody>
-          <a:bodyPr vert="horz" wrap="square" lIns="0" tIns="0" rIns="0" bIns="0" rtlCol="0" anchor="b" anchorCtr="0">
-            <a:spAutoFit/>
-          </a:bodyPr>
-          <a:lstStyle>
-            <a:lvl1pPr>
-              <a:lnSpc>
-                <a:spcPct val="90000"/>
-              </a:lnSpc>
-              <a:spcBef>
-                <a:spcPct val="0"/>
-              </a:spcBef>
-              <a:buNone/>
-              <a:defRPr sz="6000" b="0" spc="-50" baseline="0">
-                <a:solidFill>
-                  <a:srgbClr val="D83900"/>
-                </a:solidFill>
-                <a:latin typeface="Arial Rounded MT Bold" panose="020F0704030504030204" pitchFamily="34" charset="0"/>
-                <a:ea typeface="+mj-ea"/>
-                <a:cs typeface="Segoe UI Semibold" panose="020B0702040204020203" pitchFamily="34" charset="0"/>
-              </a:defRPr>
-            </a:lvl1pPr>
-          </a:lstStyle>
-          <a:p>
-            <a:r>
-              <a:rPr lang="en-US" sz="4000" dirty="0">
-                <a:solidFill>
-                  <a:srgbClr val="32355E"/>
-                </a:solidFill>
-                <a:latin typeface="+mn-lt"/>
-              </a:rPr>
-              <a:t>Massive Thanks to Our Supporters!</a:t>
-            </a:r>
-          </a:p>
-        </p:txBody>
-      </p:sp>
-      <p:grpSp>
-        <p:nvGrpSpPr>
-          <p:cNvPr id="2" name="Group 1">
-            <a:extLst>
-              <a:ext uri="{FF2B5EF4-FFF2-40B4-BE49-F238E27FC236}">
-                <a16:creationId xmlns:a16="http://schemas.microsoft.com/office/drawing/2014/main" id="{59DF0839-678A-4801-A5B3-F360E123E54C}"/>
-              </a:ext>
-            </a:extLst>
-          </p:cNvPr>
-          <p:cNvGrpSpPr/>
-          <p:nvPr/>
-        </p:nvGrpSpPr>
-        <p:grpSpPr>
-          <a:xfrm>
-            <a:off x="7301590" y="4439186"/>
-            <a:ext cx="6031942" cy="1627346"/>
-            <a:chOff x="6365844" y="1219881"/>
-            <a:chExt cx="5329631" cy="1437870"/>
-          </a:xfrm>
-        </p:grpSpPr>
-        <p:sp>
-          <p:nvSpPr>
-            <p:cNvPr id="8" name="TextBox 7">
-              <a:extLst>
-                <a:ext uri="{FF2B5EF4-FFF2-40B4-BE49-F238E27FC236}">
-                  <a16:creationId xmlns:a16="http://schemas.microsoft.com/office/drawing/2014/main" id="{478FE211-797C-434B-B425-236F1CF61478}"/>
-                </a:ext>
-              </a:extLst>
-            </p:cNvPr>
-            <p:cNvSpPr txBox="1"/>
-            <p:nvPr/>
-          </p:nvSpPr>
-          <p:spPr>
-            <a:xfrm>
-              <a:off x="6445053" y="1219881"/>
-              <a:ext cx="2094274" cy="332399"/>
-            </a:xfrm>
-            <a:prstGeom prst="rect">
-              <a:avLst/>
-            </a:prstGeom>
-            <a:noFill/>
-          </p:spPr>
-          <p:txBody>
-            <a:bodyPr vert="horz" wrap="square" lIns="0" tIns="0" rIns="0" bIns="0" rtlCol="0" anchor="b" anchorCtr="0">
-              <a:spAutoFit/>
-            </a:bodyPr>
-            <a:lstStyle>
-              <a:lvl1pPr>
-                <a:lnSpc>
-                  <a:spcPct val="90000"/>
-                </a:lnSpc>
-                <a:spcBef>
-                  <a:spcPct val="0"/>
-                </a:spcBef>
-                <a:buNone/>
-                <a:defRPr sz="6000" b="0" spc="-50" baseline="0">
-                  <a:solidFill>
-                    <a:srgbClr val="D83900"/>
-                  </a:solidFill>
-                  <a:latin typeface="Arial Rounded MT Bold" panose="020F0704030504030204" pitchFamily="34" charset="0"/>
-                  <a:ea typeface="+mj-ea"/>
-                  <a:cs typeface="Segoe UI Semibold" panose="020B0702040204020203" pitchFamily="34" charset="0"/>
-                </a:defRPr>
-              </a:lvl1pPr>
-            </a:lstStyle>
-            <a:p>
-              <a:r>
-                <a:rPr lang="en-US" sz="2400" dirty="0">
-                  <a:solidFill>
-                    <a:srgbClr val="151D4E"/>
-                  </a:solidFill>
-                </a:rPr>
-                <a:t>Organized by</a:t>
-              </a:r>
-            </a:p>
-          </p:txBody>
-        </p:sp>
-        <p:pic>
-          <p:nvPicPr>
-            <p:cNvPr id="10" name="Picture 9">
-              <a:extLst>
-                <a:ext uri="{FF2B5EF4-FFF2-40B4-BE49-F238E27FC236}">
-                  <a16:creationId xmlns:a16="http://schemas.microsoft.com/office/drawing/2014/main" id="{F86263AE-DFA3-4FBB-85C7-5B7E52A8F8D3}"/>
-                </a:ext>
-              </a:extLst>
-            </p:cNvPr>
-            <p:cNvPicPr>
-              <a:picLocks noChangeAspect="1"/>
-            </p:cNvPicPr>
-            <p:nvPr/>
-          </p:nvPicPr>
-          <p:blipFill>
-            <a:blip r:embed="rId2">
-              <a:extLst>
-                <a:ext uri="{28A0092B-C50C-407E-A947-70E740481C1C}">
-                  <a14:useLocalDpi xmlns:a14="http://schemas.microsoft.com/office/drawing/2010/main" val="0"/>
-                </a:ext>
-              </a:extLst>
-            </a:blip>
-            <a:stretch>
-              <a:fillRect/>
-            </a:stretch>
-          </p:blipFill>
-          <p:spPr>
-            <a:xfrm>
-              <a:off x="6365844" y="1672825"/>
-              <a:ext cx="1096850" cy="984926"/>
-            </a:xfrm>
-            <a:prstGeom prst="rect">
-              <a:avLst/>
-            </a:prstGeom>
-          </p:spPr>
-        </p:pic>
-        <p:sp>
-          <p:nvSpPr>
-            <p:cNvPr id="11" name="TextBox 10">
-              <a:extLst>
-                <a:ext uri="{FF2B5EF4-FFF2-40B4-BE49-F238E27FC236}">
-                  <a16:creationId xmlns:a16="http://schemas.microsoft.com/office/drawing/2014/main" id="{4FAB3D09-7215-4C84-9361-32F0088E72F3}"/>
-                </a:ext>
-              </a:extLst>
-            </p:cNvPr>
-            <p:cNvSpPr txBox="1"/>
-            <p:nvPr/>
-          </p:nvSpPr>
-          <p:spPr>
-            <a:xfrm>
-              <a:off x="7531518" y="1625806"/>
-              <a:ext cx="4163957" cy="997196"/>
-            </a:xfrm>
-            <a:prstGeom prst="rect">
-              <a:avLst/>
-            </a:prstGeom>
-            <a:noFill/>
-          </p:spPr>
-          <p:txBody>
-            <a:bodyPr vert="horz" wrap="square" lIns="0" tIns="0" rIns="0" bIns="0" rtlCol="0" anchor="b" anchorCtr="0">
-              <a:spAutoFit/>
-            </a:bodyPr>
-            <a:lstStyle>
-              <a:lvl1pPr>
-                <a:lnSpc>
-                  <a:spcPct val="90000"/>
-                </a:lnSpc>
-                <a:spcBef>
-                  <a:spcPct val="0"/>
-                </a:spcBef>
-                <a:buNone/>
-                <a:defRPr sz="6000" b="0" spc="-50" baseline="0">
-                  <a:solidFill>
-                    <a:srgbClr val="D83900"/>
-                  </a:solidFill>
-                  <a:latin typeface="Arial Rounded MT Bold" panose="020F0704030504030204" pitchFamily="34" charset="0"/>
-                  <a:ea typeface="+mj-ea"/>
-                  <a:cs typeface="Segoe UI Semibold" panose="020B0702040204020203" pitchFamily="34" charset="0"/>
-                </a:defRPr>
-              </a:lvl1pPr>
-            </a:lstStyle>
-            <a:p>
-              <a:r>
-                <a:rPr lang="en-US" sz="3600" dirty="0"/>
-                <a:t>Pune Tech</a:t>
-              </a:r>
-            </a:p>
-            <a:p>
-              <a:r>
-                <a:rPr lang="en-US" sz="3600" dirty="0">
-                  <a:solidFill>
-                    <a:srgbClr val="32355E"/>
-                  </a:solidFill>
-                </a:rPr>
-                <a:t>Community</a:t>
-              </a:r>
-            </a:p>
-          </p:txBody>
-        </p:sp>
-      </p:grpSp>
-      <p:pic>
-        <p:nvPicPr>
-          <p:cNvPr id="14" name="Picture 13" descr="A picture containing logo&#10;&#10;Description automatically generated">
-            <a:extLst>
-              <a:ext uri="{FF2B5EF4-FFF2-40B4-BE49-F238E27FC236}">
-                <a16:creationId xmlns:a16="http://schemas.microsoft.com/office/drawing/2014/main" id="{3B960064-4C7A-06F7-81BF-18043DC3118E}"/>
-              </a:ext>
-            </a:extLst>
-          </p:cNvPr>
-          <p:cNvPicPr>
-            <a:picLocks noChangeAspect="1"/>
-          </p:cNvPicPr>
-          <p:nvPr/>
-        </p:nvPicPr>
-        <p:blipFill>
-          <a:blip r:embed="rId3">
-            <a:extLst>
-              <a:ext uri="{28A0092B-C50C-407E-A947-70E740481C1C}">
-                <a14:useLocalDpi xmlns:a14="http://schemas.microsoft.com/office/drawing/2010/main" val="0"/>
-              </a:ext>
-            </a:extLst>
-          </a:blip>
-          <a:stretch>
-            <a:fillRect/>
-          </a:stretch>
-        </p:blipFill>
-        <p:spPr>
-          <a:xfrm>
-            <a:off x="684670" y="1858576"/>
-            <a:ext cx="3370134" cy="1570424"/>
-          </a:xfrm>
-          <a:prstGeom prst="rect">
-            <a:avLst/>
-          </a:prstGeom>
-        </p:spPr>
-      </p:pic>
-    </p:spTree>
-    <p:extLst>
-      <p:ext uri="{BB962C8B-B14F-4D97-AF65-F5344CB8AC3E}">
-        <p14:creationId xmlns:p14="http://schemas.microsoft.com/office/powerpoint/2010/main" val="1548818635"/>
-      </p:ext>
-    </p:extLst>
-  </p:cSld>
-  <p:clrMapOvr>
-    <a:masterClrMapping/>
-  </p:clrMapOvr>
-</p:sld>
-</file>
-
-<file path=ppt/slides/slide3.xml><?xml version="1.0" encoding="utf-8"?>
-<p:sld xmlns:a="http://schemas.openxmlformats.org/drawingml/2006/main" xmlns:r="http://schemas.openxmlformats.org/officeDocument/2006/relationships" xmlns:p="http://schemas.openxmlformats.org/presentationml/2006/main">
-  <p:cSld>
-    <p:bg>
-      <p:bgPr>
-        <a:blipFill dpi="0" rotWithShape="1">
-          <a:blip r:embed="rId2">
-            <a:alphaModFix amt="5000"/>
-            <a:lum/>
-          </a:blip>
-          <a:srcRect/>
-          <a:stretch>
-            <a:fillRect l="-7000" r="-7000"/>
-          </a:stretch>
-        </a:blipFill>
-        <a:effectLst/>
-      </p:bgPr>
-    </p:bg>
-    <p:spTree>
-      <p:nvGrpSpPr>
-        <p:cNvPr id="1" name=""/>
-        <p:cNvGrpSpPr/>
-        <p:nvPr/>
-      </p:nvGrpSpPr>
-      <p:grpSpPr>
-        <a:xfrm>
-          <a:off x="0" y="0"/>
-          <a:ext cx="0" cy="0"/>
-          <a:chOff x="0" y="0"/>
-          <a:chExt cx="0" cy="0"/>
-        </a:xfrm>
-      </p:grpSpPr>
-      <p:pic>
-        <p:nvPicPr>
-          <p:cNvPr id="11" name="Picture Placeholder 10" descr="A person wearing glasses and a black jacket&#10;&#10;Description automatically generated">
-            <a:extLst>
-              <a:ext uri="{FF2B5EF4-FFF2-40B4-BE49-F238E27FC236}">
-                <a16:creationId xmlns:a16="http://schemas.microsoft.com/office/drawing/2014/main" id="{68BC3162-DDA7-2161-97DE-0AB47943B182}"/>
-              </a:ext>
-            </a:extLst>
-          </p:cNvPr>
-          <p:cNvPicPr>
-            <a:picLocks noGrp="1" noChangeAspect="1"/>
-          </p:cNvPicPr>
-          <p:nvPr>
-            <p:ph type="pic" sz="quarter" idx="10"/>
-          </p:nvPr>
-        </p:nvPicPr>
-        <p:blipFill>
-          <a:blip r:embed="rId3">
-            <a:extLst>
-              <a:ext uri="{28A0092B-C50C-407E-A947-70E740481C1C}">
-                <a14:useLocalDpi xmlns:a14="http://schemas.microsoft.com/office/drawing/2010/main" val="0"/>
-              </a:ext>
-            </a:extLst>
-          </a:blip>
-          <a:srcRect t="2696" b="2696"/>
-          <a:stretch>
-            <a:fillRect/>
-          </a:stretch>
-        </p:blipFill>
-        <p:spPr/>
-      </p:pic>
-      <p:sp>
-        <p:nvSpPr>
-          <p:cNvPr id="4" name="Text Placeholder 3">
-            <a:extLst>
-              <a:ext uri="{FF2B5EF4-FFF2-40B4-BE49-F238E27FC236}">
-                <a16:creationId xmlns:a16="http://schemas.microsoft.com/office/drawing/2014/main" id="{5721DA2A-2973-46C7-A0AE-CFEA720F59DA}"/>
+      <p:sp>
+        <p:nvSpPr>
+          <p:cNvPr id="2" name="Title 1">
+            <a:extLst>
+              <a:ext uri="{FF2B5EF4-FFF2-40B4-BE49-F238E27FC236}">
+                <a16:creationId xmlns:a16="http://schemas.microsoft.com/office/drawing/2014/main" id="{14021FF0-1259-48D1-8E66-B40BCDEC59AF}"/>
               </a:ext>
             </a:extLst>
           </p:cNvPr>
@@ -7648,27 +7355,32 @@
             <a:spLocks noGrp="1"/>
           </p:cNvSpPr>
           <p:nvPr>
-            <p:ph type="body" sz="quarter" idx="13"/>
-          </p:nvPr>
-        </p:nvSpPr>
-        <p:spPr/>
+            <p:ph type="title"/>
+          </p:nvPr>
+        </p:nvSpPr>
+        <p:spPr>
+          <a:xfrm>
+            <a:off x="585215" y="1849329"/>
+            <a:ext cx="10799709" cy="1685077"/>
+          </a:xfrm>
+        </p:spPr>
         <p:txBody>
           <a:bodyPr/>
           <a:lstStyle/>
           <a:p>
             <a:r>
               <a:rPr lang="en-US" dirty="0"/>
-              <a:t>/in/arjunumenon</a:t>
-            </a:r>
-          </a:p>
-        </p:txBody>
-      </p:sp>
-      <p:sp>
-        <p:nvSpPr>
-          <p:cNvPr id="5" name="Text Placeholder 4">
-            <a:extLst>
-              <a:ext uri="{FF2B5EF4-FFF2-40B4-BE49-F238E27FC236}">
-                <a16:creationId xmlns:a16="http://schemas.microsoft.com/office/drawing/2014/main" id="{897FA3BA-8F39-4BBE-A43E-944D285C7195}"/>
+              <a:t>Let us break and make 🧨 ➡️ 🏘️</a:t>
+            </a:r>
+          </a:p>
+        </p:txBody>
+      </p:sp>
+      <p:sp>
+        <p:nvSpPr>
+          <p:cNvPr id="3" name="Text Placeholder 2">
+            <a:extLst>
+              <a:ext uri="{FF2B5EF4-FFF2-40B4-BE49-F238E27FC236}">
+                <a16:creationId xmlns:a16="http://schemas.microsoft.com/office/drawing/2014/main" id="{F6A5BBC5-D383-46C8-9C7D-48FA8DEF32A2}"/>
               </a:ext>
             </a:extLst>
           </p:cNvPr>
@@ -7676,7 +7388,7 @@
             <a:spLocks noGrp="1"/>
           </p:cNvSpPr>
           <p:nvPr>
-            <p:ph type="body" sz="quarter" idx="14"/>
+            <p:ph type="body" sz="quarter" idx="12"/>
           </p:nvPr>
         </p:nvSpPr>
         <p:spPr/>
@@ -7686,886 +7398,8 @@
           <a:p>
             <a:r>
               <a:rPr lang="en-US" dirty="0"/>
-              <a:t>arjunumenon</a:t>
-            </a:r>
-          </a:p>
-        </p:txBody>
-      </p:sp>
-      <p:sp>
-        <p:nvSpPr>
-          <p:cNvPr id="6" name="Text Placeholder 5">
-            <a:extLst>
-              <a:ext uri="{FF2B5EF4-FFF2-40B4-BE49-F238E27FC236}">
-                <a16:creationId xmlns:a16="http://schemas.microsoft.com/office/drawing/2014/main" id="{323E21E3-A201-4DC4-A7B6-5EAD4880162E}"/>
-              </a:ext>
-            </a:extLst>
-          </p:cNvPr>
-          <p:cNvSpPr>
-            <a:spLocks noGrp="1"/>
-          </p:cNvSpPr>
-          <p:nvPr>
-            <p:ph type="body" sz="quarter" idx="16"/>
-          </p:nvPr>
-        </p:nvSpPr>
-        <p:spPr>
-          <a:xfrm>
-            <a:off x="448319" y="1595287"/>
-            <a:ext cx="7338496" cy="370101"/>
-          </a:xfrm>
-        </p:spPr>
-        <p:txBody>
-          <a:bodyPr/>
-          <a:lstStyle/>
-          <a:p>
-            <a:r>
-              <a:rPr lang="en-US" sz="2600" b="0" dirty="0"/>
-              <a:t>Microsoft MVP</a:t>
-            </a:r>
-          </a:p>
-        </p:txBody>
-      </p:sp>
-      <p:sp>
-        <p:nvSpPr>
-          <p:cNvPr id="7" name="Text Placeholder 6">
-            <a:extLst>
-              <a:ext uri="{FF2B5EF4-FFF2-40B4-BE49-F238E27FC236}">
-                <a16:creationId xmlns:a16="http://schemas.microsoft.com/office/drawing/2014/main" id="{5FF81DF4-9A66-4D0B-800E-A49D26E72F38}"/>
-              </a:ext>
-            </a:extLst>
-          </p:cNvPr>
-          <p:cNvSpPr>
-            <a:spLocks noGrp="1"/>
-          </p:cNvSpPr>
-          <p:nvPr>
-            <p:ph type="body" sz="quarter" idx="17"/>
-          </p:nvPr>
-        </p:nvSpPr>
-        <p:spPr>
-          <a:xfrm>
-            <a:off x="448319" y="2096498"/>
-            <a:ext cx="7338496" cy="561692"/>
-          </a:xfrm>
-        </p:spPr>
-        <p:txBody>
-          <a:bodyPr/>
-          <a:lstStyle/>
-          <a:p>
-            <a:r>
-              <a:rPr lang="en-US" b="0" dirty="0"/>
-              <a:t>Co-maintainer – CLI for Microsoft 365, Core Member – PnP Team</a:t>
-            </a:r>
-          </a:p>
-        </p:txBody>
-      </p:sp>
-      <p:sp>
-        <p:nvSpPr>
-          <p:cNvPr id="8" name="Content Placeholder 7">
-            <a:extLst>
-              <a:ext uri="{FF2B5EF4-FFF2-40B4-BE49-F238E27FC236}">
-                <a16:creationId xmlns:a16="http://schemas.microsoft.com/office/drawing/2014/main" id="{0A6B3B0C-9111-4D54-9C94-23CAFBAAA2E0}"/>
-              </a:ext>
-            </a:extLst>
-          </p:cNvPr>
-          <p:cNvSpPr>
-            <a:spLocks noGrp="1"/>
-          </p:cNvSpPr>
-          <p:nvPr>
-            <p:ph sz="half" idx="1"/>
-          </p:nvPr>
-        </p:nvSpPr>
-        <p:spPr/>
-        <p:txBody>
-          <a:bodyPr/>
-          <a:lstStyle/>
-          <a:p>
-            <a:endParaRPr lang="en-US" dirty="0"/>
-          </a:p>
-        </p:txBody>
-      </p:sp>
-      <p:sp>
-        <p:nvSpPr>
-          <p:cNvPr id="9" name="Text Placeholder 8">
-            <a:extLst>
-              <a:ext uri="{FF2B5EF4-FFF2-40B4-BE49-F238E27FC236}">
-                <a16:creationId xmlns:a16="http://schemas.microsoft.com/office/drawing/2014/main" id="{1F8605C7-38C5-422A-8BBB-0CEB96F409F7}"/>
-              </a:ext>
-            </a:extLst>
-          </p:cNvPr>
-          <p:cNvSpPr>
-            <a:spLocks noGrp="1"/>
-          </p:cNvSpPr>
-          <p:nvPr>
-            <p:ph type="body" sz="quarter" idx="18"/>
-          </p:nvPr>
-        </p:nvSpPr>
-        <p:spPr/>
-        <p:txBody>
-          <a:bodyPr/>
-          <a:lstStyle/>
-          <a:p>
-            <a:r>
-              <a:rPr lang="en-US" dirty="0"/>
-              <a:t>Arjun Menon</a:t>
-            </a:r>
-          </a:p>
-        </p:txBody>
-      </p:sp>
-      <p:pic>
-        <p:nvPicPr>
-          <p:cNvPr id="14" name="Picture 13" descr="A qr code with a black background&#10;&#10;Description automatically generated">
-            <a:extLst>
-              <a:ext uri="{FF2B5EF4-FFF2-40B4-BE49-F238E27FC236}">
-                <a16:creationId xmlns:a16="http://schemas.microsoft.com/office/drawing/2014/main" id="{CA36BD04-C204-310E-230A-30D790DCD013}"/>
-              </a:ext>
-            </a:extLst>
-          </p:cNvPr>
-          <p:cNvPicPr>
-            <a:picLocks noChangeAspect="1"/>
-          </p:cNvPicPr>
-          <p:nvPr/>
-        </p:nvPicPr>
-        <p:blipFill>
-          <a:blip r:embed="rId4"/>
-          <a:stretch>
-            <a:fillRect/>
-          </a:stretch>
-        </p:blipFill>
-        <p:spPr>
-          <a:xfrm>
-            <a:off x="10534865" y="4013527"/>
-            <a:ext cx="1561248" cy="1561248"/>
-          </a:xfrm>
-          <a:prstGeom prst="rect">
-            <a:avLst/>
-          </a:prstGeom>
-        </p:spPr>
-      </p:pic>
-      <p:pic>
-        <p:nvPicPr>
-          <p:cNvPr id="15" name="Graphic 14" descr="Internet with solid fill">
-            <a:extLst>
-              <a:ext uri="{FF2B5EF4-FFF2-40B4-BE49-F238E27FC236}">
-                <a16:creationId xmlns:a16="http://schemas.microsoft.com/office/drawing/2014/main" id="{C2F41EBD-FD5F-F82E-DD4B-477A29F885DA}"/>
-              </a:ext>
-            </a:extLst>
-          </p:cNvPr>
-          <p:cNvPicPr>
-            <a:picLocks noChangeAspect="1"/>
-          </p:cNvPicPr>
-          <p:nvPr/>
-        </p:nvPicPr>
-        <p:blipFill>
-          <a:blip r:embed="rId5">
-            <a:extLst>
-              <a:ext uri="{28A0092B-C50C-407E-A947-70E740481C1C}">
-                <a14:useLocalDpi xmlns:a14="http://schemas.microsoft.com/office/drawing/2010/main" val="0"/>
-              </a:ext>
-              <a:ext uri="{96DAC541-7B7A-43D3-8B79-37D633B846F1}">
-                <asvg:svgBlip xmlns:asvg="http://schemas.microsoft.com/office/drawing/2016/SVG/main" r:embed="rId6"/>
-              </a:ext>
-            </a:extLst>
-          </a:blip>
-          <a:stretch>
-            <a:fillRect/>
-          </a:stretch>
-        </p:blipFill>
-        <p:spPr>
-          <a:xfrm>
-            <a:off x="7880233" y="5050331"/>
-            <a:ext cx="540194" cy="540194"/>
-          </a:xfrm>
-          <a:prstGeom prst="rect">
-            <a:avLst/>
-          </a:prstGeom>
-        </p:spPr>
-      </p:pic>
-      <p:sp>
-        <p:nvSpPr>
-          <p:cNvPr id="16" name="Text Placeholder 4">
-            <a:extLst>
-              <a:ext uri="{FF2B5EF4-FFF2-40B4-BE49-F238E27FC236}">
-                <a16:creationId xmlns:a16="http://schemas.microsoft.com/office/drawing/2014/main" id="{5F9E900A-2924-B2CD-D83E-0F0ABAD7DACA}"/>
-              </a:ext>
-            </a:extLst>
-          </p:cNvPr>
-          <p:cNvSpPr txBox="1">
-            <a:spLocks/>
-          </p:cNvSpPr>
-          <p:nvPr/>
-        </p:nvSpPr>
-        <p:spPr>
-          <a:xfrm>
-            <a:off x="8490948" y="5168113"/>
-            <a:ext cx="3534644" cy="256224"/>
-          </a:xfrm>
-          <a:prstGeom prst="rect">
-            <a:avLst/>
-          </a:prstGeom>
-          <a:noFill/>
-        </p:spPr>
-        <p:txBody>
-          <a:bodyPr vert="horz" wrap="square" lIns="0" tIns="0" rIns="0" bIns="0" rtlCol="0">
-            <a:spAutoFit/>
-          </a:bodyPr>
-          <a:lstStyle>
-            <a:lvl1pPr marL="0" indent="0" algn="l" defTabSz="914400" rtl="0" eaLnBrk="1" latinLnBrk="0" hangingPunct="1">
-              <a:lnSpc>
-                <a:spcPct val="90000"/>
-              </a:lnSpc>
-              <a:spcBef>
-                <a:spcPts val="0"/>
-              </a:spcBef>
-              <a:buFont typeface="Arial" panose="020B0604020202020204" pitchFamily="34" charset="0"/>
-              <a:buNone/>
-              <a:defRPr lang="en-US" sz="1800" b="0" kern="1200" dirty="0">
-                <a:solidFill>
-                  <a:schemeClr val="tx1"/>
-                </a:solidFill>
-                <a:latin typeface="Nunito Sans" pitchFamily="2" charset="0"/>
-                <a:ea typeface="+mj-ea"/>
-                <a:cs typeface="+mj-cs"/>
-              </a:defRPr>
-            </a:lvl1pPr>
-            <a:lvl2pPr marL="685800" indent="-228600" algn="l" defTabSz="914400" rtl="0" eaLnBrk="1" latinLnBrk="0" hangingPunct="1">
-              <a:lnSpc>
-                <a:spcPct val="90000"/>
-              </a:lnSpc>
-              <a:spcBef>
-                <a:spcPts val="500"/>
-              </a:spcBef>
-              <a:buFont typeface="Arial" panose="020B0604020202020204" pitchFamily="34" charset="0"/>
-              <a:buChar char="•"/>
-              <a:defRPr sz="2400" kern="1200">
-                <a:solidFill>
-                  <a:schemeClr val="tx1"/>
-                </a:solidFill>
-                <a:latin typeface="+mn-lt"/>
-                <a:ea typeface="+mn-ea"/>
-                <a:cs typeface="+mn-cs"/>
-              </a:defRPr>
-            </a:lvl2pPr>
-            <a:lvl3pPr marL="1143000" indent="-228600" algn="l" defTabSz="914400" rtl="0" eaLnBrk="1" latinLnBrk="0" hangingPunct="1">
-              <a:lnSpc>
-                <a:spcPct val="90000"/>
-              </a:lnSpc>
-              <a:spcBef>
-                <a:spcPts val="500"/>
-              </a:spcBef>
-              <a:buFont typeface="Arial" panose="020B0604020202020204" pitchFamily="34" charset="0"/>
-              <a:buChar char="•"/>
-              <a:defRPr sz="2000" kern="1200">
-                <a:solidFill>
-                  <a:schemeClr val="tx1"/>
-                </a:solidFill>
-                <a:latin typeface="+mn-lt"/>
-                <a:ea typeface="+mn-ea"/>
-                <a:cs typeface="+mn-cs"/>
-              </a:defRPr>
-            </a:lvl3pPr>
-            <a:lvl4pPr marL="1600200" indent="-228600" algn="l" defTabSz="914400" rtl="0" eaLnBrk="1" latinLnBrk="0" hangingPunct="1">
-              <a:lnSpc>
-                <a:spcPct val="90000"/>
-              </a:lnSpc>
-              <a:spcBef>
-                <a:spcPts val="500"/>
-              </a:spcBef>
-              <a:buFont typeface="Arial" panose="020B0604020202020204" pitchFamily="34" charset="0"/>
-              <a:buChar char="•"/>
-              <a:defRPr sz="1800" kern="1200">
-                <a:solidFill>
-                  <a:schemeClr val="tx1"/>
-                </a:solidFill>
-                <a:latin typeface="+mn-lt"/>
-                <a:ea typeface="+mn-ea"/>
-                <a:cs typeface="+mn-cs"/>
-              </a:defRPr>
-            </a:lvl4pPr>
-            <a:lvl5pPr marL="2057400" indent="-228600" algn="l" defTabSz="914400" rtl="0" eaLnBrk="1" latinLnBrk="0" hangingPunct="1">
-              <a:lnSpc>
-                <a:spcPct val="90000"/>
-              </a:lnSpc>
-              <a:spcBef>
-                <a:spcPts val="500"/>
-              </a:spcBef>
-              <a:buFont typeface="Arial" panose="020B0604020202020204" pitchFamily="34" charset="0"/>
-              <a:buChar char="•"/>
-              <a:defRPr sz="1800" kern="1200">
-                <a:solidFill>
-                  <a:schemeClr val="tx1"/>
-                </a:solidFill>
-                <a:latin typeface="+mn-lt"/>
-                <a:ea typeface="+mn-ea"/>
-                <a:cs typeface="+mn-cs"/>
-              </a:defRPr>
-            </a:lvl5pPr>
-            <a:lvl6pPr marL="2514600" indent="-228600" algn="l" defTabSz="914400" rtl="0" eaLnBrk="1" latinLnBrk="0" hangingPunct="1">
-              <a:lnSpc>
-                <a:spcPct val="90000"/>
-              </a:lnSpc>
-              <a:spcBef>
-                <a:spcPts val="500"/>
-              </a:spcBef>
-              <a:buFont typeface="Arial" panose="020B0604020202020204" pitchFamily="34" charset="0"/>
-              <a:buChar char="•"/>
-              <a:defRPr sz="1800" kern="1200">
-                <a:solidFill>
-                  <a:schemeClr val="tx1"/>
-                </a:solidFill>
-                <a:latin typeface="+mn-lt"/>
-                <a:ea typeface="+mn-ea"/>
-                <a:cs typeface="+mn-cs"/>
-              </a:defRPr>
-            </a:lvl6pPr>
-            <a:lvl7pPr marL="2971800" indent="-228600" algn="l" defTabSz="914400" rtl="0" eaLnBrk="1" latinLnBrk="0" hangingPunct="1">
-              <a:lnSpc>
-                <a:spcPct val="90000"/>
-              </a:lnSpc>
-              <a:spcBef>
-                <a:spcPts val="500"/>
-              </a:spcBef>
-              <a:buFont typeface="Arial" panose="020B0604020202020204" pitchFamily="34" charset="0"/>
-              <a:buChar char="•"/>
-              <a:defRPr sz="1800" kern="1200">
-                <a:solidFill>
-                  <a:schemeClr val="tx1"/>
-                </a:solidFill>
-                <a:latin typeface="+mn-lt"/>
-                <a:ea typeface="+mn-ea"/>
-                <a:cs typeface="+mn-cs"/>
-              </a:defRPr>
-            </a:lvl7pPr>
-            <a:lvl8pPr marL="3429000" indent="-228600" algn="l" defTabSz="914400" rtl="0" eaLnBrk="1" latinLnBrk="0" hangingPunct="1">
-              <a:lnSpc>
-                <a:spcPct val="90000"/>
-              </a:lnSpc>
-              <a:spcBef>
-                <a:spcPts val="500"/>
-              </a:spcBef>
-              <a:buFont typeface="Arial" panose="020B0604020202020204" pitchFamily="34" charset="0"/>
-              <a:buChar char="•"/>
-              <a:defRPr sz="1800" kern="1200">
-                <a:solidFill>
-                  <a:schemeClr val="tx1"/>
-                </a:solidFill>
-                <a:latin typeface="+mn-lt"/>
-                <a:ea typeface="+mn-ea"/>
-                <a:cs typeface="+mn-cs"/>
-              </a:defRPr>
-            </a:lvl8pPr>
-            <a:lvl9pPr marL="3886200" indent="-228600" algn="l" defTabSz="914400" rtl="0" eaLnBrk="1" latinLnBrk="0" hangingPunct="1">
-              <a:lnSpc>
-                <a:spcPct val="90000"/>
-              </a:lnSpc>
-              <a:spcBef>
-                <a:spcPts val="500"/>
-              </a:spcBef>
-              <a:buFont typeface="Arial" panose="020B0604020202020204" pitchFamily="34" charset="0"/>
-              <a:buChar char="•"/>
-              <a:defRPr sz="1800" kern="1200">
-                <a:solidFill>
-                  <a:schemeClr val="tx1"/>
-                </a:solidFill>
-                <a:latin typeface="+mn-lt"/>
-                <a:ea typeface="+mn-ea"/>
-                <a:cs typeface="+mn-cs"/>
-              </a:defRPr>
-            </a:lvl9pPr>
-          </a:lstStyle>
-          <a:p>
-            <a:r>
-              <a:rPr lang="en-IN" dirty="0"/>
-              <a:t>arjunumenon.com</a:t>
-            </a:r>
-          </a:p>
-        </p:txBody>
-      </p:sp>
-      <p:sp>
-        <p:nvSpPr>
-          <p:cNvPr id="17" name="Rounded Rectangle 16">
-            <a:extLst>
-              <a:ext uri="{FF2B5EF4-FFF2-40B4-BE49-F238E27FC236}">
-                <a16:creationId xmlns:a16="http://schemas.microsoft.com/office/drawing/2014/main" id="{CE5FF6E6-05E9-923E-7D61-FE216CF88FD0}"/>
-              </a:ext>
-            </a:extLst>
-          </p:cNvPr>
-          <p:cNvSpPr/>
-          <p:nvPr/>
-        </p:nvSpPr>
-        <p:spPr>
-          <a:xfrm>
-            <a:off x="7848766" y="3360104"/>
-            <a:ext cx="540194" cy="433965"/>
-          </a:xfrm>
-          <a:prstGeom prst="roundRect">
-            <a:avLst/>
-          </a:prstGeom>
-          <a:solidFill>
-            <a:srgbClr val="FFFFFF"/>
-          </a:solidFill>
-          <a:ln>
-            <a:solidFill>
-              <a:srgbClr val="FFFFFF"/>
-            </a:solidFill>
-          </a:ln>
-        </p:spPr>
-        <p:style>
-          <a:lnRef idx="2">
-            <a:schemeClr val="accent1">
-              <a:shade val="15000"/>
-            </a:schemeClr>
-          </a:lnRef>
-          <a:fillRef idx="1">
-            <a:schemeClr val="accent1"/>
-          </a:fillRef>
-          <a:effectRef idx="0">
-            <a:schemeClr val="accent1"/>
-          </a:effectRef>
-          <a:fontRef idx="minor">
-            <a:schemeClr val="lt1"/>
-          </a:fontRef>
-        </p:style>
-        <p:txBody>
-          <a:bodyPr rtlCol="0" anchor="ctr"/>
-          <a:lstStyle/>
-          <a:p>
-            <a:pPr algn="ctr"/>
-            <a:endParaRPr lang="en-US"/>
-          </a:p>
-        </p:txBody>
-      </p:sp>
-    </p:spTree>
-    <p:extLst>
-      <p:ext uri="{BB962C8B-B14F-4D97-AF65-F5344CB8AC3E}">
-        <p14:creationId xmlns:p14="http://schemas.microsoft.com/office/powerpoint/2010/main" val="20747463"/>
-      </p:ext>
-    </p:extLst>
-  </p:cSld>
-  <p:clrMapOvr>
-    <a:masterClrMapping/>
-  </p:clrMapOvr>
-  <mc:AlternateContent xmlns:mc="http://schemas.openxmlformats.org/markup-compatibility/2006" xmlns:p14="http://schemas.microsoft.com/office/powerpoint/2010/main">
-    <mc:Choice Requires="p14">
-      <p:transition spd="med" p14:dur="700">
-        <p:fade/>
-      </p:transition>
-    </mc:Choice>
-    <mc:Fallback xmlns="">
-      <p:transition spd="med">
-        <p:fade/>
-      </p:transition>
-    </mc:Fallback>
-  </mc:AlternateContent>
-</p:sld>
-</file>
-
-<file path=ppt/slides/slide4.xml><?xml version="1.0" encoding="utf-8"?>
-<p:sld xmlns:a="http://schemas.openxmlformats.org/drawingml/2006/main" xmlns:r="http://schemas.openxmlformats.org/officeDocument/2006/relationships" xmlns:p="http://schemas.openxmlformats.org/presentationml/2006/main">
-  <p:cSld>
-    <p:spTree>
-      <p:nvGrpSpPr>
-        <p:cNvPr id="1" name=""/>
-        <p:cNvGrpSpPr/>
-        <p:nvPr/>
-      </p:nvGrpSpPr>
-      <p:grpSpPr>
-        <a:xfrm>
-          <a:off x="0" y="0"/>
-          <a:ext cx="0" cy="0"/>
-          <a:chOff x="0" y="0"/>
-          <a:chExt cx="0" cy="0"/>
-        </a:xfrm>
-      </p:grpSpPr>
-      <p:sp>
-        <p:nvSpPr>
-          <p:cNvPr id="2" name="Text Placeholder 1">
-            <a:extLst>
-              <a:ext uri="{FF2B5EF4-FFF2-40B4-BE49-F238E27FC236}">
-                <a16:creationId xmlns:a16="http://schemas.microsoft.com/office/drawing/2014/main" id="{7CBEC18A-4AFB-426F-A467-BA32A99B55E0}"/>
-              </a:ext>
-            </a:extLst>
-          </p:cNvPr>
-          <p:cNvSpPr>
-            <a:spLocks noGrp="1"/>
-          </p:cNvSpPr>
-          <p:nvPr>
-            <p:ph type="body" sz="quarter" idx="12"/>
-          </p:nvPr>
-        </p:nvSpPr>
-        <p:spPr/>
-        <p:txBody>
-          <a:bodyPr/>
-          <a:lstStyle/>
-          <a:p>
-            <a:endParaRPr lang="en-US" dirty="0"/>
-          </a:p>
-        </p:txBody>
-      </p:sp>
-    </p:spTree>
-    <p:extLst>
-      <p:ext uri="{BB962C8B-B14F-4D97-AF65-F5344CB8AC3E}">
-        <p14:creationId xmlns:p14="http://schemas.microsoft.com/office/powerpoint/2010/main" val="2546613827"/>
-      </p:ext>
-    </p:extLst>
-  </p:cSld>
-  <p:clrMapOvr>
-    <a:masterClrMapping/>
-  </p:clrMapOvr>
-  <mc:AlternateContent xmlns:mc="http://schemas.openxmlformats.org/markup-compatibility/2006" xmlns:p14="http://schemas.microsoft.com/office/powerpoint/2010/main">
-    <mc:Choice Requires="p14">
-      <p:transition spd="med" p14:dur="700">
-        <p:fade/>
-      </p:transition>
-    </mc:Choice>
-    <mc:Fallback xmlns="">
-      <p:transition spd="med">
-        <p:fade/>
-      </p:transition>
-    </mc:Fallback>
-  </mc:AlternateContent>
-</p:sld>
-</file>
-
-<file path=ppt/slides/slide5.xml><?xml version="1.0" encoding="utf-8"?>
-<p:sld xmlns:a="http://schemas.openxmlformats.org/drawingml/2006/main" xmlns:r="http://schemas.openxmlformats.org/officeDocument/2006/relationships" xmlns:p="http://schemas.openxmlformats.org/presentationml/2006/main">
-  <p:cSld>
-    <p:spTree>
-      <p:nvGrpSpPr>
-        <p:cNvPr id="1" name=""/>
-        <p:cNvGrpSpPr/>
-        <p:nvPr/>
-      </p:nvGrpSpPr>
-      <p:grpSpPr>
-        <a:xfrm>
-          <a:off x="0" y="0"/>
-          <a:ext cx="0" cy="0"/>
-          <a:chOff x="0" y="0"/>
-          <a:chExt cx="0" cy="0"/>
-        </a:xfrm>
-      </p:grpSpPr>
-      <p:sp>
-        <p:nvSpPr>
-          <p:cNvPr id="2" name="Title 1">
-            <a:extLst>
-              <a:ext uri="{FF2B5EF4-FFF2-40B4-BE49-F238E27FC236}">
-                <a16:creationId xmlns:a16="http://schemas.microsoft.com/office/drawing/2014/main" id="{524B5185-01E0-4A07-8006-3010908A29FF}"/>
-              </a:ext>
-            </a:extLst>
-          </p:cNvPr>
-          <p:cNvSpPr>
-            <a:spLocks noGrp="1"/>
-          </p:cNvSpPr>
-          <p:nvPr>
-            <p:ph type="title"/>
-          </p:nvPr>
-        </p:nvSpPr>
-        <p:spPr/>
-        <p:txBody>
-          <a:bodyPr/>
-          <a:lstStyle/>
-          <a:p>
-            <a:endParaRPr lang="en-US"/>
-          </a:p>
-        </p:txBody>
-      </p:sp>
-      <p:sp>
-        <p:nvSpPr>
-          <p:cNvPr id="3" name="Text Placeholder 2">
-            <a:extLst>
-              <a:ext uri="{FF2B5EF4-FFF2-40B4-BE49-F238E27FC236}">
-                <a16:creationId xmlns:a16="http://schemas.microsoft.com/office/drawing/2014/main" id="{B0B7113B-DA50-4604-AC69-20E627D3A762}"/>
-              </a:ext>
-            </a:extLst>
-          </p:cNvPr>
-          <p:cNvSpPr>
-            <a:spLocks noGrp="1"/>
-          </p:cNvSpPr>
-          <p:nvPr>
-            <p:ph type="body" sz="quarter" idx="12"/>
-          </p:nvPr>
-        </p:nvSpPr>
-        <p:spPr/>
-        <p:txBody>
-          <a:bodyPr/>
-          <a:lstStyle/>
-          <a:p>
-            <a:endParaRPr lang="en-US"/>
-          </a:p>
-        </p:txBody>
-      </p:sp>
-    </p:spTree>
-    <p:extLst>
-      <p:ext uri="{BB962C8B-B14F-4D97-AF65-F5344CB8AC3E}">
-        <p14:creationId xmlns:p14="http://schemas.microsoft.com/office/powerpoint/2010/main" val="43175621"/>
-      </p:ext>
-    </p:extLst>
-  </p:cSld>
-  <p:clrMapOvr>
-    <a:masterClrMapping/>
-  </p:clrMapOvr>
-  <mc:AlternateContent xmlns:mc="http://schemas.openxmlformats.org/markup-compatibility/2006" xmlns:p14="http://schemas.microsoft.com/office/powerpoint/2010/main">
-    <mc:Choice Requires="p14">
-      <p:transition spd="med" p14:dur="700">
-        <p:fade/>
-      </p:transition>
-    </mc:Choice>
-    <mc:Fallback xmlns="">
-      <p:transition spd="med">
-        <p:fade/>
-      </p:transition>
-    </mc:Fallback>
-  </mc:AlternateContent>
-</p:sld>
-</file>
-
-<file path=ppt/slides/slide6.xml><?xml version="1.0" encoding="utf-8"?>
-<p:sld xmlns:a="http://schemas.openxmlformats.org/drawingml/2006/main" xmlns:r="http://schemas.openxmlformats.org/officeDocument/2006/relationships" xmlns:p="http://schemas.openxmlformats.org/presentationml/2006/main">
-  <p:cSld>
-    <p:spTree>
-      <p:nvGrpSpPr>
-        <p:cNvPr id="1" name=""/>
-        <p:cNvGrpSpPr/>
-        <p:nvPr/>
-      </p:nvGrpSpPr>
-      <p:grpSpPr>
-        <a:xfrm>
-          <a:off x="0" y="0"/>
-          <a:ext cx="0" cy="0"/>
-          <a:chOff x="0" y="0"/>
-          <a:chExt cx="0" cy="0"/>
-        </a:xfrm>
-      </p:grpSpPr>
-      <p:sp>
-        <p:nvSpPr>
-          <p:cNvPr id="2" name="Title 1">
-            <a:extLst>
-              <a:ext uri="{FF2B5EF4-FFF2-40B4-BE49-F238E27FC236}">
-                <a16:creationId xmlns:a16="http://schemas.microsoft.com/office/drawing/2014/main" id="{99B1D82B-9ED6-43AA-92A3-12C0BA6F5B04}"/>
-              </a:ext>
-            </a:extLst>
-          </p:cNvPr>
-          <p:cNvSpPr>
-            <a:spLocks noGrp="1"/>
-          </p:cNvSpPr>
-          <p:nvPr>
-            <p:ph type="title"/>
-          </p:nvPr>
-        </p:nvSpPr>
-        <p:spPr/>
-        <p:txBody>
-          <a:bodyPr/>
-          <a:lstStyle/>
-          <a:p>
-            <a:endParaRPr lang="en-US" dirty="0"/>
-          </a:p>
-        </p:txBody>
-      </p:sp>
-      <p:sp>
-        <p:nvSpPr>
-          <p:cNvPr id="3" name="Content Placeholder 2">
-            <a:extLst>
-              <a:ext uri="{FF2B5EF4-FFF2-40B4-BE49-F238E27FC236}">
-                <a16:creationId xmlns:a16="http://schemas.microsoft.com/office/drawing/2014/main" id="{5E975BA8-7C92-45CF-9D88-120ED7D5290E}"/>
-              </a:ext>
-            </a:extLst>
-          </p:cNvPr>
-          <p:cNvSpPr>
-            <a:spLocks noGrp="1"/>
-          </p:cNvSpPr>
-          <p:nvPr>
-            <p:ph idx="1"/>
-          </p:nvPr>
-        </p:nvSpPr>
-        <p:spPr/>
-        <p:txBody>
-          <a:bodyPr/>
-          <a:lstStyle/>
-          <a:p>
-            <a:endParaRPr lang="en-US" dirty="0"/>
-          </a:p>
-        </p:txBody>
-      </p:sp>
-    </p:spTree>
-    <p:extLst>
-      <p:ext uri="{BB962C8B-B14F-4D97-AF65-F5344CB8AC3E}">
-        <p14:creationId xmlns:p14="http://schemas.microsoft.com/office/powerpoint/2010/main" val="2320245024"/>
-      </p:ext>
-    </p:extLst>
-  </p:cSld>
-  <p:clrMapOvr>
-    <a:masterClrMapping/>
-  </p:clrMapOvr>
-</p:sld>
-</file>
-
-<file path=ppt/slides/slide7.xml><?xml version="1.0" encoding="utf-8"?>
-<p:sld xmlns:a="http://schemas.openxmlformats.org/drawingml/2006/main" xmlns:r="http://schemas.openxmlformats.org/officeDocument/2006/relationships" xmlns:p="http://schemas.openxmlformats.org/presentationml/2006/main">
-  <p:cSld>
-    <p:spTree>
-      <p:nvGrpSpPr>
-        <p:cNvPr id="1" name=""/>
-        <p:cNvGrpSpPr/>
-        <p:nvPr/>
-      </p:nvGrpSpPr>
-      <p:grpSpPr>
-        <a:xfrm>
-          <a:off x="0" y="0"/>
-          <a:ext cx="0" cy="0"/>
-          <a:chOff x="0" y="0"/>
-          <a:chExt cx="0" cy="0"/>
-        </a:xfrm>
-      </p:grpSpPr>
-      <p:sp>
-        <p:nvSpPr>
-          <p:cNvPr id="2" name="Content Placeholder 1">
-            <a:extLst>
-              <a:ext uri="{FF2B5EF4-FFF2-40B4-BE49-F238E27FC236}">
-                <a16:creationId xmlns:a16="http://schemas.microsoft.com/office/drawing/2014/main" id="{DA8688F7-8D3F-46EB-890B-F80D59FAA05B}"/>
-              </a:ext>
-            </a:extLst>
-          </p:cNvPr>
-          <p:cNvSpPr>
-            <a:spLocks noGrp="1"/>
-          </p:cNvSpPr>
-          <p:nvPr>
-            <p:ph sz="half" idx="1"/>
-          </p:nvPr>
-        </p:nvSpPr>
-        <p:spPr/>
-        <p:txBody>
-          <a:bodyPr/>
-          <a:lstStyle/>
-          <a:p>
-            <a:endParaRPr lang="en-US"/>
-          </a:p>
-        </p:txBody>
-      </p:sp>
-      <p:sp>
-        <p:nvSpPr>
-          <p:cNvPr id="3" name="Content Placeholder 2">
-            <a:extLst>
-              <a:ext uri="{FF2B5EF4-FFF2-40B4-BE49-F238E27FC236}">
-                <a16:creationId xmlns:a16="http://schemas.microsoft.com/office/drawing/2014/main" id="{BCC9C88C-7D1F-488D-A920-EF7B88C252FE}"/>
-              </a:ext>
-            </a:extLst>
-          </p:cNvPr>
-          <p:cNvSpPr>
-            <a:spLocks noGrp="1"/>
-          </p:cNvSpPr>
-          <p:nvPr>
-            <p:ph sz="half" idx="2"/>
-          </p:nvPr>
-        </p:nvSpPr>
-        <p:spPr/>
-        <p:txBody>
-          <a:bodyPr/>
-          <a:lstStyle/>
-          <a:p>
-            <a:endParaRPr lang="en-US"/>
-          </a:p>
-        </p:txBody>
-      </p:sp>
-      <p:sp>
-        <p:nvSpPr>
-          <p:cNvPr id="4" name="Title 3">
-            <a:extLst>
-              <a:ext uri="{FF2B5EF4-FFF2-40B4-BE49-F238E27FC236}">
-                <a16:creationId xmlns:a16="http://schemas.microsoft.com/office/drawing/2014/main" id="{4D89C240-B03B-4465-B5C2-A0CA462A7A4F}"/>
-              </a:ext>
-            </a:extLst>
-          </p:cNvPr>
-          <p:cNvSpPr>
-            <a:spLocks noGrp="1"/>
-          </p:cNvSpPr>
-          <p:nvPr>
-            <p:ph type="title"/>
-          </p:nvPr>
-        </p:nvSpPr>
-        <p:spPr/>
-        <p:txBody>
-          <a:bodyPr/>
-          <a:lstStyle/>
-          <a:p>
-            <a:endParaRPr lang="en-US" dirty="0"/>
-          </a:p>
-        </p:txBody>
-      </p:sp>
-    </p:spTree>
-    <p:extLst>
-      <p:ext uri="{BB962C8B-B14F-4D97-AF65-F5344CB8AC3E}">
-        <p14:creationId xmlns:p14="http://schemas.microsoft.com/office/powerpoint/2010/main" val="1961309667"/>
-      </p:ext>
-    </p:extLst>
-  </p:cSld>
-  <p:clrMapOvr>
-    <a:masterClrMapping/>
-  </p:clrMapOvr>
-</p:sld>
-</file>
-
-<file path=ppt/slides/slide8.xml><?xml version="1.0" encoding="utf-8"?>
-<p:sld xmlns:a="http://schemas.openxmlformats.org/drawingml/2006/main" xmlns:r="http://schemas.openxmlformats.org/officeDocument/2006/relationships" xmlns:p="http://schemas.openxmlformats.org/presentationml/2006/main">
-  <p:cSld>
-    <p:spTree>
-      <p:nvGrpSpPr>
-        <p:cNvPr id="1" name=""/>
-        <p:cNvGrpSpPr/>
-        <p:nvPr/>
-      </p:nvGrpSpPr>
-      <p:grpSpPr>
-        <a:xfrm>
-          <a:off x="0" y="0"/>
-          <a:ext cx="0" cy="0"/>
-          <a:chOff x="0" y="0"/>
-          <a:chExt cx="0" cy="0"/>
-        </a:xfrm>
-      </p:grpSpPr>
-      <p:sp>
-        <p:nvSpPr>
-          <p:cNvPr id="2" name="Title 1">
-            <a:extLst>
-              <a:ext uri="{FF2B5EF4-FFF2-40B4-BE49-F238E27FC236}">
-                <a16:creationId xmlns:a16="http://schemas.microsoft.com/office/drawing/2014/main" id="{14021FF0-1259-48D1-8E66-B40BCDEC59AF}"/>
-              </a:ext>
-            </a:extLst>
-          </p:cNvPr>
-          <p:cNvSpPr>
-            <a:spLocks noGrp="1"/>
-          </p:cNvSpPr>
-          <p:nvPr>
-            <p:ph type="title"/>
-          </p:nvPr>
-        </p:nvSpPr>
-        <p:spPr/>
-        <p:txBody>
-          <a:bodyPr/>
-          <a:lstStyle/>
-          <a:p>
-            <a:endParaRPr lang="en-US" dirty="0"/>
-          </a:p>
-        </p:txBody>
-      </p:sp>
-      <p:sp>
-        <p:nvSpPr>
-          <p:cNvPr id="3" name="Text Placeholder 2">
-            <a:extLst>
-              <a:ext uri="{FF2B5EF4-FFF2-40B4-BE49-F238E27FC236}">
-                <a16:creationId xmlns:a16="http://schemas.microsoft.com/office/drawing/2014/main" id="{F6A5BBC5-D383-46C8-9C7D-48FA8DEF32A2}"/>
-              </a:ext>
-            </a:extLst>
-          </p:cNvPr>
-          <p:cNvSpPr>
-            <a:spLocks noGrp="1"/>
-          </p:cNvSpPr>
-          <p:nvPr>
-            <p:ph type="body" sz="quarter" idx="12"/>
-          </p:nvPr>
-        </p:nvSpPr>
-        <p:spPr/>
-        <p:txBody>
-          <a:bodyPr/>
-          <a:lstStyle/>
-          <a:p>
-            <a:endParaRPr lang="en-US" dirty="0"/>
+              <a:t>See it in action!!</a:t>
+            </a:r>
           </a:p>
         </p:txBody>
       </p:sp>
@@ -8594,7 +7428,7 @@
 </p:sld>
 </file>
 
-<file path=ppt/slides/slide9.xml><?xml version="1.0" encoding="utf-8"?>
+<file path=ppt/slides/slide12.xml><?xml version="1.0" encoding="utf-8"?>
 <p:sld xmlns:a="http://schemas.openxmlformats.org/drawingml/2006/main" xmlns:r="http://schemas.openxmlformats.org/officeDocument/2006/relationships" xmlns:p="http://schemas.openxmlformats.org/presentationml/2006/main">
   <p:cSld>
     <p:spTree>
@@ -8959,6 +7793,2197 @@
     <p:extLst>
       <p:ext uri="{BB962C8B-B14F-4D97-AF65-F5344CB8AC3E}">
         <p14:creationId xmlns:p14="http://schemas.microsoft.com/office/powerpoint/2010/main" val="2067572601"/>
+      </p:ext>
+    </p:extLst>
+  </p:cSld>
+  <p:clrMapOvr>
+    <a:masterClrMapping/>
+  </p:clrMapOvr>
+  <mc:AlternateContent xmlns:mc="http://schemas.openxmlformats.org/markup-compatibility/2006" xmlns:p14="http://schemas.microsoft.com/office/powerpoint/2010/main">
+    <mc:Choice Requires="p14">
+      <p:transition spd="med" p14:dur="700">
+        <p:fade/>
+      </p:transition>
+    </mc:Choice>
+    <mc:Fallback xmlns="">
+      <p:transition spd="med">
+        <p:fade/>
+      </p:transition>
+    </mc:Fallback>
+  </mc:AlternateContent>
+</p:sld>
+</file>
+
+<file path=ppt/slides/slide13.xml><?xml version="1.0" encoding="utf-8"?>
+<p:sld xmlns:a="http://schemas.openxmlformats.org/drawingml/2006/main" xmlns:r="http://schemas.openxmlformats.org/officeDocument/2006/relationships" xmlns:p="http://schemas.openxmlformats.org/presentationml/2006/main">
+  <p:cSld>
+    <p:spTree>
+      <p:nvGrpSpPr>
+        <p:cNvPr id="1" name=""/>
+        <p:cNvGrpSpPr/>
+        <p:nvPr/>
+      </p:nvGrpSpPr>
+      <p:grpSpPr>
+        <a:xfrm>
+          <a:off x="0" y="0"/>
+          <a:ext cx="0" cy="0"/>
+          <a:chOff x="0" y="0"/>
+          <a:chExt cx="0" cy="0"/>
+        </a:xfrm>
+      </p:grpSpPr>
+      <p:sp>
+        <p:nvSpPr>
+          <p:cNvPr id="2" name="Title 1">
+            <a:extLst>
+              <a:ext uri="{FF2B5EF4-FFF2-40B4-BE49-F238E27FC236}">
+                <a16:creationId xmlns:a16="http://schemas.microsoft.com/office/drawing/2014/main" id="{7EF10920-D990-1D57-6501-16E36ED24B3C}"/>
+              </a:ext>
+            </a:extLst>
+          </p:cNvPr>
+          <p:cNvSpPr>
+            <a:spLocks noGrp="1"/>
+          </p:cNvSpPr>
+          <p:nvPr>
+            <p:ph type="title"/>
+          </p:nvPr>
+        </p:nvSpPr>
+        <p:spPr>
+          <a:xfrm>
+            <a:off x="839787" y="128787"/>
+            <a:ext cx="4839796" cy="862885"/>
+          </a:xfrm>
+        </p:spPr>
+        <p:txBody>
+          <a:bodyPr>
+            <a:normAutofit/>
+          </a:bodyPr>
+          <a:lstStyle/>
+          <a:p>
+            <a:r>
+              <a:rPr lang="en-US" sz="4800" dirty="0"/>
+              <a:t>Feedback ❤️</a:t>
+            </a:r>
+          </a:p>
+        </p:txBody>
+      </p:sp>
+      <p:sp>
+        <p:nvSpPr>
+          <p:cNvPr id="5" name="Text Placeholder 4">
+            <a:extLst>
+              <a:ext uri="{FF2B5EF4-FFF2-40B4-BE49-F238E27FC236}">
+                <a16:creationId xmlns:a16="http://schemas.microsoft.com/office/drawing/2014/main" id="{08C2879E-926D-B489-D2F6-DD7652FE82E0}"/>
+              </a:ext>
+            </a:extLst>
+          </p:cNvPr>
+          <p:cNvSpPr>
+            <a:spLocks noGrp="1"/>
+          </p:cNvSpPr>
+          <p:nvPr>
+            <p:ph type="body" sz="half" idx="2"/>
+          </p:nvPr>
+        </p:nvSpPr>
+        <p:spPr>
+          <a:xfrm>
+            <a:off x="479180" y="2851327"/>
+            <a:ext cx="5805710" cy="698679"/>
+          </a:xfrm>
+        </p:spPr>
+        <p:txBody>
+          <a:bodyPr>
+            <a:normAutofit fontScale="92500"/>
+          </a:bodyPr>
+          <a:lstStyle/>
+          <a:p>
+            <a:r>
+              <a:rPr lang="en-US" sz="2800" dirty="0">
+                <a:hlinkClick r:id="rId2"/>
+              </a:rPr>
+              <a:t>https://a-um.me/pune2024-feedback</a:t>
+            </a:r>
+            <a:r>
+              <a:rPr lang="en-US" sz="2800" dirty="0"/>
+              <a:t> </a:t>
+            </a:r>
+          </a:p>
+        </p:txBody>
+      </p:sp>
+      <p:pic>
+        <p:nvPicPr>
+          <p:cNvPr id="2050" name="Picture 2" descr="qr-code">
+            <a:extLst>
+              <a:ext uri="{FF2B5EF4-FFF2-40B4-BE49-F238E27FC236}">
+                <a16:creationId xmlns:a16="http://schemas.microsoft.com/office/drawing/2014/main" id="{568C387C-60B9-A42B-C534-C79C3B206A40}"/>
+              </a:ext>
+            </a:extLst>
+          </p:cNvPr>
+          <p:cNvPicPr>
+            <a:picLocks noChangeAspect="1" noChangeArrowheads="1"/>
+          </p:cNvPicPr>
+          <p:nvPr/>
+        </p:nvPicPr>
+        <p:blipFill>
+          <a:blip r:embed="rId3">
+            <a:extLst>
+              <a:ext uri="{28A0092B-C50C-407E-A947-70E740481C1C}">
+                <a14:useLocalDpi xmlns:a14="http://schemas.microsoft.com/office/drawing/2010/main" val="0"/>
+              </a:ext>
+            </a:extLst>
+          </a:blip>
+          <a:srcRect/>
+          <a:stretch>
+            <a:fillRect/>
+          </a:stretch>
+        </p:blipFill>
+        <p:spPr bwMode="auto">
+          <a:xfrm>
+            <a:off x="6611691" y="1356574"/>
+            <a:ext cx="4386865" cy="4386865"/>
+          </a:xfrm>
+          <a:prstGeom prst="rect">
+            <a:avLst/>
+          </a:prstGeom>
+          <a:noFill/>
+          <a:extLst>
+            <a:ext uri="{909E8E84-426E-40DD-AFC4-6F175D3DCCD1}">
+              <a14:hiddenFill xmlns:a14="http://schemas.microsoft.com/office/drawing/2010/main">
+                <a:solidFill>
+                  <a:srgbClr val="FFFFFF"/>
+                </a:solidFill>
+              </a14:hiddenFill>
+            </a:ext>
+          </a:extLst>
+        </p:spPr>
+      </p:pic>
+    </p:spTree>
+    <p:extLst>
+      <p:ext uri="{BB962C8B-B14F-4D97-AF65-F5344CB8AC3E}">
+        <p14:creationId xmlns:p14="http://schemas.microsoft.com/office/powerpoint/2010/main" val="3779942629"/>
+      </p:ext>
+    </p:extLst>
+  </p:cSld>
+  <p:clrMapOvr>
+    <a:masterClrMapping/>
+  </p:clrMapOvr>
+  <mc:AlternateContent xmlns:mc="http://schemas.openxmlformats.org/markup-compatibility/2006" xmlns:p14="http://schemas.microsoft.com/office/powerpoint/2010/main">
+    <mc:Choice Requires="p14">
+      <p:transition spd="med" p14:dur="700">
+        <p:fade/>
+      </p:transition>
+    </mc:Choice>
+    <mc:Fallback xmlns="">
+      <p:transition spd="med">
+        <p:fade/>
+      </p:transition>
+    </mc:Fallback>
+  </mc:AlternateContent>
+</p:sld>
+</file>
+
+<file path=ppt/slides/slide14.xml><?xml version="1.0" encoding="utf-8"?>
+<p:sld xmlns:a="http://schemas.openxmlformats.org/drawingml/2006/main" xmlns:r="http://schemas.openxmlformats.org/officeDocument/2006/relationships" xmlns:p="http://schemas.openxmlformats.org/presentationml/2006/main">
+  <p:cSld>
+    <p:spTree>
+      <p:nvGrpSpPr>
+        <p:cNvPr id="1" name=""/>
+        <p:cNvGrpSpPr/>
+        <p:nvPr/>
+      </p:nvGrpSpPr>
+      <p:grpSpPr>
+        <a:xfrm>
+          <a:off x="0" y="0"/>
+          <a:ext cx="0" cy="0"/>
+          <a:chOff x="0" y="0"/>
+          <a:chExt cx="0" cy="0"/>
+        </a:xfrm>
+      </p:grpSpPr>
+    </p:spTree>
+    <p:extLst>
+      <p:ext uri="{BB962C8B-B14F-4D97-AF65-F5344CB8AC3E}">
+        <p14:creationId xmlns:p14="http://schemas.microsoft.com/office/powerpoint/2010/main" val="1683390843"/>
+      </p:ext>
+    </p:extLst>
+  </p:cSld>
+  <p:clrMapOvr>
+    <a:masterClrMapping/>
+  </p:clrMapOvr>
+  <mc:AlternateContent xmlns:mc="http://schemas.openxmlformats.org/markup-compatibility/2006" xmlns:p14="http://schemas.microsoft.com/office/powerpoint/2010/main">
+    <mc:Choice Requires="p14">
+      <p:transition spd="med" p14:dur="700">
+        <p:fade/>
+      </p:transition>
+    </mc:Choice>
+    <mc:Fallback xmlns="">
+      <p:transition spd="med">
+        <p:fade/>
+      </p:transition>
+    </mc:Fallback>
+  </mc:AlternateContent>
+</p:sld>
+</file>
+
+<file path=ppt/slides/slide2.xml><?xml version="1.0" encoding="utf-8"?>
+<p:sld xmlns:a="http://schemas.openxmlformats.org/drawingml/2006/main" xmlns:r="http://schemas.openxmlformats.org/officeDocument/2006/relationships" xmlns:p="http://schemas.openxmlformats.org/presentationml/2006/main">
+  <p:cSld>
+    <p:spTree>
+      <p:nvGrpSpPr>
+        <p:cNvPr id="1" name=""/>
+        <p:cNvGrpSpPr/>
+        <p:nvPr/>
+      </p:nvGrpSpPr>
+      <p:grpSpPr>
+        <a:xfrm>
+          <a:off x="0" y="0"/>
+          <a:ext cx="0" cy="0"/>
+          <a:chOff x="0" y="0"/>
+          <a:chExt cx="0" cy="0"/>
+        </a:xfrm>
+      </p:grpSpPr>
+      <p:sp>
+        <p:nvSpPr>
+          <p:cNvPr id="3" name="TextBox 2">
+            <a:extLst>
+              <a:ext uri="{FF2B5EF4-FFF2-40B4-BE49-F238E27FC236}">
+                <a16:creationId xmlns:a16="http://schemas.microsoft.com/office/drawing/2014/main" id="{CC244FD4-C55E-43F1-91FA-38236C39D8A2}"/>
+              </a:ext>
+            </a:extLst>
+          </p:cNvPr>
+          <p:cNvSpPr txBox="1"/>
+          <p:nvPr/>
+        </p:nvSpPr>
+        <p:spPr>
+          <a:xfrm>
+            <a:off x="457196" y="324610"/>
+            <a:ext cx="9601201" cy="553998"/>
+          </a:xfrm>
+          <a:prstGeom prst="rect">
+            <a:avLst/>
+          </a:prstGeom>
+          <a:noFill/>
+        </p:spPr>
+        <p:txBody>
+          <a:bodyPr vert="horz" wrap="square" lIns="0" tIns="0" rIns="0" bIns="0" rtlCol="0" anchor="b" anchorCtr="0">
+            <a:spAutoFit/>
+          </a:bodyPr>
+          <a:lstStyle>
+            <a:lvl1pPr>
+              <a:lnSpc>
+                <a:spcPct val="90000"/>
+              </a:lnSpc>
+              <a:spcBef>
+                <a:spcPct val="0"/>
+              </a:spcBef>
+              <a:buNone/>
+              <a:defRPr sz="6000" b="0" spc="-50" baseline="0">
+                <a:solidFill>
+                  <a:srgbClr val="D83900"/>
+                </a:solidFill>
+                <a:latin typeface="Arial Rounded MT Bold" panose="020F0704030504030204" pitchFamily="34" charset="0"/>
+                <a:ea typeface="+mj-ea"/>
+                <a:cs typeface="Segoe UI Semibold" panose="020B0702040204020203" pitchFamily="34" charset="0"/>
+              </a:defRPr>
+            </a:lvl1pPr>
+          </a:lstStyle>
+          <a:p>
+            <a:r>
+              <a:rPr lang="en-US" sz="4000" dirty="0">
+                <a:solidFill>
+                  <a:srgbClr val="32355E"/>
+                </a:solidFill>
+                <a:latin typeface="+mn-lt"/>
+              </a:rPr>
+              <a:t>Massive Thanks to Our Supporters!</a:t>
+            </a:r>
+          </a:p>
+        </p:txBody>
+      </p:sp>
+      <p:grpSp>
+        <p:nvGrpSpPr>
+          <p:cNvPr id="2" name="Group 1">
+            <a:extLst>
+              <a:ext uri="{FF2B5EF4-FFF2-40B4-BE49-F238E27FC236}">
+                <a16:creationId xmlns:a16="http://schemas.microsoft.com/office/drawing/2014/main" id="{59DF0839-678A-4801-A5B3-F360E123E54C}"/>
+              </a:ext>
+            </a:extLst>
+          </p:cNvPr>
+          <p:cNvGrpSpPr/>
+          <p:nvPr/>
+        </p:nvGrpSpPr>
+        <p:grpSpPr>
+          <a:xfrm>
+            <a:off x="7301590" y="4439186"/>
+            <a:ext cx="6031942" cy="1627346"/>
+            <a:chOff x="6365844" y="1219881"/>
+            <a:chExt cx="5329631" cy="1437870"/>
+          </a:xfrm>
+        </p:grpSpPr>
+        <p:sp>
+          <p:nvSpPr>
+            <p:cNvPr id="8" name="TextBox 7">
+              <a:extLst>
+                <a:ext uri="{FF2B5EF4-FFF2-40B4-BE49-F238E27FC236}">
+                  <a16:creationId xmlns:a16="http://schemas.microsoft.com/office/drawing/2014/main" id="{478FE211-797C-434B-B425-236F1CF61478}"/>
+                </a:ext>
+              </a:extLst>
+            </p:cNvPr>
+            <p:cNvSpPr txBox="1"/>
+            <p:nvPr/>
+          </p:nvSpPr>
+          <p:spPr>
+            <a:xfrm>
+              <a:off x="6445053" y="1219881"/>
+              <a:ext cx="2094274" cy="332399"/>
+            </a:xfrm>
+            <a:prstGeom prst="rect">
+              <a:avLst/>
+            </a:prstGeom>
+            <a:noFill/>
+          </p:spPr>
+          <p:txBody>
+            <a:bodyPr vert="horz" wrap="square" lIns="0" tIns="0" rIns="0" bIns="0" rtlCol="0" anchor="b" anchorCtr="0">
+              <a:spAutoFit/>
+            </a:bodyPr>
+            <a:lstStyle>
+              <a:lvl1pPr>
+                <a:lnSpc>
+                  <a:spcPct val="90000"/>
+                </a:lnSpc>
+                <a:spcBef>
+                  <a:spcPct val="0"/>
+                </a:spcBef>
+                <a:buNone/>
+                <a:defRPr sz="6000" b="0" spc="-50" baseline="0">
+                  <a:solidFill>
+                    <a:srgbClr val="D83900"/>
+                  </a:solidFill>
+                  <a:latin typeface="Arial Rounded MT Bold" panose="020F0704030504030204" pitchFamily="34" charset="0"/>
+                  <a:ea typeface="+mj-ea"/>
+                  <a:cs typeface="Segoe UI Semibold" panose="020B0702040204020203" pitchFamily="34" charset="0"/>
+                </a:defRPr>
+              </a:lvl1pPr>
+            </a:lstStyle>
+            <a:p>
+              <a:r>
+                <a:rPr lang="en-US" sz="2400" dirty="0">
+                  <a:solidFill>
+                    <a:srgbClr val="151D4E"/>
+                  </a:solidFill>
+                </a:rPr>
+                <a:t>Organized by</a:t>
+              </a:r>
+            </a:p>
+          </p:txBody>
+        </p:sp>
+        <p:pic>
+          <p:nvPicPr>
+            <p:cNvPr id="10" name="Picture 9">
+              <a:extLst>
+                <a:ext uri="{FF2B5EF4-FFF2-40B4-BE49-F238E27FC236}">
+                  <a16:creationId xmlns:a16="http://schemas.microsoft.com/office/drawing/2014/main" id="{F86263AE-DFA3-4FBB-85C7-5B7E52A8F8D3}"/>
+                </a:ext>
+              </a:extLst>
+            </p:cNvPr>
+            <p:cNvPicPr>
+              <a:picLocks noChangeAspect="1"/>
+            </p:cNvPicPr>
+            <p:nvPr/>
+          </p:nvPicPr>
+          <p:blipFill>
+            <a:blip r:embed="rId2">
+              <a:extLst>
+                <a:ext uri="{28A0092B-C50C-407E-A947-70E740481C1C}">
+                  <a14:useLocalDpi xmlns:a14="http://schemas.microsoft.com/office/drawing/2010/main" val="0"/>
+                </a:ext>
+              </a:extLst>
+            </a:blip>
+            <a:stretch>
+              <a:fillRect/>
+            </a:stretch>
+          </p:blipFill>
+          <p:spPr>
+            <a:xfrm>
+              <a:off x="6365844" y="1672825"/>
+              <a:ext cx="1096850" cy="984926"/>
+            </a:xfrm>
+            <a:prstGeom prst="rect">
+              <a:avLst/>
+            </a:prstGeom>
+          </p:spPr>
+        </p:pic>
+        <p:sp>
+          <p:nvSpPr>
+            <p:cNvPr id="11" name="TextBox 10">
+              <a:extLst>
+                <a:ext uri="{FF2B5EF4-FFF2-40B4-BE49-F238E27FC236}">
+                  <a16:creationId xmlns:a16="http://schemas.microsoft.com/office/drawing/2014/main" id="{4FAB3D09-7215-4C84-9361-32F0088E72F3}"/>
+                </a:ext>
+              </a:extLst>
+            </p:cNvPr>
+            <p:cNvSpPr txBox="1"/>
+            <p:nvPr/>
+          </p:nvSpPr>
+          <p:spPr>
+            <a:xfrm>
+              <a:off x="7531518" y="1625806"/>
+              <a:ext cx="4163957" cy="997196"/>
+            </a:xfrm>
+            <a:prstGeom prst="rect">
+              <a:avLst/>
+            </a:prstGeom>
+            <a:noFill/>
+          </p:spPr>
+          <p:txBody>
+            <a:bodyPr vert="horz" wrap="square" lIns="0" tIns="0" rIns="0" bIns="0" rtlCol="0" anchor="b" anchorCtr="0">
+              <a:spAutoFit/>
+            </a:bodyPr>
+            <a:lstStyle>
+              <a:lvl1pPr>
+                <a:lnSpc>
+                  <a:spcPct val="90000"/>
+                </a:lnSpc>
+                <a:spcBef>
+                  <a:spcPct val="0"/>
+                </a:spcBef>
+                <a:buNone/>
+                <a:defRPr sz="6000" b="0" spc="-50" baseline="0">
+                  <a:solidFill>
+                    <a:srgbClr val="D83900"/>
+                  </a:solidFill>
+                  <a:latin typeface="Arial Rounded MT Bold" panose="020F0704030504030204" pitchFamily="34" charset="0"/>
+                  <a:ea typeface="+mj-ea"/>
+                  <a:cs typeface="Segoe UI Semibold" panose="020B0702040204020203" pitchFamily="34" charset="0"/>
+                </a:defRPr>
+              </a:lvl1pPr>
+            </a:lstStyle>
+            <a:p>
+              <a:r>
+                <a:rPr lang="en-US" sz="3600" dirty="0"/>
+                <a:t>Pune Tech</a:t>
+              </a:r>
+            </a:p>
+            <a:p>
+              <a:r>
+                <a:rPr lang="en-US" sz="3600" dirty="0">
+                  <a:solidFill>
+                    <a:srgbClr val="32355E"/>
+                  </a:solidFill>
+                </a:rPr>
+                <a:t>Community</a:t>
+              </a:r>
+            </a:p>
+          </p:txBody>
+        </p:sp>
+      </p:grpSp>
+      <p:pic>
+        <p:nvPicPr>
+          <p:cNvPr id="14" name="Picture 13" descr="A picture containing logo&#10;&#10;Description automatically generated">
+            <a:extLst>
+              <a:ext uri="{FF2B5EF4-FFF2-40B4-BE49-F238E27FC236}">
+                <a16:creationId xmlns:a16="http://schemas.microsoft.com/office/drawing/2014/main" id="{3B960064-4C7A-06F7-81BF-18043DC3118E}"/>
+              </a:ext>
+            </a:extLst>
+          </p:cNvPr>
+          <p:cNvPicPr>
+            <a:picLocks noChangeAspect="1"/>
+          </p:cNvPicPr>
+          <p:nvPr/>
+        </p:nvPicPr>
+        <p:blipFill>
+          <a:blip r:embed="rId3">
+            <a:extLst>
+              <a:ext uri="{28A0092B-C50C-407E-A947-70E740481C1C}">
+                <a14:useLocalDpi xmlns:a14="http://schemas.microsoft.com/office/drawing/2010/main" val="0"/>
+              </a:ext>
+            </a:extLst>
+          </a:blip>
+          <a:stretch>
+            <a:fillRect/>
+          </a:stretch>
+        </p:blipFill>
+        <p:spPr>
+          <a:xfrm>
+            <a:off x="684670" y="1858576"/>
+            <a:ext cx="3370134" cy="1570424"/>
+          </a:xfrm>
+          <a:prstGeom prst="rect">
+            <a:avLst/>
+          </a:prstGeom>
+        </p:spPr>
+      </p:pic>
+    </p:spTree>
+    <p:extLst>
+      <p:ext uri="{BB962C8B-B14F-4D97-AF65-F5344CB8AC3E}">
+        <p14:creationId xmlns:p14="http://schemas.microsoft.com/office/powerpoint/2010/main" val="1548818635"/>
+      </p:ext>
+    </p:extLst>
+  </p:cSld>
+  <p:clrMapOvr>
+    <a:masterClrMapping/>
+  </p:clrMapOvr>
+  <mc:AlternateContent xmlns:mc="http://schemas.openxmlformats.org/markup-compatibility/2006">
+    <mc:Choice xmlns:p14="http://schemas.microsoft.com/office/powerpoint/2010/main" Requires="p14">
+      <p:transition spd="med" p14:dur="700">
+        <p:fade/>
+      </p:transition>
+    </mc:Choice>
+    <mc:Fallback>
+      <p:transition spd="med">
+        <p:fade/>
+      </p:transition>
+    </mc:Fallback>
+  </mc:AlternateContent>
+</p:sld>
+</file>
+
+<file path=ppt/slides/slide3.xml><?xml version="1.0" encoding="utf-8"?>
+<p:sld xmlns:a="http://schemas.openxmlformats.org/drawingml/2006/main" xmlns:r="http://schemas.openxmlformats.org/officeDocument/2006/relationships" xmlns:p="http://schemas.openxmlformats.org/presentationml/2006/main">
+  <p:cSld>
+    <p:bg>
+      <p:bgPr>
+        <a:blipFill dpi="0" rotWithShape="1">
+          <a:blip r:embed="rId2">
+            <a:alphaModFix amt="5000"/>
+            <a:lum/>
+          </a:blip>
+          <a:srcRect/>
+          <a:stretch>
+            <a:fillRect l="-7000" r="-7000"/>
+          </a:stretch>
+        </a:blipFill>
+        <a:effectLst/>
+      </p:bgPr>
+    </p:bg>
+    <p:spTree>
+      <p:nvGrpSpPr>
+        <p:cNvPr id="1" name=""/>
+        <p:cNvGrpSpPr/>
+        <p:nvPr/>
+      </p:nvGrpSpPr>
+      <p:grpSpPr>
+        <a:xfrm>
+          <a:off x="0" y="0"/>
+          <a:ext cx="0" cy="0"/>
+          <a:chOff x="0" y="0"/>
+          <a:chExt cx="0" cy="0"/>
+        </a:xfrm>
+      </p:grpSpPr>
+      <p:pic>
+        <p:nvPicPr>
+          <p:cNvPr id="11" name="Picture Placeholder 10" descr="A person wearing glasses and a black jacket&#10;&#10;Description automatically generated">
+            <a:extLst>
+              <a:ext uri="{FF2B5EF4-FFF2-40B4-BE49-F238E27FC236}">
+                <a16:creationId xmlns:a16="http://schemas.microsoft.com/office/drawing/2014/main" id="{68BC3162-DDA7-2161-97DE-0AB47943B182}"/>
+              </a:ext>
+            </a:extLst>
+          </p:cNvPr>
+          <p:cNvPicPr>
+            <a:picLocks noGrp="1" noChangeAspect="1"/>
+          </p:cNvPicPr>
+          <p:nvPr>
+            <p:ph type="pic" sz="quarter" idx="10"/>
+          </p:nvPr>
+        </p:nvPicPr>
+        <p:blipFill>
+          <a:blip r:embed="rId3">
+            <a:extLst>
+              <a:ext uri="{28A0092B-C50C-407E-A947-70E740481C1C}">
+                <a14:useLocalDpi xmlns:a14="http://schemas.microsoft.com/office/drawing/2010/main" val="0"/>
+              </a:ext>
+            </a:extLst>
+          </a:blip>
+          <a:srcRect t="2696" b="2696"/>
+          <a:stretch>
+            <a:fillRect/>
+          </a:stretch>
+        </p:blipFill>
+        <p:spPr/>
+      </p:pic>
+      <p:sp>
+        <p:nvSpPr>
+          <p:cNvPr id="4" name="Text Placeholder 3">
+            <a:extLst>
+              <a:ext uri="{FF2B5EF4-FFF2-40B4-BE49-F238E27FC236}">
+                <a16:creationId xmlns:a16="http://schemas.microsoft.com/office/drawing/2014/main" id="{5721DA2A-2973-46C7-A0AE-CFEA720F59DA}"/>
+              </a:ext>
+            </a:extLst>
+          </p:cNvPr>
+          <p:cNvSpPr>
+            <a:spLocks noGrp="1"/>
+          </p:cNvSpPr>
+          <p:nvPr>
+            <p:ph type="body" sz="quarter" idx="13"/>
+          </p:nvPr>
+        </p:nvSpPr>
+        <p:spPr/>
+        <p:txBody>
+          <a:bodyPr/>
+          <a:lstStyle/>
+          <a:p>
+            <a:r>
+              <a:rPr lang="en-US" dirty="0"/>
+              <a:t>/in/arjunumenon</a:t>
+            </a:r>
+          </a:p>
+        </p:txBody>
+      </p:sp>
+      <p:sp>
+        <p:nvSpPr>
+          <p:cNvPr id="5" name="Text Placeholder 4">
+            <a:extLst>
+              <a:ext uri="{FF2B5EF4-FFF2-40B4-BE49-F238E27FC236}">
+                <a16:creationId xmlns:a16="http://schemas.microsoft.com/office/drawing/2014/main" id="{897FA3BA-8F39-4BBE-A43E-944D285C7195}"/>
+              </a:ext>
+            </a:extLst>
+          </p:cNvPr>
+          <p:cNvSpPr>
+            <a:spLocks noGrp="1"/>
+          </p:cNvSpPr>
+          <p:nvPr>
+            <p:ph type="body" sz="quarter" idx="14"/>
+          </p:nvPr>
+        </p:nvSpPr>
+        <p:spPr/>
+        <p:txBody>
+          <a:bodyPr/>
+          <a:lstStyle/>
+          <a:p>
+            <a:r>
+              <a:rPr lang="en-US" dirty="0"/>
+              <a:t>arjunumenon</a:t>
+            </a:r>
+          </a:p>
+        </p:txBody>
+      </p:sp>
+      <p:sp>
+        <p:nvSpPr>
+          <p:cNvPr id="6" name="Text Placeholder 5">
+            <a:extLst>
+              <a:ext uri="{FF2B5EF4-FFF2-40B4-BE49-F238E27FC236}">
+                <a16:creationId xmlns:a16="http://schemas.microsoft.com/office/drawing/2014/main" id="{323E21E3-A201-4DC4-A7B6-5EAD4880162E}"/>
+              </a:ext>
+            </a:extLst>
+          </p:cNvPr>
+          <p:cNvSpPr>
+            <a:spLocks noGrp="1"/>
+          </p:cNvSpPr>
+          <p:nvPr>
+            <p:ph type="body" sz="quarter" idx="16"/>
+          </p:nvPr>
+        </p:nvSpPr>
+        <p:spPr>
+          <a:xfrm>
+            <a:off x="448319" y="1595287"/>
+            <a:ext cx="7338496" cy="370101"/>
+          </a:xfrm>
+        </p:spPr>
+        <p:txBody>
+          <a:bodyPr/>
+          <a:lstStyle/>
+          <a:p>
+            <a:r>
+              <a:rPr lang="en-US" sz="2600" b="0" dirty="0"/>
+              <a:t>Microsoft MVP</a:t>
+            </a:r>
+          </a:p>
+        </p:txBody>
+      </p:sp>
+      <p:sp>
+        <p:nvSpPr>
+          <p:cNvPr id="7" name="Text Placeholder 6">
+            <a:extLst>
+              <a:ext uri="{FF2B5EF4-FFF2-40B4-BE49-F238E27FC236}">
+                <a16:creationId xmlns:a16="http://schemas.microsoft.com/office/drawing/2014/main" id="{5FF81DF4-9A66-4D0B-800E-A49D26E72F38}"/>
+              </a:ext>
+            </a:extLst>
+          </p:cNvPr>
+          <p:cNvSpPr>
+            <a:spLocks noGrp="1"/>
+          </p:cNvSpPr>
+          <p:nvPr>
+            <p:ph type="body" sz="quarter" idx="17"/>
+          </p:nvPr>
+        </p:nvSpPr>
+        <p:spPr>
+          <a:xfrm>
+            <a:off x="448319" y="2096498"/>
+            <a:ext cx="7338496" cy="561692"/>
+          </a:xfrm>
+        </p:spPr>
+        <p:txBody>
+          <a:bodyPr/>
+          <a:lstStyle/>
+          <a:p>
+            <a:r>
+              <a:rPr lang="en-US" b="0" dirty="0"/>
+              <a:t>Co-maintainer – CLI for Microsoft 365, Core Member – PnP Team</a:t>
+            </a:r>
+          </a:p>
+        </p:txBody>
+      </p:sp>
+      <p:sp>
+        <p:nvSpPr>
+          <p:cNvPr id="8" name="Content Placeholder 7">
+            <a:extLst>
+              <a:ext uri="{FF2B5EF4-FFF2-40B4-BE49-F238E27FC236}">
+                <a16:creationId xmlns:a16="http://schemas.microsoft.com/office/drawing/2014/main" id="{0A6B3B0C-9111-4D54-9C94-23CAFBAAA2E0}"/>
+              </a:ext>
+            </a:extLst>
+          </p:cNvPr>
+          <p:cNvSpPr>
+            <a:spLocks noGrp="1"/>
+          </p:cNvSpPr>
+          <p:nvPr>
+            <p:ph sz="half" idx="1"/>
+          </p:nvPr>
+        </p:nvSpPr>
+        <p:spPr/>
+        <p:txBody>
+          <a:bodyPr/>
+          <a:lstStyle/>
+          <a:p>
+            <a:pPr marL="457200" indent="-457200">
+              <a:buFont typeface="Arial" panose="020B0604020202020204" pitchFamily="34" charset="0"/>
+              <a:buChar char="•"/>
+            </a:pPr>
+            <a:r>
+              <a:rPr lang="en-US" dirty="0"/>
+              <a:t>Co-maintainer of CLI for Microsoft 365</a:t>
+            </a:r>
+          </a:p>
+          <a:p>
+            <a:pPr marL="457200" indent="-457200">
+              <a:buFont typeface="Arial" panose="020B0604020202020204" pitchFamily="34" charset="0"/>
+              <a:buChar char="•"/>
+            </a:pPr>
+            <a:r>
+              <a:rPr lang="en-US" dirty="0"/>
+              <a:t>Core member of Microsoft 365 and Power Platform Community (PnP) team</a:t>
+            </a:r>
+          </a:p>
+          <a:p>
+            <a:pPr marL="457200" indent="-457200">
+              <a:buFont typeface="Arial" panose="020B0604020202020204" pitchFamily="34" charset="0"/>
+              <a:buChar char="•"/>
+            </a:pPr>
+            <a:r>
+              <a:rPr lang="en-US" dirty="0"/>
+              <a:t>Solution Architect</a:t>
+            </a:r>
+          </a:p>
+          <a:p>
+            <a:pPr marL="457200" indent="-457200">
+              <a:buFont typeface="Arial" panose="020B0604020202020204" pitchFamily="34" charset="0"/>
+              <a:buChar char="•"/>
+            </a:pPr>
+            <a:r>
+              <a:rPr lang="en-US" dirty="0"/>
+              <a:t>Grazing in the vast lands of Microsoft 365 ecosystem</a:t>
+            </a:r>
+          </a:p>
+        </p:txBody>
+      </p:sp>
+      <p:sp>
+        <p:nvSpPr>
+          <p:cNvPr id="9" name="Text Placeholder 8">
+            <a:extLst>
+              <a:ext uri="{FF2B5EF4-FFF2-40B4-BE49-F238E27FC236}">
+                <a16:creationId xmlns:a16="http://schemas.microsoft.com/office/drawing/2014/main" id="{1F8605C7-38C5-422A-8BBB-0CEB96F409F7}"/>
+              </a:ext>
+            </a:extLst>
+          </p:cNvPr>
+          <p:cNvSpPr>
+            <a:spLocks noGrp="1"/>
+          </p:cNvSpPr>
+          <p:nvPr>
+            <p:ph type="body" sz="quarter" idx="18"/>
+          </p:nvPr>
+        </p:nvSpPr>
+        <p:spPr/>
+        <p:txBody>
+          <a:bodyPr/>
+          <a:lstStyle/>
+          <a:p>
+            <a:r>
+              <a:rPr lang="en-US" dirty="0"/>
+              <a:t>Arjun Menon</a:t>
+            </a:r>
+          </a:p>
+        </p:txBody>
+      </p:sp>
+      <p:pic>
+        <p:nvPicPr>
+          <p:cNvPr id="14" name="Picture 13" descr="A qr code with a black background&#10;&#10;Description automatically generated">
+            <a:extLst>
+              <a:ext uri="{FF2B5EF4-FFF2-40B4-BE49-F238E27FC236}">
+                <a16:creationId xmlns:a16="http://schemas.microsoft.com/office/drawing/2014/main" id="{CA36BD04-C204-310E-230A-30D790DCD013}"/>
+              </a:ext>
+            </a:extLst>
+          </p:cNvPr>
+          <p:cNvPicPr>
+            <a:picLocks noChangeAspect="1"/>
+          </p:cNvPicPr>
+          <p:nvPr/>
+        </p:nvPicPr>
+        <p:blipFill>
+          <a:blip r:embed="rId4"/>
+          <a:stretch>
+            <a:fillRect/>
+          </a:stretch>
+        </p:blipFill>
+        <p:spPr>
+          <a:xfrm>
+            <a:off x="10534865" y="4013527"/>
+            <a:ext cx="1561248" cy="1561248"/>
+          </a:xfrm>
+          <a:prstGeom prst="rect">
+            <a:avLst/>
+          </a:prstGeom>
+        </p:spPr>
+      </p:pic>
+      <p:pic>
+        <p:nvPicPr>
+          <p:cNvPr id="15" name="Graphic 14" descr="Internet with solid fill">
+            <a:extLst>
+              <a:ext uri="{FF2B5EF4-FFF2-40B4-BE49-F238E27FC236}">
+                <a16:creationId xmlns:a16="http://schemas.microsoft.com/office/drawing/2014/main" id="{C2F41EBD-FD5F-F82E-DD4B-477A29F885DA}"/>
+              </a:ext>
+            </a:extLst>
+          </p:cNvPr>
+          <p:cNvPicPr>
+            <a:picLocks noChangeAspect="1"/>
+          </p:cNvPicPr>
+          <p:nvPr/>
+        </p:nvPicPr>
+        <p:blipFill>
+          <a:blip r:embed="rId5">
+            <a:extLst>
+              <a:ext uri="{28A0092B-C50C-407E-A947-70E740481C1C}">
+                <a14:useLocalDpi xmlns:a14="http://schemas.microsoft.com/office/drawing/2010/main" val="0"/>
+              </a:ext>
+              <a:ext uri="{96DAC541-7B7A-43D3-8B79-37D633B846F1}">
+                <asvg:svgBlip xmlns:asvg="http://schemas.microsoft.com/office/drawing/2016/SVG/main" r:embed="rId6"/>
+              </a:ext>
+            </a:extLst>
+          </a:blip>
+          <a:stretch>
+            <a:fillRect/>
+          </a:stretch>
+        </p:blipFill>
+        <p:spPr>
+          <a:xfrm>
+            <a:off x="7880233" y="5050331"/>
+            <a:ext cx="540194" cy="540194"/>
+          </a:xfrm>
+          <a:prstGeom prst="rect">
+            <a:avLst/>
+          </a:prstGeom>
+        </p:spPr>
+      </p:pic>
+      <p:sp>
+        <p:nvSpPr>
+          <p:cNvPr id="16" name="Text Placeholder 4">
+            <a:extLst>
+              <a:ext uri="{FF2B5EF4-FFF2-40B4-BE49-F238E27FC236}">
+                <a16:creationId xmlns:a16="http://schemas.microsoft.com/office/drawing/2014/main" id="{5F9E900A-2924-B2CD-D83E-0F0ABAD7DACA}"/>
+              </a:ext>
+            </a:extLst>
+          </p:cNvPr>
+          <p:cNvSpPr txBox="1">
+            <a:spLocks/>
+          </p:cNvSpPr>
+          <p:nvPr/>
+        </p:nvSpPr>
+        <p:spPr>
+          <a:xfrm>
+            <a:off x="8490948" y="5168113"/>
+            <a:ext cx="3534644" cy="256224"/>
+          </a:xfrm>
+          <a:prstGeom prst="rect">
+            <a:avLst/>
+          </a:prstGeom>
+          <a:noFill/>
+        </p:spPr>
+        <p:txBody>
+          <a:bodyPr vert="horz" wrap="square" lIns="0" tIns="0" rIns="0" bIns="0" rtlCol="0">
+            <a:spAutoFit/>
+          </a:bodyPr>
+          <a:lstStyle>
+            <a:lvl1pPr marL="0" indent="0" algn="l" defTabSz="914400" rtl="0" eaLnBrk="1" latinLnBrk="0" hangingPunct="1">
+              <a:lnSpc>
+                <a:spcPct val="90000"/>
+              </a:lnSpc>
+              <a:spcBef>
+                <a:spcPts val="0"/>
+              </a:spcBef>
+              <a:buFont typeface="Arial" panose="020B0604020202020204" pitchFamily="34" charset="0"/>
+              <a:buNone/>
+              <a:defRPr lang="en-US" sz="1800" b="0" kern="1200" dirty="0">
+                <a:solidFill>
+                  <a:schemeClr val="tx1"/>
+                </a:solidFill>
+                <a:latin typeface="Nunito Sans" pitchFamily="2" charset="0"/>
+                <a:ea typeface="+mj-ea"/>
+                <a:cs typeface="+mj-cs"/>
+              </a:defRPr>
+            </a:lvl1pPr>
+            <a:lvl2pPr marL="685800" indent="-228600" algn="l" defTabSz="914400" rtl="0" eaLnBrk="1" latinLnBrk="0" hangingPunct="1">
+              <a:lnSpc>
+                <a:spcPct val="90000"/>
+              </a:lnSpc>
+              <a:spcBef>
+                <a:spcPts val="500"/>
+              </a:spcBef>
+              <a:buFont typeface="Arial" panose="020B0604020202020204" pitchFamily="34" charset="0"/>
+              <a:buChar char="•"/>
+              <a:defRPr sz="2400" kern="1200">
+                <a:solidFill>
+                  <a:schemeClr val="tx1"/>
+                </a:solidFill>
+                <a:latin typeface="+mn-lt"/>
+                <a:ea typeface="+mn-ea"/>
+                <a:cs typeface="+mn-cs"/>
+              </a:defRPr>
+            </a:lvl2pPr>
+            <a:lvl3pPr marL="1143000" indent="-228600" algn="l" defTabSz="914400" rtl="0" eaLnBrk="1" latinLnBrk="0" hangingPunct="1">
+              <a:lnSpc>
+                <a:spcPct val="90000"/>
+              </a:lnSpc>
+              <a:spcBef>
+                <a:spcPts val="500"/>
+              </a:spcBef>
+              <a:buFont typeface="Arial" panose="020B0604020202020204" pitchFamily="34" charset="0"/>
+              <a:buChar char="•"/>
+              <a:defRPr sz="2000" kern="1200">
+                <a:solidFill>
+                  <a:schemeClr val="tx1"/>
+                </a:solidFill>
+                <a:latin typeface="+mn-lt"/>
+                <a:ea typeface="+mn-ea"/>
+                <a:cs typeface="+mn-cs"/>
+              </a:defRPr>
+            </a:lvl3pPr>
+            <a:lvl4pPr marL="1600200" indent="-228600" algn="l" defTabSz="914400" rtl="0" eaLnBrk="1" latinLnBrk="0" hangingPunct="1">
+              <a:lnSpc>
+                <a:spcPct val="90000"/>
+              </a:lnSpc>
+              <a:spcBef>
+                <a:spcPts val="500"/>
+              </a:spcBef>
+              <a:buFont typeface="Arial" panose="020B0604020202020204" pitchFamily="34" charset="0"/>
+              <a:buChar char="•"/>
+              <a:defRPr sz="1800" kern="1200">
+                <a:solidFill>
+                  <a:schemeClr val="tx1"/>
+                </a:solidFill>
+                <a:latin typeface="+mn-lt"/>
+                <a:ea typeface="+mn-ea"/>
+                <a:cs typeface="+mn-cs"/>
+              </a:defRPr>
+            </a:lvl4pPr>
+            <a:lvl5pPr marL="2057400" indent="-228600" algn="l" defTabSz="914400" rtl="0" eaLnBrk="1" latinLnBrk="0" hangingPunct="1">
+              <a:lnSpc>
+                <a:spcPct val="90000"/>
+              </a:lnSpc>
+              <a:spcBef>
+                <a:spcPts val="500"/>
+              </a:spcBef>
+              <a:buFont typeface="Arial" panose="020B0604020202020204" pitchFamily="34" charset="0"/>
+              <a:buChar char="•"/>
+              <a:defRPr sz="1800" kern="1200">
+                <a:solidFill>
+                  <a:schemeClr val="tx1"/>
+                </a:solidFill>
+                <a:latin typeface="+mn-lt"/>
+                <a:ea typeface="+mn-ea"/>
+                <a:cs typeface="+mn-cs"/>
+              </a:defRPr>
+            </a:lvl5pPr>
+            <a:lvl6pPr marL="2514600" indent="-228600" algn="l" defTabSz="914400" rtl="0" eaLnBrk="1" latinLnBrk="0" hangingPunct="1">
+              <a:lnSpc>
+                <a:spcPct val="90000"/>
+              </a:lnSpc>
+              <a:spcBef>
+                <a:spcPts val="500"/>
+              </a:spcBef>
+              <a:buFont typeface="Arial" panose="020B0604020202020204" pitchFamily="34" charset="0"/>
+              <a:buChar char="•"/>
+              <a:defRPr sz="1800" kern="1200">
+                <a:solidFill>
+                  <a:schemeClr val="tx1"/>
+                </a:solidFill>
+                <a:latin typeface="+mn-lt"/>
+                <a:ea typeface="+mn-ea"/>
+                <a:cs typeface="+mn-cs"/>
+              </a:defRPr>
+            </a:lvl6pPr>
+            <a:lvl7pPr marL="2971800" indent="-228600" algn="l" defTabSz="914400" rtl="0" eaLnBrk="1" latinLnBrk="0" hangingPunct="1">
+              <a:lnSpc>
+                <a:spcPct val="90000"/>
+              </a:lnSpc>
+              <a:spcBef>
+                <a:spcPts val="500"/>
+              </a:spcBef>
+              <a:buFont typeface="Arial" panose="020B0604020202020204" pitchFamily="34" charset="0"/>
+              <a:buChar char="•"/>
+              <a:defRPr sz="1800" kern="1200">
+                <a:solidFill>
+                  <a:schemeClr val="tx1"/>
+                </a:solidFill>
+                <a:latin typeface="+mn-lt"/>
+                <a:ea typeface="+mn-ea"/>
+                <a:cs typeface="+mn-cs"/>
+              </a:defRPr>
+            </a:lvl7pPr>
+            <a:lvl8pPr marL="3429000" indent="-228600" algn="l" defTabSz="914400" rtl="0" eaLnBrk="1" latinLnBrk="0" hangingPunct="1">
+              <a:lnSpc>
+                <a:spcPct val="90000"/>
+              </a:lnSpc>
+              <a:spcBef>
+                <a:spcPts val="500"/>
+              </a:spcBef>
+              <a:buFont typeface="Arial" panose="020B0604020202020204" pitchFamily="34" charset="0"/>
+              <a:buChar char="•"/>
+              <a:defRPr sz="1800" kern="1200">
+                <a:solidFill>
+                  <a:schemeClr val="tx1"/>
+                </a:solidFill>
+                <a:latin typeface="+mn-lt"/>
+                <a:ea typeface="+mn-ea"/>
+                <a:cs typeface="+mn-cs"/>
+              </a:defRPr>
+            </a:lvl8pPr>
+            <a:lvl9pPr marL="3886200" indent="-228600" algn="l" defTabSz="914400" rtl="0" eaLnBrk="1" latinLnBrk="0" hangingPunct="1">
+              <a:lnSpc>
+                <a:spcPct val="90000"/>
+              </a:lnSpc>
+              <a:spcBef>
+                <a:spcPts val="500"/>
+              </a:spcBef>
+              <a:buFont typeface="Arial" panose="020B0604020202020204" pitchFamily="34" charset="0"/>
+              <a:buChar char="•"/>
+              <a:defRPr sz="1800" kern="1200">
+                <a:solidFill>
+                  <a:schemeClr val="tx1"/>
+                </a:solidFill>
+                <a:latin typeface="+mn-lt"/>
+                <a:ea typeface="+mn-ea"/>
+                <a:cs typeface="+mn-cs"/>
+              </a:defRPr>
+            </a:lvl9pPr>
+          </a:lstStyle>
+          <a:p>
+            <a:r>
+              <a:rPr lang="en-IN" dirty="0"/>
+              <a:t>arjunumenon.com</a:t>
+            </a:r>
+          </a:p>
+        </p:txBody>
+      </p:sp>
+      <p:sp>
+        <p:nvSpPr>
+          <p:cNvPr id="17" name="Rounded Rectangle 16">
+            <a:extLst>
+              <a:ext uri="{FF2B5EF4-FFF2-40B4-BE49-F238E27FC236}">
+                <a16:creationId xmlns:a16="http://schemas.microsoft.com/office/drawing/2014/main" id="{CE5FF6E6-05E9-923E-7D61-FE216CF88FD0}"/>
+              </a:ext>
+            </a:extLst>
+          </p:cNvPr>
+          <p:cNvSpPr/>
+          <p:nvPr/>
+        </p:nvSpPr>
+        <p:spPr>
+          <a:xfrm>
+            <a:off x="7848766" y="3360104"/>
+            <a:ext cx="540194" cy="433965"/>
+          </a:xfrm>
+          <a:prstGeom prst="roundRect">
+            <a:avLst/>
+          </a:prstGeom>
+          <a:solidFill>
+            <a:srgbClr val="FFFFFF"/>
+          </a:solidFill>
+          <a:ln>
+            <a:solidFill>
+              <a:srgbClr val="FFFFFF"/>
+            </a:solidFill>
+          </a:ln>
+        </p:spPr>
+        <p:style>
+          <a:lnRef idx="2">
+            <a:schemeClr val="accent1">
+              <a:shade val="15000"/>
+            </a:schemeClr>
+          </a:lnRef>
+          <a:fillRef idx="1">
+            <a:schemeClr val="accent1"/>
+          </a:fillRef>
+          <a:effectRef idx="0">
+            <a:schemeClr val="accent1"/>
+          </a:effectRef>
+          <a:fontRef idx="minor">
+            <a:schemeClr val="lt1"/>
+          </a:fontRef>
+        </p:style>
+        <p:txBody>
+          <a:bodyPr rtlCol="0" anchor="ctr"/>
+          <a:lstStyle/>
+          <a:p>
+            <a:pPr algn="ctr"/>
+            <a:endParaRPr lang="en-US"/>
+          </a:p>
+        </p:txBody>
+      </p:sp>
+    </p:spTree>
+    <p:extLst>
+      <p:ext uri="{BB962C8B-B14F-4D97-AF65-F5344CB8AC3E}">
+        <p14:creationId xmlns:p14="http://schemas.microsoft.com/office/powerpoint/2010/main" val="20747463"/>
+      </p:ext>
+    </p:extLst>
+  </p:cSld>
+  <p:clrMapOvr>
+    <a:masterClrMapping/>
+  </p:clrMapOvr>
+  <mc:AlternateContent xmlns:mc="http://schemas.openxmlformats.org/markup-compatibility/2006" xmlns:p14="http://schemas.microsoft.com/office/powerpoint/2010/main">
+    <mc:Choice Requires="p14">
+      <p:transition spd="med" p14:dur="700">
+        <p:fade/>
+      </p:transition>
+    </mc:Choice>
+    <mc:Fallback xmlns="">
+      <p:transition spd="med">
+        <p:fade/>
+      </p:transition>
+    </mc:Fallback>
+  </mc:AlternateContent>
+</p:sld>
+</file>
+
+<file path=ppt/slides/slide4.xml><?xml version="1.0" encoding="utf-8"?>
+<p:sld xmlns:a="http://schemas.openxmlformats.org/drawingml/2006/main" xmlns:r="http://schemas.openxmlformats.org/officeDocument/2006/relationships" xmlns:p="http://schemas.openxmlformats.org/presentationml/2006/main">
+  <p:cSld>
+    <p:spTree>
+      <p:nvGrpSpPr>
+        <p:cNvPr id="1" name=""/>
+        <p:cNvGrpSpPr/>
+        <p:nvPr/>
+      </p:nvGrpSpPr>
+      <p:grpSpPr>
+        <a:xfrm>
+          <a:off x="0" y="0"/>
+          <a:ext cx="0" cy="0"/>
+          <a:chOff x="0" y="0"/>
+          <a:chExt cx="0" cy="0"/>
+        </a:xfrm>
+      </p:grpSpPr>
+      <p:sp>
+        <p:nvSpPr>
+          <p:cNvPr id="2" name="Text Placeholder 1">
+            <a:extLst>
+              <a:ext uri="{FF2B5EF4-FFF2-40B4-BE49-F238E27FC236}">
+                <a16:creationId xmlns:a16="http://schemas.microsoft.com/office/drawing/2014/main" id="{7CBEC18A-4AFB-426F-A467-BA32A99B55E0}"/>
+              </a:ext>
+            </a:extLst>
+          </p:cNvPr>
+          <p:cNvSpPr>
+            <a:spLocks noGrp="1"/>
+          </p:cNvSpPr>
+          <p:nvPr>
+            <p:ph type="body" sz="quarter" idx="12"/>
+          </p:nvPr>
+        </p:nvSpPr>
+        <p:spPr>
+          <a:xfrm>
+            <a:off x="841651" y="1680623"/>
+            <a:ext cx="6834157" cy="5090368"/>
+          </a:xfrm>
+        </p:spPr>
+        <p:txBody>
+          <a:bodyPr/>
+          <a:lstStyle/>
+          <a:p>
+            <a:r>
+              <a:rPr lang="en-GB" sz="2800" baseline="0" dirty="0"/>
+              <a:t>Why test the untestable 🧪</a:t>
+            </a:r>
+          </a:p>
+          <a:p>
+            <a:r>
+              <a:rPr lang="en-GB" sz="2800" baseline="0" dirty="0"/>
+              <a:t>Why</a:t>
+            </a:r>
+            <a:r>
+              <a:rPr lang="en-GB" sz="2800" dirty="0"/>
+              <a:t> building resilient apps is hard 🤯</a:t>
+            </a:r>
+          </a:p>
+          <a:p>
+            <a:r>
+              <a:rPr lang="en-GB" sz="2800" baseline="0" dirty="0"/>
+              <a:t>How </a:t>
+            </a:r>
+            <a:r>
+              <a:rPr lang="en-GB" sz="2800" dirty="0"/>
+              <a:t>Dev Proxy makes life easier 🧘</a:t>
+            </a:r>
+          </a:p>
+          <a:p>
+            <a:r>
+              <a:rPr lang="en-GB" sz="2800" dirty="0"/>
+              <a:t>Learn how to get started 🧑‍🏫</a:t>
+            </a:r>
+          </a:p>
+          <a:p>
+            <a:r>
+              <a:rPr lang="en-US" sz="2800" dirty="0"/>
+              <a:t>Audience: Developer, Tester, Administrator 🧑‍💻</a:t>
+            </a:r>
+          </a:p>
+          <a:p>
+            <a:pPr marL="0" indent="0">
+              <a:buNone/>
+            </a:pPr>
+            <a:endParaRPr lang="en-US" sz="2800" dirty="0"/>
+          </a:p>
+          <a:p>
+            <a:endParaRPr lang="en-US" sz="2800" dirty="0"/>
+          </a:p>
+        </p:txBody>
+      </p:sp>
+    </p:spTree>
+    <p:extLst>
+      <p:ext uri="{BB962C8B-B14F-4D97-AF65-F5344CB8AC3E}">
+        <p14:creationId xmlns:p14="http://schemas.microsoft.com/office/powerpoint/2010/main" val="2546613827"/>
+      </p:ext>
+    </p:extLst>
+  </p:cSld>
+  <p:clrMapOvr>
+    <a:masterClrMapping/>
+  </p:clrMapOvr>
+  <mc:AlternateContent xmlns:mc="http://schemas.openxmlformats.org/markup-compatibility/2006" xmlns:p14="http://schemas.microsoft.com/office/powerpoint/2010/main">
+    <mc:Choice Requires="p14">
+      <p:transition spd="med" p14:dur="700">
+        <p:fade/>
+      </p:transition>
+    </mc:Choice>
+    <mc:Fallback xmlns="">
+      <p:transition spd="med">
+        <p:fade/>
+      </p:transition>
+    </mc:Fallback>
+  </mc:AlternateContent>
+</p:sld>
+</file>
+
+<file path=ppt/slides/slide5.xml><?xml version="1.0" encoding="utf-8"?>
+<p:sld xmlns:a="http://schemas.openxmlformats.org/drawingml/2006/main" xmlns:r="http://schemas.openxmlformats.org/officeDocument/2006/relationships" xmlns:p="http://schemas.openxmlformats.org/presentationml/2006/main">
+  <p:cSld>
+    <p:spTree>
+      <p:nvGrpSpPr>
+        <p:cNvPr id="1" name=""/>
+        <p:cNvGrpSpPr/>
+        <p:nvPr/>
+      </p:nvGrpSpPr>
+      <p:grpSpPr>
+        <a:xfrm>
+          <a:off x="0" y="0"/>
+          <a:ext cx="0" cy="0"/>
+          <a:chOff x="0" y="0"/>
+          <a:chExt cx="0" cy="0"/>
+        </a:xfrm>
+      </p:grpSpPr>
+      <p:sp>
+        <p:nvSpPr>
+          <p:cNvPr id="2" name="Title 1">
+            <a:extLst>
+              <a:ext uri="{FF2B5EF4-FFF2-40B4-BE49-F238E27FC236}">
+                <a16:creationId xmlns:a16="http://schemas.microsoft.com/office/drawing/2014/main" id="{E792FDBF-B1F2-8376-C02C-3DF0D87857BD}"/>
+              </a:ext>
+            </a:extLst>
+          </p:cNvPr>
+          <p:cNvSpPr>
+            <a:spLocks noGrp="1"/>
+          </p:cNvSpPr>
+          <p:nvPr>
+            <p:ph type="title"/>
+          </p:nvPr>
+        </p:nvSpPr>
+        <p:spPr/>
+        <p:txBody>
+          <a:bodyPr/>
+          <a:lstStyle/>
+          <a:p>
+            <a:r>
+              <a:rPr lang="en-US" dirty="0"/>
+              <a:t>Why we need to test the untestable</a:t>
+            </a:r>
+          </a:p>
+        </p:txBody>
+      </p:sp>
+      <p:sp>
+        <p:nvSpPr>
+          <p:cNvPr id="3" name="Content Placeholder 2">
+            <a:extLst>
+              <a:ext uri="{FF2B5EF4-FFF2-40B4-BE49-F238E27FC236}">
+                <a16:creationId xmlns:a16="http://schemas.microsoft.com/office/drawing/2014/main" id="{28AB0774-2DFA-37D7-FFE0-6FFE89BC4DA0}"/>
+              </a:ext>
+            </a:extLst>
+          </p:cNvPr>
+          <p:cNvSpPr>
+            <a:spLocks noGrp="1"/>
+          </p:cNvSpPr>
+          <p:nvPr>
+            <p:ph idx="1"/>
+          </p:nvPr>
+        </p:nvSpPr>
+        <p:spPr/>
+        <p:txBody>
+          <a:bodyPr/>
+          <a:lstStyle/>
+          <a:p>
+            <a:r>
+              <a:rPr lang="en-US" dirty="0"/>
+              <a:t>Make apps resilient</a:t>
+            </a:r>
+          </a:p>
+          <a:p>
+            <a:r>
+              <a:rPr lang="en-US" dirty="0"/>
+              <a:t>Cloud APIs Fail</a:t>
+            </a:r>
+          </a:p>
+          <a:p>
+            <a:r>
+              <a:rPr lang="en-US" dirty="0"/>
+              <a:t>Testing APIs are hard</a:t>
+            </a:r>
+          </a:p>
+        </p:txBody>
+      </p:sp>
+    </p:spTree>
+    <p:extLst>
+      <p:ext uri="{BB962C8B-B14F-4D97-AF65-F5344CB8AC3E}">
+        <p14:creationId xmlns:p14="http://schemas.microsoft.com/office/powerpoint/2010/main" val="3980836575"/>
+      </p:ext>
+    </p:extLst>
+  </p:cSld>
+  <p:clrMapOvr>
+    <a:masterClrMapping/>
+  </p:clrMapOvr>
+  <mc:AlternateContent xmlns:mc="http://schemas.openxmlformats.org/markup-compatibility/2006">
+    <mc:Choice xmlns:p14="http://schemas.microsoft.com/office/powerpoint/2010/main" Requires="p14">
+      <p:transition spd="med" p14:dur="700">
+        <p:fade/>
+      </p:transition>
+    </mc:Choice>
+    <mc:Fallback>
+      <p:transition spd="med">
+        <p:fade/>
+      </p:transition>
+    </mc:Fallback>
+  </mc:AlternateContent>
+</p:sld>
+</file>
+
+<file path=ppt/slides/slide6.xml><?xml version="1.0" encoding="utf-8"?>
+<p:sld xmlns:a="http://schemas.openxmlformats.org/drawingml/2006/main" xmlns:r="http://schemas.openxmlformats.org/officeDocument/2006/relationships" xmlns:p="http://schemas.openxmlformats.org/presentationml/2006/main">
+  <p:cSld>
+    <p:spTree>
+      <p:nvGrpSpPr>
+        <p:cNvPr id="1" name=""/>
+        <p:cNvGrpSpPr/>
+        <p:nvPr/>
+      </p:nvGrpSpPr>
+      <p:grpSpPr>
+        <a:xfrm>
+          <a:off x="0" y="0"/>
+          <a:ext cx="0" cy="0"/>
+          <a:chOff x="0" y="0"/>
+          <a:chExt cx="0" cy="0"/>
+        </a:xfrm>
+      </p:grpSpPr>
+      <p:sp>
+        <p:nvSpPr>
+          <p:cNvPr id="2" name="Title 1">
+            <a:extLst>
+              <a:ext uri="{FF2B5EF4-FFF2-40B4-BE49-F238E27FC236}">
+                <a16:creationId xmlns:a16="http://schemas.microsoft.com/office/drawing/2014/main" id="{99B1D82B-9ED6-43AA-92A3-12C0BA6F5B04}"/>
+              </a:ext>
+            </a:extLst>
+          </p:cNvPr>
+          <p:cNvSpPr>
+            <a:spLocks noGrp="1"/>
+          </p:cNvSpPr>
+          <p:nvPr>
+            <p:ph type="title"/>
+          </p:nvPr>
+        </p:nvSpPr>
+        <p:spPr/>
+        <p:txBody>
+          <a:bodyPr/>
+          <a:lstStyle/>
+          <a:p>
+            <a:r>
+              <a:rPr lang="en-US" dirty="0"/>
+              <a:t>Apps which are resilient</a:t>
+            </a:r>
+          </a:p>
+        </p:txBody>
+      </p:sp>
+      <p:sp>
+        <p:nvSpPr>
+          <p:cNvPr id="3" name="Content Placeholder 2">
+            <a:extLst>
+              <a:ext uri="{FF2B5EF4-FFF2-40B4-BE49-F238E27FC236}">
+                <a16:creationId xmlns:a16="http://schemas.microsoft.com/office/drawing/2014/main" id="{5E975BA8-7C92-45CF-9D88-120ED7D5290E}"/>
+              </a:ext>
+            </a:extLst>
+          </p:cNvPr>
+          <p:cNvSpPr>
+            <a:spLocks noGrp="1"/>
+          </p:cNvSpPr>
+          <p:nvPr>
+            <p:ph idx="1"/>
+          </p:nvPr>
+        </p:nvSpPr>
+        <p:spPr/>
+        <p:txBody>
+          <a:bodyPr/>
+          <a:lstStyle/>
+          <a:p>
+            <a:r>
+              <a:rPr lang="en-GB" dirty="0"/>
+              <a:t>Resilience assumes that </a:t>
+            </a:r>
+            <a:r>
+              <a:rPr lang="en-GB" dirty="0">
+                <a:gradFill>
+                  <a:gsLst>
+                    <a:gs pos="0">
+                      <a:srgbClr val="8250DF"/>
+                    </a:gs>
+                    <a:gs pos="100000">
+                      <a:srgbClr val="D42A32"/>
+                    </a:gs>
+                  </a:gsLst>
+                  <a:lin ang="5400000" scaled="1"/>
+                </a:gradFill>
+              </a:rPr>
+              <a:t>adverse conditions </a:t>
+            </a:r>
+            <a:r>
+              <a:rPr lang="en-GB" b="1" dirty="0">
+                <a:gradFill>
+                  <a:gsLst>
+                    <a:gs pos="0">
+                      <a:srgbClr val="8250DF"/>
+                    </a:gs>
+                    <a:gs pos="100000">
+                      <a:srgbClr val="D42A32"/>
+                    </a:gs>
+                  </a:gsLst>
+                  <a:lin ang="5400000" scaled="1"/>
+                </a:gradFill>
+              </a:rPr>
+              <a:t>will</a:t>
+            </a:r>
+            <a:r>
+              <a:rPr lang="en-GB" dirty="0">
+                <a:gradFill>
+                  <a:gsLst>
+                    <a:gs pos="0">
+                      <a:srgbClr val="8250DF"/>
+                    </a:gs>
+                    <a:gs pos="100000">
+                      <a:srgbClr val="D42A32"/>
+                    </a:gs>
+                  </a:gsLst>
+                  <a:lin ang="5400000" scaled="1"/>
+                </a:gradFill>
+              </a:rPr>
+              <a:t> occur </a:t>
+            </a:r>
+            <a:r>
+              <a:rPr lang="en-GB" dirty="0"/>
+              <a:t>🌩️</a:t>
+            </a:r>
+            <a:endParaRPr lang="en-GB" dirty="0">
+              <a:gradFill>
+                <a:gsLst>
+                  <a:gs pos="0">
+                    <a:srgbClr val="8250DF"/>
+                  </a:gs>
+                  <a:gs pos="100000">
+                    <a:srgbClr val="D42A32"/>
+                  </a:gs>
+                </a:gsLst>
+                <a:lin ang="5400000" scaled="1"/>
+              </a:gradFill>
+            </a:endParaRPr>
+          </a:p>
+          <a:p>
+            <a:r>
+              <a:rPr lang="en-GB" dirty="0"/>
+              <a:t>Resilience is </a:t>
+            </a:r>
+            <a:r>
+              <a:rPr lang="en-GB" b="1" dirty="0">
+                <a:gradFill>
+                  <a:gsLst>
+                    <a:gs pos="0">
+                      <a:srgbClr val="8250DF"/>
+                    </a:gs>
+                    <a:gs pos="100000">
+                      <a:srgbClr val="D42A32"/>
+                    </a:gs>
+                  </a:gsLst>
+                  <a:lin ang="5400000" scaled="1"/>
+                </a:gradFill>
+              </a:rPr>
+              <a:t>not</a:t>
+            </a:r>
+            <a:r>
+              <a:rPr lang="en-GB" dirty="0"/>
+              <a:t> a tick box ✅</a:t>
+            </a:r>
+          </a:p>
+          <a:p>
+            <a:pPr lvl="0">
+              <a:defRPr/>
+            </a:pPr>
+            <a:r>
+              <a:rPr lang="en-GB" dirty="0"/>
+              <a:t>Availability and reliability by themselves are insufficient</a:t>
+            </a:r>
+          </a:p>
+        </p:txBody>
+      </p:sp>
+    </p:spTree>
+    <p:extLst>
+      <p:ext uri="{BB962C8B-B14F-4D97-AF65-F5344CB8AC3E}">
+        <p14:creationId xmlns:p14="http://schemas.microsoft.com/office/powerpoint/2010/main" val="2655792942"/>
+      </p:ext>
+    </p:extLst>
+  </p:cSld>
+  <p:clrMapOvr>
+    <a:masterClrMapping/>
+  </p:clrMapOvr>
+  <mc:AlternateContent xmlns:mc="http://schemas.openxmlformats.org/markup-compatibility/2006">
+    <mc:Choice xmlns:p14="http://schemas.microsoft.com/office/powerpoint/2010/main" Requires="p14">
+      <p:transition spd="med" p14:dur="700">
+        <p:fade/>
+      </p:transition>
+    </mc:Choice>
+    <mc:Fallback>
+      <p:transition spd="med">
+        <p:fade/>
+      </p:transition>
+    </mc:Fallback>
+  </mc:AlternateContent>
+</p:sld>
+</file>
+
+<file path=ppt/slides/slide7.xml><?xml version="1.0" encoding="utf-8"?>
+<p:sld xmlns:a="http://schemas.openxmlformats.org/drawingml/2006/main" xmlns:r="http://schemas.openxmlformats.org/officeDocument/2006/relationships" xmlns:p="http://schemas.openxmlformats.org/presentationml/2006/main">
+  <p:cSld>
+    <p:spTree>
+      <p:nvGrpSpPr>
+        <p:cNvPr id="1" name=""/>
+        <p:cNvGrpSpPr/>
+        <p:nvPr/>
+      </p:nvGrpSpPr>
+      <p:grpSpPr>
+        <a:xfrm>
+          <a:off x="0" y="0"/>
+          <a:ext cx="0" cy="0"/>
+          <a:chOff x="0" y="0"/>
+          <a:chExt cx="0" cy="0"/>
+        </a:xfrm>
+      </p:grpSpPr>
+      <p:sp>
+        <p:nvSpPr>
+          <p:cNvPr id="2" name="Title 1">
+            <a:extLst>
+              <a:ext uri="{FF2B5EF4-FFF2-40B4-BE49-F238E27FC236}">
+                <a16:creationId xmlns:a16="http://schemas.microsoft.com/office/drawing/2014/main" id="{99B1D82B-9ED6-43AA-92A3-12C0BA6F5B04}"/>
+              </a:ext>
+            </a:extLst>
+          </p:cNvPr>
+          <p:cNvSpPr>
+            <a:spLocks noGrp="1"/>
+          </p:cNvSpPr>
+          <p:nvPr>
+            <p:ph type="title"/>
+          </p:nvPr>
+        </p:nvSpPr>
+        <p:spPr/>
+        <p:txBody>
+          <a:bodyPr/>
+          <a:lstStyle/>
+          <a:p>
+            <a:r>
+              <a:rPr lang="en-US" dirty="0"/>
+              <a:t>Cloud APIs fail ❌</a:t>
+            </a:r>
+          </a:p>
+        </p:txBody>
+      </p:sp>
+      <p:sp>
+        <p:nvSpPr>
+          <p:cNvPr id="3" name="Content Placeholder 2">
+            <a:extLst>
+              <a:ext uri="{FF2B5EF4-FFF2-40B4-BE49-F238E27FC236}">
+                <a16:creationId xmlns:a16="http://schemas.microsoft.com/office/drawing/2014/main" id="{5E975BA8-7C92-45CF-9D88-120ED7D5290E}"/>
+              </a:ext>
+            </a:extLst>
+          </p:cNvPr>
+          <p:cNvSpPr>
+            <a:spLocks noGrp="1"/>
+          </p:cNvSpPr>
+          <p:nvPr>
+            <p:ph idx="1"/>
+          </p:nvPr>
+        </p:nvSpPr>
+        <p:spPr/>
+        <p:txBody>
+          <a:bodyPr/>
+          <a:lstStyle/>
+          <a:p>
+            <a:pPr lvl="0"/>
+            <a:r>
+              <a:rPr lang="en-GB" dirty="0"/>
+              <a:t>It’s not a matter of if, it’s </a:t>
+            </a:r>
+            <a:r>
+              <a:rPr lang="en-GB" b="1" dirty="0">
+                <a:gradFill>
+                  <a:gsLst>
+                    <a:gs pos="0">
+                      <a:srgbClr val="8250DF"/>
+                    </a:gs>
+                    <a:gs pos="100000">
+                      <a:srgbClr val="D42A32"/>
+                    </a:gs>
+                  </a:gsLst>
+                  <a:lin ang="5400000" scaled="1"/>
+                </a:gradFill>
+              </a:rPr>
+              <a:t>when</a:t>
+            </a:r>
+          </a:p>
+          <a:p>
+            <a:pPr lvl="0"/>
+            <a:r>
+              <a:rPr lang="en-GB" dirty="0"/>
+              <a:t>How do you know what is going to happen?</a:t>
+            </a:r>
+          </a:p>
+          <a:p>
+            <a:pPr lvl="0"/>
+            <a:r>
+              <a:rPr lang="en-GB" dirty="0"/>
+              <a:t>How will your app recover? Will it recover?</a:t>
+            </a:r>
+          </a:p>
+          <a:p>
+            <a:r>
+              <a:rPr lang="en-GB" dirty="0"/>
+              <a:t>How do you test for failures?</a:t>
+            </a:r>
+          </a:p>
+        </p:txBody>
+      </p:sp>
+    </p:spTree>
+    <p:extLst>
+      <p:ext uri="{BB962C8B-B14F-4D97-AF65-F5344CB8AC3E}">
+        <p14:creationId xmlns:p14="http://schemas.microsoft.com/office/powerpoint/2010/main" val="2320245024"/>
+      </p:ext>
+    </p:extLst>
+  </p:cSld>
+  <p:clrMapOvr>
+    <a:masterClrMapping/>
+  </p:clrMapOvr>
+  <mc:AlternateContent xmlns:mc="http://schemas.openxmlformats.org/markup-compatibility/2006">
+    <mc:Choice xmlns:p14="http://schemas.microsoft.com/office/powerpoint/2010/main" Requires="p14">
+      <p:transition spd="med" p14:dur="700">
+        <p:fade/>
+      </p:transition>
+    </mc:Choice>
+    <mc:Fallback>
+      <p:transition spd="med">
+        <p:fade/>
+      </p:transition>
+    </mc:Fallback>
+  </mc:AlternateContent>
+</p:sld>
+</file>
+
+<file path=ppt/slides/slide8.xml><?xml version="1.0" encoding="utf-8"?>
+<p:sld xmlns:a="http://schemas.openxmlformats.org/drawingml/2006/main" xmlns:r="http://schemas.openxmlformats.org/officeDocument/2006/relationships" xmlns:p="http://schemas.openxmlformats.org/presentationml/2006/main">
+  <p:cSld>
+    <p:spTree>
+      <p:nvGrpSpPr>
+        <p:cNvPr id="1" name=""/>
+        <p:cNvGrpSpPr/>
+        <p:nvPr/>
+      </p:nvGrpSpPr>
+      <p:grpSpPr>
+        <a:xfrm>
+          <a:off x="0" y="0"/>
+          <a:ext cx="0" cy="0"/>
+          <a:chOff x="0" y="0"/>
+          <a:chExt cx="0" cy="0"/>
+        </a:xfrm>
+      </p:grpSpPr>
+      <p:sp>
+        <p:nvSpPr>
+          <p:cNvPr id="2" name="Title 1">
+            <a:extLst>
+              <a:ext uri="{FF2B5EF4-FFF2-40B4-BE49-F238E27FC236}">
+                <a16:creationId xmlns:a16="http://schemas.microsoft.com/office/drawing/2014/main" id="{99B1D82B-9ED6-43AA-92A3-12C0BA6F5B04}"/>
+              </a:ext>
+            </a:extLst>
+          </p:cNvPr>
+          <p:cNvSpPr>
+            <a:spLocks noGrp="1"/>
+          </p:cNvSpPr>
+          <p:nvPr>
+            <p:ph type="title"/>
+          </p:nvPr>
+        </p:nvSpPr>
+        <p:spPr/>
+        <p:txBody>
+          <a:bodyPr/>
+          <a:lstStyle/>
+          <a:p>
+            <a:r>
+              <a:rPr lang="en-US" dirty="0"/>
+              <a:t>Testing Cloud APIs are hard 😥</a:t>
+            </a:r>
+          </a:p>
+        </p:txBody>
+      </p:sp>
+      <p:sp>
+        <p:nvSpPr>
+          <p:cNvPr id="3" name="Content Placeholder 2">
+            <a:extLst>
+              <a:ext uri="{FF2B5EF4-FFF2-40B4-BE49-F238E27FC236}">
+                <a16:creationId xmlns:a16="http://schemas.microsoft.com/office/drawing/2014/main" id="{5E975BA8-7C92-45CF-9D88-120ED7D5290E}"/>
+              </a:ext>
+            </a:extLst>
+          </p:cNvPr>
+          <p:cNvSpPr>
+            <a:spLocks noGrp="1"/>
+          </p:cNvSpPr>
+          <p:nvPr>
+            <p:ph idx="1"/>
+          </p:nvPr>
+        </p:nvSpPr>
+        <p:spPr/>
+        <p:txBody>
+          <a:bodyPr/>
+          <a:lstStyle/>
+          <a:p>
+            <a:pPr lvl="0"/>
+            <a:r>
+              <a:rPr lang="en-GB" dirty="0"/>
+              <a:t>You don’t own the APIs </a:t>
+            </a:r>
+          </a:p>
+          <a:p>
+            <a:pPr lvl="1"/>
+            <a:r>
+              <a:rPr lang="en-GB" dirty="0"/>
+              <a:t>You can’t turn just turn</a:t>
+            </a:r>
+            <a:r>
+              <a:rPr lang="en-GB" baseline="0" dirty="0"/>
+              <a:t> behaviours on and off 🔘</a:t>
+            </a:r>
+          </a:p>
+          <a:p>
+            <a:r>
+              <a:rPr lang="en-GB" dirty="0"/>
+              <a:t>Hard to get started </a:t>
+            </a:r>
+          </a:p>
+          <a:p>
+            <a:r>
+              <a:rPr lang="en-GB" dirty="0"/>
+              <a:t>Nobody pays for testing 💵</a:t>
+            </a:r>
+          </a:p>
+          <a:p>
+            <a:r>
+              <a:rPr lang="en-GB" dirty="0"/>
+              <a:t>Each</a:t>
+            </a:r>
+            <a:r>
+              <a:rPr lang="en-GB" baseline="0" dirty="0"/>
+              <a:t> API is different </a:t>
+            </a:r>
+          </a:p>
+          <a:p>
+            <a:pPr lvl="1"/>
+            <a:r>
+              <a:rPr lang="en-GB" dirty="0"/>
+              <a:t>Some return</a:t>
+            </a:r>
+            <a:r>
+              <a:rPr lang="en-GB" baseline="0" dirty="0"/>
+              <a:t> 429s, others 403s, some return several 429s</a:t>
+            </a:r>
+            <a:endParaRPr lang="en-GB" dirty="0"/>
+          </a:p>
+        </p:txBody>
+      </p:sp>
+    </p:spTree>
+    <p:extLst>
+      <p:ext uri="{BB962C8B-B14F-4D97-AF65-F5344CB8AC3E}">
+        <p14:creationId xmlns:p14="http://schemas.microsoft.com/office/powerpoint/2010/main" val="740723730"/>
+      </p:ext>
+    </p:extLst>
+  </p:cSld>
+  <p:clrMapOvr>
+    <a:masterClrMapping/>
+  </p:clrMapOvr>
+  <mc:AlternateContent xmlns:mc="http://schemas.openxmlformats.org/markup-compatibility/2006">
+    <mc:Choice xmlns:p14="http://schemas.microsoft.com/office/powerpoint/2010/main" Requires="p14">
+      <p:transition spd="med" p14:dur="700">
+        <p:fade/>
+      </p:transition>
+    </mc:Choice>
+    <mc:Fallback>
+      <p:transition spd="med">
+        <p:fade/>
+      </p:transition>
+    </mc:Fallback>
+  </mc:AlternateContent>
+</p:sld>
+</file>
+
+<file path=ppt/slides/slide9.xml><?xml version="1.0" encoding="utf-8"?>
+<p:sld xmlns:a="http://schemas.openxmlformats.org/drawingml/2006/main" xmlns:r="http://schemas.openxmlformats.org/officeDocument/2006/relationships" xmlns:p="http://schemas.openxmlformats.org/presentationml/2006/main">
+  <p:cSld>
+    <p:spTree>
+      <p:nvGrpSpPr>
+        <p:cNvPr id="1" name=""/>
+        <p:cNvGrpSpPr/>
+        <p:nvPr/>
+      </p:nvGrpSpPr>
+      <p:grpSpPr>
+        <a:xfrm>
+          <a:off x="0" y="0"/>
+          <a:ext cx="0" cy="0"/>
+          <a:chOff x="0" y="0"/>
+          <a:chExt cx="0" cy="0"/>
+        </a:xfrm>
+      </p:grpSpPr>
+      <p:sp>
+        <p:nvSpPr>
+          <p:cNvPr id="2" name="Title 1">
+            <a:extLst>
+              <a:ext uri="{FF2B5EF4-FFF2-40B4-BE49-F238E27FC236}">
+                <a16:creationId xmlns:a16="http://schemas.microsoft.com/office/drawing/2014/main" id="{99B1D82B-9ED6-43AA-92A3-12C0BA6F5B04}"/>
+              </a:ext>
+            </a:extLst>
+          </p:cNvPr>
+          <p:cNvSpPr>
+            <a:spLocks noGrp="1"/>
+          </p:cNvSpPr>
+          <p:nvPr>
+            <p:ph type="title"/>
+          </p:nvPr>
+        </p:nvSpPr>
+        <p:spPr/>
+        <p:txBody>
+          <a:bodyPr/>
+          <a:lstStyle/>
+          <a:p>
+            <a:r>
+              <a:rPr lang="en-US" dirty="0"/>
+              <a:t>Dev Proxy to the rescue </a:t>
+            </a:r>
+          </a:p>
+        </p:txBody>
+      </p:sp>
+      <p:sp>
+        <p:nvSpPr>
+          <p:cNvPr id="3" name="Content Placeholder 2">
+            <a:extLst>
+              <a:ext uri="{FF2B5EF4-FFF2-40B4-BE49-F238E27FC236}">
+                <a16:creationId xmlns:a16="http://schemas.microsoft.com/office/drawing/2014/main" id="{5E975BA8-7C92-45CF-9D88-120ED7D5290E}"/>
+              </a:ext>
+            </a:extLst>
+          </p:cNvPr>
+          <p:cNvSpPr>
+            <a:spLocks noGrp="1"/>
+          </p:cNvSpPr>
+          <p:nvPr>
+            <p:ph idx="1"/>
+          </p:nvPr>
+        </p:nvSpPr>
+        <p:spPr>
+          <a:xfrm>
+            <a:off x="236331" y="1253331"/>
+            <a:ext cx="7903117" cy="4862334"/>
+          </a:xfrm>
+        </p:spPr>
+        <p:txBody>
+          <a:bodyPr/>
+          <a:lstStyle/>
+          <a:p>
+            <a:pPr lvl="0"/>
+            <a:r>
+              <a:rPr lang="en-GB" baseline="0" dirty="0"/>
+              <a:t>Helps you </a:t>
+            </a:r>
+            <a:r>
+              <a:rPr lang="en-GB" baseline="0" dirty="0">
+                <a:gradFill>
+                  <a:gsLst>
+                    <a:gs pos="0">
+                      <a:srgbClr val="8250DF"/>
+                    </a:gs>
+                    <a:gs pos="100000">
+                      <a:srgbClr val="D42A32"/>
+                    </a:gs>
+                  </a:gsLst>
+                  <a:lin ang="5400000" scaled="1"/>
+                </a:gradFill>
+              </a:rPr>
+              <a:t>build resilient apps </a:t>
+            </a:r>
+            <a:r>
+              <a:rPr lang="en-GB" baseline="0" dirty="0"/>
+              <a:t>on Microsoft 365</a:t>
+            </a:r>
+          </a:p>
+          <a:p>
+            <a:pPr lvl="1"/>
+            <a:r>
+              <a:rPr lang="en-GB" baseline="0" dirty="0"/>
+              <a:t>Improve robustness, performance</a:t>
+            </a:r>
+            <a:r>
+              <a:rPr lang="en-GB" dirty="0"/>
+              <a:t> and </a:t>
+            </a:r>
+            <a:r>
+              <a:rPr lang="en-GB" baseline="0" dirty="0"/>
+              <a:t>security</a:t>
+            </a:r>
+            <a:endParaRPr lang="en-GB" dirty="0"/>
+          </a:p>
+          <a:p>
+            <a:r>
+              <a:rPr lang="en-GB" dirty="0"/>
+              <a:t>Test the </a:t>
+            </a:r>
+            <a:r>
+              <a:rPr lang="en-GB" dirty="0">
+                <a:gradFill>
+                  <a:gsLst>
+                    <a:gs pos="0">
+                      <a:srgbClr val="8250DF"/>
+                    </a:gs>
+                    <a:gs pos="100000">
+                      <a:srgbClr val="D42A32"/>
+                    </a:gs>
+                  </a:gsLst>
+                  <a:lin ang="5400000" scaled="1"/>
+                </a:gradFill>
+              </a:rPr>
+              <a:t>untestable</a:t>
+            </a:r>
+          </a:p>
+          <a:p>
+            <a:r>
+              <a:rPr lang="en-GB" dirty="0"/>
+              <a:t>Run against</a:t>
+            </a:r>
+            <a:r>
+              <a:rPr lang="en-GB" baseline="0" dirty="0"/>
+              <a:t> </a:t>
+            </a:r>
+            <a:r>
+              <a:rPr lang="en-GB" baseline="0" dirty="0">
+                <a:gradFill>
+                  <a:gsLst>
+                    <a:gs pos="0">
+                      <a:srgbClr val="8250DF"/>
+                    </a:gs>
+                    <a:gs pos="100000">
+                      <a:srgbClr val="D42A32"/>
+                    </a:gs>
+                  </a:gsLst>
+                  <a:lin ang="5400000" scaled="1"/>
+                </a:gradFill>
+              </a:rPr>
+              <a:t>any app</a:t>
+            </a:r>
+          </a:p>
+          <a:p>
+            <a:pPr lvl="1"/>
+            <a:r>
+              <a:rPr lang="en-GB" baseline="0" dirty="0"/>
+              <a:t>Any platform and a</a:t>
+            </a:r>
+            <a:r>
+              <a:rPr lang="en-GB" dirty="0"/>
+              <a:t>ny tech stack</a:t>
+            </a:r>
+            <a:endParaRPr lang="en-GB" baseline="0" dirty="0"/>
+          </a:p>
+          <a:p>
+            <a:r>
+              <a:rPr lang="en-GB" baseline="0" dirty="0"/>
+              <a:t>Supports </a:t>
+            </a:r>
+            <a:r>
+              <a:rPr lang="en-GB" baseline="0" dirty="0">
+                <a:gradFill>
+                  <a:gsLst>
+                    <a:gs pos="0">
+                      <a:srgbClr val="8250DF"/>
+                    </a:gs>
+                    <a:gs pos="100000">
+                      <a:srgbClr val="D42A32"/>
+                    </a:gs>
+                  </a:gsLst>
+                  <a:lin ang="5400000" scaled="1"/>
+                </a:gradFill>
+              </a:rPr>
+              <a:t>any HTTP API</a:t>
+            </a:r>
+          </a:p>
+          <a:p>
+            <a:pPr lvl="1"/>
+            <a:r>
+              <a:rPr lang="en-GB" dirty="0"/>
+              <a:t>Presets for Microsoft Graph and SharePoint Online</a:t>
+            </a:r>
+          </a:p>
+          <a:p>
+            <a:r>
+              <a:rPr lang="en-GB" baseline="0" dirty="0"/>
+              <a:t>Low investment (effort and time)</a:t>
+            </a:r>
+          </a:p>
+          <a:p>
+            <a:pPr lvl="1"/>
+            <a:r>
+              <a:rPr lang="en-GB" baseline="0" dirty="0">
+                <a:gradFill>
+                  <a:gsLst>
+                    <a:gs pos="0">
+                      <a:srgbClr val="8250DF"/>
+                    </a:gs>
+                    <a:gs pos="100000">
+                      <a:srgbClr val="D42A32"/>
+                    </a:gs>
+                  </a:gsLst>
+                  <a:lin ang="5400000" scaled="1"/>
+                </a:gradFill>
+              </a:rPr>
+              <a:t>No code changes, no tedious setup</a:t>
+            </a:r>
+          </a:p>
+        </p:txBody>
+      </p:sp>
+      <p:pic>
+        <p:nvPicPr>
+          <p:cNvPr id="4" name="Picture 2" descr="Dev Proxy">
+            <a:extLst>
+              <a:ext uri="{FF2B5EF4-FFF2-40B4-BE49-F238E27FC236}">
+                <a16:creationId xmlns:a16="http://schemas.microsoft.com/office/drawing/2014/main" id="{2BE58D08-CE67-9EFD-8AB6-2BAD23F52A3F}"/>
+              </a:ext>
+            </a:extLst>
+          </p:cNvPr>
+          <p:cNvPicPr>
+            <a:picLocks noChangeAspect="1" noChangeArrowheads="1"/>
+          </p:cNvPicPr>
+          <p:nvPr/>
+        </p:nvPicPr>
+        <p:blipFill>
+          <a:blip r:embed="rId2">
+            <a:extLst>
+              <a:ext uri="{28A0092B-C50C-407E-A947-70E740481C1C}">
+                <a14:useLocalDpi xmlns:a14="http://schemas.microsoft.com/office/drawing/2010/main" val="0"/>
+              </a:ext>
+            </a:extLst>
+          </a:blip>
+          <a:srcRect/>
+          <a:stretch>
+            <a:fillRect/>
+          </a:stretch>
+        </p:blipFill>
+        <p:spPr bwMode="auto">
+          <a:xfrm>
+            <a:off x="7100820" y="165059"/>
+            <a:ext cx="841794" cy="841794"/>
+          </a:xfrm>
+          <a:prstGeom prst="rect">
+            <a:avLst/>
+          </a:prstGeom>
+          <a:noFill/>
+          <a:extLst>
+            <a:ext uri="{909E8E84-426E-40DD-AFC4-6F175D3DCCD1}">
+              <a14:hiddenFill xmlns:a14="http://schemas.microsoft.com/office/drawing/2010/main">
+                <a:solidFill>
+                  <a:srgbClr val="FFFFFF"/>
+                </a:solidFill>
+              </a14:hiddenFill>
+            </a:ext>
+          </a:extLst>
+        </p:spPr>
+      </p:pic>
+      <p:sp>
+        <p:nvSpPr>
+          <p:cNvPr id="7" name="TextBox 6">
+            <a:extLst>
+              <a:ext uri="{FF2B5EF4-FFF2-40B4-BE49-F238E27FC236}">
+                <a16:creationId xmlns:a16="http://schemas.microsoft.com/office/drawing/2014/main" id="{3B10F2DA-5A1A-6BF4-A16B-2E654298893C}"/>
+              </a:ext>
+            </a:extLst>
+          </p:cNvPr>
+          <p:cNvSpPr txBox="1"/>
+          <p:nvPr/>
+        </p:nvSpPr>
+        <p:spPr>
+          <a:xfrm>
+            <a:off x="7634303" y="2844225"/>
+            <a:ext cx="4021077" cy="584775"/>
+          </a:xfrm>
+          <a:prstGeom prst="rect">
+            <a:avLst/>
+          </a:prstGeom>
+          <a:noFill/>
+        </p:spPr>
+        <p:txBody>
+          <a:bodyPr wrap="square">
+            <a:spAutoFit/>
+          </a:bodyPr>
+          <a:lstStyle/>
+          <a:p>
+            <a:pPr marL="457200" lvl="1" indent="0" algn="ctr">
+              <a:buNone/>
+            </a:pPr>
+            <a:r>
+              <a:rPr lang="en-GB" sz="3200" dirty="0">
+                <a:hlinkClick r:id="rId3"/>
+              </a:rPr>
+              <a:t>aka.ms/devproxy</a:t>
+            </a:r>
+            <a:r>
+              <a:rPr lang="en-GB" sz="3200" dirty="0"/>
+              <a:t> </a:t>
+            </a:r>
+          </a:p>
+        </p:txBody>
+      </p:sp>
+    </p:spTree>
+    <p:extLst>
+      <p:ext uri="{BB962C8B-B14F-4D97-AF65-F5344CB8AC3E}">
+        <p14:creationId xmlns:p14="http://schemas.microsoft.com/office/powerpoint/2010/main" val="733077106"/>
       </p:ext>
     </p:extLst>
   </p:cSld>
